--- a/Fase 3/Evidencias grupales/Presentación Final del proyecto (Español).pptx
+++ b/Fase 3/Evidencias grupales/Presentación Final del proyecto (Español).pptx
@@ -1,60 +1,60 @@
 
 <file path=ppt/presentation.xml><?xml version="1.0" encoding="utf-8"?>
-<p:presentation xmlns:a="http://schemas.openxmlformats.org/drawingml/2006/main" xmlns:r="http://schemas.openxmlformats.org/officeDocument/2006/relationships" xmlns:p="http://schemas.openxmlformats.org/presentationml/2006/main" saveSubsetFonts="1" embedTrueTypeFonts="true">
+<p:presentation xmlns:a="http://schemas.openxmlformats.org/drawingml/2006/main" xmlns:r="http://schemas.openxmlformats.org/officeDocument/2006/relationships" xmlns:p="http://schemas.openxmlformats.org/presentationml/2006/main" embedTrueTypeFonts="1" saveSubsetFonts="1">
   <p:sldMasterIdLst>
     <p:sldMasterId id="2147483648" r:id="rId1"/>
   </p:sldMasterIdLst>
   <p:sldIdLst>
-    <p:sldId id="256" r:id="rId6"/>
-    <p:sldId id="257" r:id="rId7"/>
-    <p:sldId id="258" r:id="rId8"/>
-    <p:sldId id="259" r:id="rId9"/>
-    <p:sldId id="260" r:id="rId10"/>
-    <p:sldId id="261" r:id="rId11"/>
-    <p:sldId id="262" r:id="rId12"/>
-    <p:sldId id="263" r:id="rId13"/>
-    <p:sldId id="264" r:id="rId14"/>
-    <p:sldId id="265" r:id="rId15"/>
-    <p:sldId id="266" r:id="rId16"/>
-    <p:sldId id="267" r:id="rId17"/>
-    <p:sldId id="268" r:id="rId18"/>
-    <p:sldId id="269" r:id="rId19"/>
-    <p:sldId id="270" r:id="rId20"/>
-    <p:sldId id="271" r:id="rId21"/>
-    <p:sldId id="272" r:id="rId22"/>
-    <p:sldId id="273" r:id="rId23"/>
-    <p:sldId id="274" r:id="rId24"/>
+    <p:sldId id="256" r:id="rId2"/>
+    <p:sldId id="257" r:id="rId3"/>
+    <p:sldId id="258" r:id="rId4"/>
+    <p:sldId id="259" r:id="rId5"/>
+    <p:sldId id="260" r:id="rId6"/>
+    <p:sldId id="261" r:id="rId7"/>
+    <p:sldId id="262" r:id="rId8"/>
+    <p:sldId id="263" r:id="rId9"/>
+    <p:sldId id="264" r:id="rId10"/>
+    <p:sldId id="265" r:id="rId11"/>
+    <p:sldId id="266" r:id="rId12"/>
+    <p:sldId id="267" r:id="rId13"/>
+    <p:sldId id="268" r:id="rId14"/>
+    <p:sldId id="269" r:id="rId15"/>
+    <p:sldId id="270" r:id="rId16"/>
+    <p:sldId id="271" r:id="rId17"/>
+    <p:sldId id="272" r:id="rId18"/>
+    <p:sldId id="273" r:id="rId19"/>
+    <p:sldId id="274" r:id="rId20"/>
   </p:sldIdLst>
   <p:sldSz cx="18288000" cy="10287000"/>
   <p:notesSz cx="6858000" cy="9144000"/>
   <p:embeddedFontLst>
     <p:embeddedFont>
-      <p:font typeface="Public Sans Medium" charset="1" panose="00000000000000000000"/>
+      <p:font typeface="Open Sans 1" panose="020B0604020202020204" charset="0"/>
+      <p:regular r:id="rId21"/>
+    </p:embeddedFont>
+    <p:embeddedFont>
+      <p:font typeface="Open Sans 1 Bold" panose="020B0604020202020204" charset="0"/>
+      <p:regular r:id="rId22"/>
+    </p:embeddedFont>
+    <p:embeddedFont>
+      <p:font typeface="Open Sans 2" panose="020B0604020202020204" charset="0"/>
+      <p:regular r:id="rId23"/>
+    </p:embeddedFont>
+    <p:embeddedFont>
+      <p:font typeface="Open Sans 2 Bold" panose="020B0604020202020204" charset="0"/>
+      <p:regular r:id="rId24"/>
+    </p:embeddedFont>
+    <p:embeddedFont>
+      <p:font typeface="Public Sans" panose="020B0604020202020204" charset="0"/>
       <p:regular r:id="rId25"/>
     </p:embeddedFont>
     <p:embeddedFont>
-      <p:font typeface="Public Sans Bold" charset="1" panose="00000000000000000000"/>
+      <p:font typeface="Public Sans Bold" panose="020B0604020202020204" charset="0"/>
       <p:regular r:id="rId26"/>
     </p:embeddedFont>
     <p:embeddedFont>
-      <p:font typeface="Public Sans" charset="1" panose="00000000000000000000"/>
+      <p:font typeface="Public Sans Medium" panose="020B0604020202020204" charset="0"/>
       <p:regular r:id="rId27"/>
-    </p:embeddedFont>
-    <p:embeddedFont>
-      <p:font typeface="Open Sans 1 Bold" charset="1" panose="020B0806030504020204"/>
-      <p:regular r:id="rId28"/>
-    </p:embeddedFont>
-    <p:embeddedFont>
-      <p:font typeface="Open Sans 2 Bold" charset="1" panose="00000000000000000000"/>
-      <p:regular r:id="rId29"/>
-    </p:embeddedFont>
-    <p:embeddedFont>
-      <p:font typeface="Open Sans 1" charset="1" panose="020B0606030504020204"/>
-      <p:regular r:id="rId30"/>
-    </p:embeddedFont>
-    <p:embeddedFont>
-      <p:font typeface="Open Sans 2" charset="1" panose="00000000000000000000"/>
-      <p:regular r:id="rId31"/>
     </p:embeddedFont>
   </p:embeddedFontLst>
   <p:defaultTextStyle>
@@ -152,6 +152,22 @@
       </a:defRPr>
     </a:lvl9pPr>
   </p:defaultTextStyle>
+  <p:extLst>
+    <p:ext uri="{EFAFB233-063F-42B5-8137-9DF3F51BA10A}">
+      <p15:sldGuideLst xmlns:p15="http://schemas.microsoft.com/office/powerpoint/2012/main">
+        <p15:guide id="1" orient="horz" pos="2160">
+          <p15:clr>
+            <a:srgbClr val="A4A3A4"/>
+          </p15:clr>
+        </p15:guide>
+        <p15:guide id="2" pos="2880">
+          <p15:clr>
+            <a:srgbClr val="A4A3A4"/>
+          </p15:clr>
+        </p15:guide>
+      </p15:sldGuideLst>
+    </p:ext>
+  </p:extLst>
 </p:presentation>
 </file>
 
@@ -193,10 +209,9 @@
           <a:lstStyle/>
           <a:p>
             <a:r>
-              <a:rPr lang="en-US" smtClean="0"/>
+              <a:rPr lang="en-US"/>
               <a:t>Click to edit Master title style</a:t>
             </a:r>
-            <a:endParaRPr lang="en-US"/>
           </a:p>
         </p:txBody>
       </p:sp>
@@ -312,10 +327,9 @@
           </a:lstStyle>
           <a:p>
             <a:r>
-              <a:rPr lang="en-US" smtClean="0"/>
+              <a:rPr lang="en-US"/>
               <a:t>Click to edit Master subtitle style</a:t>
             </a:r>
-            <a:endParaRPr lang="en-US"/>
           </a:p>
         </p:txBody>
       </p:sp>
@@ -337,7 +351,7 @@
             <a:fld id="{1D8BD707-D9CF-40AE-B4C6-C98DA3205C09}" type="datetimeFigureOut">
               <a:rPr lang="en-US" smtClean="0"/>
               <a:pPr/>
-              <a:t>8/1/2011</a:t>
+              <a:t>11/19/2025</a:t>
             </a:fld>
             <a:endParaRPr lang="en-US"/>
           </a:p>
@@ -380,7 +394,7 @@
             <a:fld id="{B6F15528-21DE-4FAA-801E-634DDDAF4B2B}" type="slidenum">
               <a:rPr lang="en-US" smtClean="0"/>
               <a:pPr/>
-              <a:t>‹#›</a:t>
+              <a:t>‹Nº›</a:t>
             </a:fld>
             <a:endParaRPr lang="en-US"/>
           </a:p>
@@ -427,10 +441,9 @@
           <a:lstStyle/>
           <a:p>
             <a:r>
-              <a:rPr lang="en-US" smtClean="0"/>
+              <a:rPr lang="en-US"/>
               <a:t>Click to edit Master title style</a:t>
             </a:r>
-            <a:endParaRPr lang="en-US"/>
           </a:p>
         </p:txBody>
       </p:sp>
@@ -451,38 +464,37 @@
           <a:p>
             <a:pPr lvl="0"/>
             <a:r>
-              <a:rPr lang="en-US" smtClean="0"/>
+              <a:rPr lang="en-US"/>
               <a:t>Click to edit Master text styles</a:t>
             </a:r>
           </a:p>
           <a:p>
             <a:pPr lvl="1"/>
             <a:r>
-              <a:rPr lang="en-US" smtClean="0"/>
+              <a:rPr lang="en-US"/>
               <a:t>Second level</a:t>
             </a:r>
           </a:p>
           <a:p>
             <a:pPr lvl="2"/>
             <a:r>
-              <a:rPr lang="en-US" smtClean="0"/>
+              <a:rPr lang="en-US"/>
               <a:t>Third level</a:t>
             </a:r>
           </a:p>
           <a:p>
             <a:pPr lvl="3"/>
             <a:r>
-              <a:rPr lang="en-US" smtClean="0"/>
+              <a:rPr lang="en-US"/>
               <a:t>Fourth level</a:t>
             </a:r>
           </a:p>
           <a:p>
             <a:pPr lvl="4"/>
             <a:r>
-              <a:rPr lang="en-US" smtClean="0"/>
+              <a:rPr lang="en-US"/>
               <a:t>Fifth level</a:t>
             </a:r>
-            <a:endParaRPr lang="en-US"/>
           </a:p>
         </p:txBody>
       </p:sp>
@@ -504,7 +516,7 @@
             <a:fld id="{1D8BD707-D9CF-40AE-B4C6-C98DA3205C09}" type="datetimeFigureOut">
               <a:rPr lang="en-US" smtClean="0"/>
               <a:pPr/>
-              <a:t>8/1/2011</a:t>
+              <a:t>11/19/2025</a:t>
             </a:fld>
             <a:endParaRPr lang="en-US"/>
           </a:p>
@@ -547,7 +559,7 @@
             <a:fld id="{B6F15528-21DE-4FAA-801E-634DDDAF4B2B}" type="slidenum">
               <a:rPr lang="en-US" smtClean="0"/>
               <a:pPr/>
-              <a:t>‹#›</a:t>
+              <a:t>‹Nº›</a:t>
             </a:fld>
             <a:endParaRPr lang="en-US"/>
           </a:p>
@@ -599,10 +611,9 @@
           <a:lstStyle/>
           <a:p>
             <a:r>
-              <a:rPr lang="en-US" smtClean="0"/>
+              <a:rPr lang="en-US"/>
               <a:t>Click to edit Master title style</a:t>
             </a:r>
-            <a:endParaRPr lang="en-US"/>
           </a:p>
         </p:txBody>
       </p:sp>
@@ -628,38 +639,37 @@
           <a:p>
             <a:pPr lvl="0"/>
             <a:r>
-              <a:rPr lang="en-US" smtClean="0"/>
+              <a:rPr lang="en-US"/>
               <a:t>Click to edit Master text styles</a:t>
             </a:r>
           </a:p>
           <a:p>
             <a:pPr lvl="1"/>
             <a:r>
-              <a:rPr lang="en-US" smtClean="0"/>
+              <a:rPr lang="en-US"/>
               <a:t>Second level</a:t>
             </a:r>
           </a:p>
           <a:p>
             <a:pPr lvl="2"/>
             <a:r>
-              <a:rPr lang="en-US" smtClean="0"/>
+              <a:rPr lang="en-US"/>
               <a:t>Third level</a:t>
             </a:r>
           </a:p>
           <a:p>
             <a:pPr lvl="3"/>
             <a:r>
-              <a:rPr lang="en-US" smtClean="0"/>
+              <a:rPr lang="en-US"/>
               <a:t>Fourth level</a:t>
             </a:r>
           </a:p>
           <a:p>
             <a:pPr lvl="4"/>
             <a:r>
-              <a:rPr lang="en-US" smtClean="0"/>
+              <a:rPr lang="en-US"/>
               <a:t>Fifth level</a:t>
             </a:r>
-            <a:endParaRPr lang="en-US"/>
           </a:p>
         </p:txBody>
       </p:sp>
@@ -681,7 +691,7 @@
             <a:fld id="{1D8BD707-D9CF-40AE-B4C6-C98DA3205C09}" type="datetimeFigureOut">
               <a:rPr lang="en-US" smtClean="0"/>
               <a:pPr/>
-              <a:t>8/1/2011</a:t>
+              <a:t>11/19/2025</a:t>
             </a:fld>
             <a:endParaRPr lang="en-US"/>
           </a:p>
@@ -724,7 +734,7 @@
             <a:fld id="{B6F15528-21DE-4FAA-801E-634DDDAF4B2B}" type="slidenum">
               <a:rPr lang="en-US" smtClean="0"/>
               <a:pPr/>
-              <a:t>‹#›</a:t>
+              <a:t>‹Nº›</a:t>
             </a:fld>
             <a:endParaRPr lang="en-US"/>
           </a:p>
@@ -771,10 +781,9 @@
           <a:lstStyle/>
           <a:p>
             <a:r>
-              <a:rPr lang="en-US" smtClean="0"/>
+              <a:rPr lang="en-US"/>
               <a:t>Click to edit Master title style</a:t>
             </a:r>
-            <a:endParaRPr lang="en-US"/>
           </a:p>
         </p:txBody>
       </p:sp>
@@ -795,38 +804,37 @@
           <a:p>
             <a:pPr lvl="0"/>
             <a:r>
-              <a:rPr lang="en-US" smtClean="0"/>
+              <a:rPr lang="en-US"/>
               <a:t>Click to edit Master text styles</a:t>
             </a:r>
           </a:p>
           <a:p>
             <a:pPr lvl="1"/>
             <a:r>
-              <a:rPr lang="en-US" smtClean="0"/>
+              <a:rPr lang="en-US"/>
               <a:t>Second level</a:t>
             </a:r>
           </a:p>
           <a:p>
             <a:pPr lvl="2"/>
             <a:r>
-              <a:rPr lang="en-US" smtClean="0"/>
+              <a:rPr lang="en-US"/>
               <a:t>Third level</a:t>
             </a:r>
           </a:p>
           <a:p>
             <a:pPr lvl="3"/>
             <a:r>
-              <a:rPr lang="en-US" smtClean="0"/>
+              <a:rPr lang="en-US"/>
               <a:t>Fourth level</a:t>
             </a:r>
           </a:p>
           <a:p>
             <a:pPr lvl="4"/>
             <a:r>
-              <a:rPr lang="en-US" smtClean="0"/>
+              <a:rPr lang="en-US"/>
               <a:t>Fifth level</a:t>
             </a:r>
-            <a:endParaRPr lang="en-US"/>
           </a:p>
         </p:txBody>
       </p:sp>
@@ -848,7 +856,7 @@
             <a:fld id="{1D8BD707-D9CF-40AE-B4C6-C98DA3205C09}" type="datetimeFigureOut">
               <a:rPr lang="en-US" smtClean="0"/>
               <a:pPr/>
-              <a:t>8/1/2011</a:t>
+              <a:t>11/19/2025</a:t>
             </a:fld>
             <a:endParaRPr lang="en-US"/>
           </a:p>
@@ -891,7 +899,7 @@
             <a:fld id="{B6F15528-21DE-4FAA-801E-634DDDAF4B2B}" type="slidenum">
               <a:rPr lang="en-US" smtClean="0"/>
               <a:pPr/>
-              <a:t>‹#›</a:t>
+              <a:t>‹Nº›</a:t>
             </a:fld>
             <a:endParaRPr lang="en-US"/>
           </a:p>
@@ -947,10 +955,9 @@
           </a:lstStyle>
           <a:p>
             <a:r>
-              <a:rPr lang="en-US" smtClean="0"/>
+              <a:rPr lang="en-US"/>
               <a:t>Click to edit Master title style</a:t>
             </a:r>
-            <a:endParaRPr lang="en-US"/>
           </a:p>
         </p:txBody>
       </p:sp>
@@ -1067,7 +1074,7 @@
           <a:p>
             <a:pPr lvl="0"/>
             <a:r>
-              <a:rPr lang="en-US" smtClean="0"/>
+              <a:rPr lang="en-US"/>
               <a:t>Click to edit Master text styles</a:t>
             </a:r>
           </a:p>
@@ -1091,7 +1098,7 @@
             <a:fld id="{1D8BD707-D9CF-40AE-B4C6-C98DA3205C09}" type="datetimeFigureOut">
               <a:rPr lang="en-US" smtClean="0"/>
               <a:pPr/>
-              <a:t>8/1/2011</a:t>
+              <a:t>11/19/2025</a:t>
             </a:fld>
             <a:endParaRPr lang="en-US"/>
           </a:p>
@@ -1134,7 +1141,7 @@
             <a:fld id="{B6F15528-21DE-4FAA-801E-634DDDAF4B2B}" type="slidenum">
               <a:rPr lang="en-US" smtClean="0"/>
               <a:pPr/>
-              <a:t>‹#›</a:t>
+              <a:t>‹Nº›</a:t>
             </a:fld>
             <a:endParaRPr lang="en-US"/>
           </a:p>
@@ -1181,10 +1188,9 @@
           <a:lstStyle/>
           <a:p>
             <a:r>
-              <a:rPr lang="en-US" smtClean="0"/>
+              <a:rPr lang="en-US"/>
               <a:t>Click to edit Master title style</a:t>
             </a:r>
-            <a:endParaRPr lang="en-US"/>
           </a:p>
         </p:txBody>
       </p:sp>
@@ -1238,38 +1244,37 @@
           <a:p>
             <a:pPr lvl="0"/>
             <a:r>
-              <a:rPr lang="en-US" smtClean="0"/>
+              <a:rPr lang="en-US"/>
               <a:t>Click to edit Master text styles</a:t>
             </a:r>
           </a:p>
           <a:p>
             <a:pPr lvl="1"/>
             <a:r>
-              <a:rPr lang="en-US" smtClean="0"/>
+              <a:rPr lang="en-US"/>
               <a:t>Second level</a:t>
             </a:r>
           </a:p>
           <a:p>
             <a:pPr lvl="2"/>
             <a:r>
-              <a:rPr lang="en-US" smtClean="0"/>
+              <a:rPr lang="en-US"/>
               <a:t>Third level</a:t>
             </a:r>
           </a:p>
           <a:p>
             <a:pPr lvl="3"/>
             <a:r>
-              <a:rPr lang="en-US" smtClean="0"/>
+              <a:rPr lang="en-US"/>
               <a:t>Fourth level</a:t>
             </a:r>
           </a:p>
           <a:p>
             <a:pPr lvl="4"/>
             <a:r>
-              <a:rPr lang="en-US" smtClean="0"/>
+              <a:rPr lang="en-US"/>
               <a:t>Fifth level</a:t>
             </a:r>
-            <a:endParaRPr lang="en-US"/>
           </a:p>
         </p:txBody>
       </p:sp>
@@ -1323,38 +1328,37 @@
           <a:p>
             <a:pPr lvl="0"/>
             <a:r>
-              <a:rPr lang="en-US" smtClean="0"/>
+              <a:rPr lang="en-US"/>
               <a:t>Click to edit Master text styles</a:t>
             </a:r>
           </a:p>
           <a:p>
             <a:pPr lvl="1"/>
             <a:r>
-              <a:rPr lang="en-US" smtClean="0"/>
+              <a:rPr lang="en-US"/>
               <a:t>Second level</a:t>
             </a:r>
           </a:p>
           <a:p>
             <a:pPr lvl="2"/>
             <a:r>
-              <a:rPr lang="en-US" smtClean="0"/>
+              <a:rPr lang="en-US"/>
               <a:t>Third level</a:t>
             </a:r>
           </a:p>
           <a:p>
             <a:pPr lvl="3"/>
             <a:r>
-              <a:rPr lang="en-US" smtClean="0"/>
+              <a:rPr lang="en-US"/>
               <a:t>Fourth level</a:t>
             </a:r>
           </a:p>
           <a:p>
             <a:pPr lvl="4"/>
             <a:r>
-              <a:rPr lang="en-US" smtClean="0"/>
+              <a:rPr lang="en-US"/>
               <a:t>Fifth level</a:t>
             </a:r>
-            <a:endParaRPr lang="en-US"/>
           </a:p>
         </p:txBody>
       </p:sp>
@@ -1376,7 +1380,7 @@
             <a:fld id="{1D8BD707-D9CF-40AE-B4C6-C98DA3205C09}" type="datetimeFigureOut">
               <a:rPr lang="en-US" smtClean="0"/>
               <a:pPr/>
-              <a:t>8/1/2011</a:t>
+              <a:t>11/19/2025</a:t>
             </a:fld>
             <a:endParaRPr lang="en-US"/>
           </a:p>
@@ -1419,7 +1423,7 @@
             <a:fld id="{B6F15528-21DE-4FAA-801E-634DDDAF4B2B}" type="slidenum">
               <a:rPr lang="en-US" smtClean="0"/>
               <a:pPr/>
-              <a:t>‹#›</a:t>
+              <a:t>‹Nº›</a:t>
             </a:fld>
             <a:endParaRPr lang="en-US"/>
           </a:p>
@@ -1470,10 +1474,9 @@
           </a:lstStyle>
           <a:p>
             <a:r>
-              <a:rPr lang="en-US" smtClean="0"/>
+              <a:rPr lang="en-US"/>
               <a:t>Click to edit Master title style</a:t>
             </a:r>
-            <a:endParaRPr lang="en-US"/>
           </a:p>
         </p:txBody>
       </p:sp>
@@ -1536,7 +1539,7 @@
           <a:p>
             <a:pPr lvl="0"/>
             <a:r>
-              <a:rPr lang="en-US" smtClean="0"/>
+              <a:rPr lang="en-US"/>
               <a:t>Click to edit Master text styles</a:t>
             </a:r>
           </a:p>
@@ -1592,38 +1595,37 @@
           <a:p>
             <a:pPr lvl="0"/>
             <a:r>
-              <a:rPr lang="en-US" smtClean="0"/>
+              <a:rPr lang="en-US"/>
               <a:t>Click to edit Master text styles</a:t>
             </a:r>
           </a:p>
           <a:p>
             <a:pPr lvl="1"/>
             <a:r>
-              <a:rPr lang="en-US" smtClean="0"/>
+              <a:rPr lang="en-US"/>
               <a:t>Second level</a:t>
             </a:r>
           </a:p>
           <a:p>
             <a:pPr lvl="2"/>
             <a:r>
-              <a:rPr lang="en-US" smtClean="0"/>
+              <a:rPr lang="en-US"/>
               <a:t>Third level</a:t>
             </a:r>
           </a:p>
           <a:p>
             <a:pPr lvl="3"/>
             <a:r>
-              <a:rPr lang="en-US" smtClean="0"/>
+              <a:rPr lang="en-US"/>
               <a:t>Fourth level</a:t>
             </a:r>
           </a:p>
           <a:p>
             <a:pPr lvl="4"/>
             <a:r>
-              <a:rPr lang="en-US" smtClean="0"/>
+              <a:rPr lang="en-US"/>
               <a:t>Fifth level</a:t>
             </a:r>
-            <a:endParaRPr lang="en-US"/>
           </a:p>
         </p:txBody>
       </p:sp>
@@ -1686,7 +1688,7 @@
           <a:p>
             <a:pPr lvl="0"/>
             <a:r>
-              <a:rPr lang="en-US" smtClean="0"/>
+              <a:rPr lang="en-US"/>
               <a:t>Click to edit Master text styles</a:t>
             </a:r>
           </a:p>
@@ -1742,38 +1744,37 @@
           <a:p>
             <a:pPr lvl="0"/>
             <a:r>
-              <a:rPr lang="en-US" smtClean="0"/>
+              <a:rPr lang="en-US"/>
               <a:t>Click to edit Master text styles</a:t>
             </a:r>
           </a:p>
           <a:p>
             <a:pPr lvl="1"/>
             <a:r>
-              <a:rPr lang="en-US" smtClean="0"/>
+              <a:rPr lang="en-US"/>
               <a:t>Second level</a:t>
             </a:r>
           </a:p>
           <a:p>
             <a:pPr lvl="2"/>
             <a:r>
-              <a:rPr lang="en-US" smtClean="0"/>
+              <a:rPr lang="en-US"/>
               <a:t>Third level</a:t>
             </a:r>
           </a:p>
           <a:p>
             <a:pPr lvl="3"/>
             <a:r>
-              <a:rPr lang="en-US" smtClean="0"/>
+              <a:rPr lang="en-US"/>
               <a:t>Fourth level</a:t>
             </a:r>
           </a:p>
           <a:p>
             <a:pPr lvl="4"/>
             <a:r>
-              <a:rPr lang="en-US" smtClean="0"/>
+              <a:rPr lang="en-US"/>
               <a:t>Fifth level</a:t>
             </a:r>
-            <a:endParaRPr lang="en-US"/>
           </a:p>
         </p:txBody>
       </p:sp>
@@ -1795,7 +1796,7 @@
             <a:fld id="{1D8BD707-D9CF-40AE-B4C6-C98DA3205C09}" type="datetimeFigureOut">
               <a:rPr lang="en-US" smtClean="0"/>
               <a:pPr/>
-              <a:t>8/1/2011</a:t>
+              <a:t>11/19/2025</a:t>
             </a:fld>
             <a:endParaRPr lang="en-US"/>
           </a:p>
@@ -1838,7 +1839,7 @@
             <a:fld id="{B6F15528-21DE-4FAA-801E-634DDDAF4B2B}" type="slidenum">
               <a:rPr lang="en-US" smtClean="0"/>
               <a:pPr/>
-              <a:t>‹#›</a:t>
+              <a:t>‹Nº›</a:t>
             </a:fld>
             <a:endParaRPr lang="en-US"/>
           </a:p>
@@ -1885,10 +1886,9 @@
           <a:lstStyle/>
           <a:p>
             <a:r>
-              <a:rPr lang="en-US" smtClean="0"/>
+              <a:rPr lang="en-US"/>
               <a:t>Click to edit Master title style</a:t>
             </a:r>
-            <a:endParaRPr lang="en-US"/>
           </a:p>
         </p:txBody>
       </p:sp>
@@ -1910,7 +1910,7 @@
             <a:fld id="{1D8BD707-D9CF-40AE-B4C6-C98DA3205C09}" type="datetimeFigureOut">
               <a:rPr lang="en-US" smtClean="0"/>
               <a:pPr/>
-              <a:t>8/1/2011</a:t>
+              <a:t>11/19/2025</a:t>
             </a:fld>
             <a:endParaRPr lang="en-US"/>
           </a:p>
@@ -1953,7 +1953,7 @@
             <a:fld id="{B6F15528-21DE-4FAA-801E-634DDDAF4B2B}" type="slidenum">
               <a:rPr lang="en-US" smtClean="0"/>
               <a:pPr/>
-              <a:t>‹#›</a:t>
+              <a:t>‹Nº›</a:t>
             </a:fld>
             <a:endParaRPr lang="en-US"/>
           </a:p>
@@ -2002,7 +2002,7 @@
             <a:fld id="{1D8BD707-D9CF-40AE-B4C6-C98DA3205C09}" type="datetimeFigureOut">
               <a:rPr lang="en-US" smtClean="0"/>
               <a:pPr/>
-              <a:t>8/1/2011</a:t>
+              <a:t>11/19/2025</a:t>
             </a:fld>
             <a:endParaRPr lang="en-US"/>
           </a:p>
@@ -2045,7 +2045,7 @@
             <a:fld id="{B6F15528-21DE-4FAA-801E-634DDDAF4B2B}" type="slidenum">
               <a:rPr lang="en-US" smtClean="0"/>
               <a:pPr/>
-              <a:t>‹#›</a:t>
+              <a:t>‹Nº›</a:t>
             </a:fld>
             <a:endParaRPr lang="en-US"/>
           </a:p>
@@ -2101,10 +2101,9 @@
           </a:lstStyle>
           <a:p>
             <a:r>
-              <a:rPr lang="en-US" smtClean="0"/>
+              <a:rPr lang="en-US"/>
               <a:t>Click to edit Master title style</a:t>
             </a:r>
-            <a:endParaRPr lang="en-US"/>
           </a:p>
         </p:txBody>
       </p:sp>
@@ -2158,38 +2157,37 @@
           <a:p>
             <a:pPr lvl="0"/>
             <a:r>
-              <a:rPr lang="en-US" smtClean="0"/>
+              <a:rPr lang="en-US"/>
               <a:t>Click to edit Master text styles</a:t>
             </a:r>
           </a:p>
           <a:p>
             <a:pPr lvl="1"/>
             <a:r>
-              <a:rPr lang="en-US" smtClean="0"/>
+              <a:rPr lang="en-US"/>
               <a:t>Second level</a:t>
             </a:r>
           </a:p>
           <a:p>
             <a:pPr lvl="2"/>
             <a:r>
-              <a:rPr lang="en-US" smtClean="0"/>
+              <a:rPr lang="en-US"/>
               <a:t>Third level</a:t>
             </a:r>
           </a:p>
           <a:p>
             <a:pPr lvl="3"/>
             <a:r>
-              <a:rPr lang="en-US" smtClean="0"/>
+              <a:rPr lang="en-US"/>
               <a:t>Fourth level</a:t>
             </a:r>
           </a:p>
           <a:p>
             <a:pPr lvl="4"/>
             <a:r>
-              <a:rPr lang="en-US" smtClean="0"/>
+              <a:rPr lang="en-US"/>
               <a:t>Fifth level</a:t>
             </a:r>
-            <a:endParaRPr lang="en-US"/>
           </a:p>
         </p:txBody>
       </p:sp>
@@ -2252,7 +2250,7 @@
           <a:p>
             <a:pPr lvl="0"/>
             <a:r>
-              <a:rPr lang="en-US" smtClean="0"/>
+              <a:rPr lang="en-US"/>
               <a:t>Click to edit Master text styles</a:t>
             </a:r>
           </a:p>
@@ -2276,7 +2274,7 @@
             <a:fld id="{1D8BD707-D9CF-40AE-B4C6-C98DA3205C09}" type="datetimeFigureOut">
               <a:rPr lang="en-US" smtClean="0"/>
               <a:pPr/>
-              <a:t>8/1/2011</a:t>
+              <a:t>11/19/2025</a:t>
             </a:fld>
             <a:endParaRPr lang="en-US"/>
           </a:p>
@@ -2319,7 +2317,7 @@
             <a:fld id="{B6F15528-21DE-4FAA-801E-634DDDAF4B2B}" type="slidenum">
               <a:rPr lang="en-US" smtClean="0"/>
               <a:pPr/>
-              <a:t>‹#›</a:t>
+              <a:t>‹Nº›</a:t>
             </a:fld>
             <a:endParaRPr lang="en-US"/>
           </a:p>
@@ -2375,10 +2373,9 @@
           </a:lstStyle>
           <a:p>
             <a:r>
-              <a:rPr lang="en-US" smtClean="0"/>
+              <a:rPr lang="en-US"/>
               <a:t>Click to edit Master title style</a:t>
             </a:r>
-            <a:endParaRPr lang="en-US"/>
           </a:p>
         </p:txBody>
       </p:sp>
@@ -2502,7 +2499,7 @@
           <a:p>
             <a:pPr lvl="0"/>
             <a:r>
-              <a:rPr lang="en-US" smtClean="0"/>
+              <a:rPr lang="en-US"/>
               <a:t>Click to edit Master text styles</a:t>
             </a:r>
           </a:p>
@@ -2526,7 +2523,7 @@
             <a:fld id="{1D8BD707-D9CF-40AE-B4C6-C98DA3205C09}" type="datetimeFigureOut">
               <a:rPr lang="en-US" smtClean="0"/>
               <a:pPr/>
-              <a:t>8/1/2011</a:t>
+              <a:t>11/19/2025</a:t>
             </a:fld>
             <a:endParaRPr lang="en-US"/>
           </a:p>
@@ -2569,7 +2566,7 @@
             <a:fld id="{B6F15528-21DE-4FAA-801E-634DDDAF4B2B}" type="slidenum">
               <a:rPr lang="en-US" smtClean="0"/>
               <a:pPr/>
-              <a:t>‹#›</a:t>
+              <a:t>‹Nº›</a:t>
             </a:fld>
             <a:endParaRPr lang="en-US"/>
           </a:p>
@@ -2631,10 +2628,9 @@
           <a:lstStyle/>
           <a:p>
             <a:r>
-              <a:rPr lang="en-US" smtClean="0"/>
+              <a:rPr lang="en-US"/>
               <a:t>Click to edit Master title style</a:t>
             </a:r>
-            <a:endParaRPr lang="en-US"/>
           </a:p>
         </p:txBody>
       </p:sp>
@@ -2665,38 +2661,37 @@
           <a:p>
             <a:pPr lvl="0"/>
             <a:r>
-              <a:rPr lang="en-US" smtClean="0"/>
+              <a:rPr lang="en-US"/>
               <a:t>Click to edit Master text styles</a:t>
             </a:r>
           </a:p>
           <a:p>
             <a:pPr lvl="1"/>
             <a:r>
-              <a:rPr lang="en-US" smtClean="0"/>
+              <a:rPr lang="en-US"/>
               <a:t>Second level</a:t>
             </a:r>
           </a:p>
           <a:p>
             <a:pPr lvl="2"/>
             <a:r>
-              <a:rPr lang="en-US" smtClean="0"/>
+              <a:rPr lang="en-US"/>
               <a:t>Third level</a:t>
             </a:r>
           </a:p>
           <a:p>
             <a:pPr lvl="3"/>
             <a:r>
-              <a:rPr lang="en-US" smtClean="0"/>
+              <a:rPr lang="en-US"/>
               <a:t>Fourth level</a:t>
             </a:r>
           </a:p>
           <a:p>
             <a:pPr lvl="4"/>
             <a:r>
-              <a:rPr lang="en-US" smtClean="0"/>
+              <a:rPr lang="en-US"/>
               <a:t>Fifth level</a:t>
             </a:r>
-            <a:endParaRPr lang="en-US"/>
           </a:p>
         </p:txBody>
       </p:sp>
@@ -2736,7 +2731,7 @@
             <a:fld id="{1D8BD707-D9CF-40AE-B4C6-C98DA3205C09}" type="datetimeFigureOut">
               <a:rPr lang="en-US" smtClean="0"/>
               <a:pPr/>
-              <a:t>8/1/2011</a:t>
+              <a:t>11/19/2025</a:t>
             </a:fld>
             <a:endParaRPr lang="en-US"/>
           </a:p>
@@ -2815,7 +2810,7 @@
             <a:fld id="{B6F15528-21DE-4FAA-801E-634DDDAF4B2B}" type="slidenum">
               <a:rPr lang="en-US" smtClean="0"/>
               <a:pPr/>
-              <a:t>‹#›</a:t>
+              <a:t>‹Nº›</a:t>
             </a:fld>
             <a:endParaRPr lang="en-US"/>
           </a:p>
@@ -3091,13 +3086,14 @@
 </file>
 
 <file path=ppt/slides/slide1.xml><?xml version="1.0" encoding="utf-8"?>
-<p:sld xmlns:p="http://schemas.openxmlformats.org/presentationml/2006/main" xmlns:a="http://schemas.openxmlformats.org/drawingml/2006/main" xmlns:r="http://schemas.openxmlformats.org/officeDocument/2006/relationships">
+<p:sld xmlns:a="http://schemas.openxmlformats.org/drawingml/2006/main" xmlns:r="http://schemas.openxmlformats.org/officeDocument/2006/relationships" xmlns:p="http://schemas.openxmlformats.org/presentationml/2006/main">
   <p:cSld>
     <p:bg>
       <p:bgPr>
         <a:solidFill>
           <a:srgbClr val="000000"/>
         </a:solidFill>
+        <a:effectLst/>
       </p:bgPr>
     </p:bg>
     <p:spTree>
@@ -3116,12 +3112,12 @@
       </p:grpSpPr>
       <p:sp>
         <p:nvSpPr>
-          <p:cNvPr name="Freeform 2" id="2"/>
+          <p:cNvPr id="2" name="Freeform 2"/>
           <p:cNvSpPr/>
           <p:nvPr/>
         </p:nvSpPr>
         <p:spPr>
-          <a:xfrm flipH="false" flipV="false" rot="0">
+          <a:xfrm>
             <a:off x="12133208" y="4862154"/>
             <a:ext cx="7959066" cy="8450746"/>
           </a:xfrm>
@@ -3130,9 +3126,9 @@
             <a:gdLst/>
             <a:ahLst/>
             <a:cxnLst/>
-            <a:rect r="r" b="b" t="t" l="l"/>
+            <a:rect l="l" t="t" r="r" b="b"/>
             <a:pathLst>
-              <a:path h="8450746" w="7959066">
+              <a:path w="7959066" h="8450746">
                 <a:moveTo>
                   <a:pt x="0" y="0"/>
                 </a:moveTo>
@@ -3161,19 +3157,26 @@
               </a:extLst>
             </a:blip>
             <a:stretch>
-              <a:fillRect l="0" t="0" r="0" b="0"/>
+              <a:fillRect/>
             </a:stretch>
           </a:blipFill>
         </p:spPr>
-      </p:sp>
-      <p:sp>
-        <p:nvSpPr>
-          <p:cNvPr name="Freeform 3" id="3"/>
+        <p:txBody>
+          <a:bodyPr/>
+          <a:lstStyle/>
+          <a:p>
+            <a:endParaRPr lang="es-419"/>
+          </a:p>
+        </p:txBody>
+      </p:sp>
+      <p:sp>
+        <p:nvSpPr>
+          <p:cNvPr id="3" name="Freeform 3"/>
           <p:cNvSpPr/>
           <p:nvPr/>
         </p:nvSpPr>
         <p:spPr>
-          <a:xfrm flipH="false" flipV="false" rot="0">
+          <a:xfrm>
             <a:off x="8379181" y="3898348"/>
             <a:ext cx="5050543" cy="1550789"/>
           </a:xfrm>
@@ -3182,9 +3185,9 @@
             <a:gdLst/>
             <a:ahLst/>
             <a:cxnLst/>
-            <a:rect r="r" b="b" t="t" l="l"/>
+            <a:rect l="l" t="t" r="r" b="b"/>
             <a:pathLst>
-              <a:path h="1550789" w="5050543">
+              <a:path w="5050543" h="1550789">
                 <a:moveTo>
                   <a:pt x="0" y="0"/>
                 </a:moveTo>
@@ -3211,15 +3214,22 @@
             </a:stretch>
           </a:blipFill>
         </p:spPr>
-      </p:sp>
-      <p:sp>
-        <p:nvSpPr>
-          <p:cNvPr name="TextBox 4" id="4"/>
-          <p:cNvSpPr txBox="true"/>
-          <p:nvPr/>
-        </p:nvSpPr>
-        <p:spPr>
-          <a:xfrm rot="0">
+        <p:txBody>
+          <a:bodyPr/>
+          <a:lstStyle/>
+          <a:p>
+            <a:endParaRPr lang="es-419"/>
+          </a:p>
+        </p:txBody>
+      </p:sp>
+      <p:sp>
+        <p:nvSpPr>
+          <p:cNvPr id="4" name="TextBox 4"/>
+          <p:cNvSpPr txBox="1"/>
+          <p:nvPr/>
+        </p:nvSpPr>
+        <p:spPr>
+          <a:xfrm>
             <a:off x="3007352" y="4199688"/>
             <a:ext cx="5371829" cy="1249449"/>
           </a:xfrm>
@@ -3228,7 +3238,7 @@
           </a:prstGeom>
         </p:spPr>
         <p:txBody>
-          <a:bodyPr anchor="t" rtlCol="false" tIns="0" lIns="0" bIns="0" rIns="0">
+          <a:bodyPr lIns="0" tIns="0" rIns="0" bIns="0" rtlCol="0" anchor="t">
             <a:spAutoFit/>
           </a:bodyPr>
           <a:lstStyle/>
@@ -3239,7 +3249,7 @@
               </a:lnSpc>
             </a:pPr>
             <a:r>
-              <a:rPr lang="en-US" b="true" sz="11193" spc="-1119">
+              <a:rPr lang="en-US" sz="11193" b="1" spc="-1119">
                 <a:solidFill>
                   <a:srgbClr val="F1F1F1"/>
                 </a:solidFill>
@@ -3255,12 +3265,12 @@
       </p:sp>
       <p:sp>
         <p:nvSpPr>
-          <p:cNvPr name="TextBox 5" id="5"/>
-          <p:cNvSpPr txBox="true"/>
-          <p:nvPr/>
-        </p:nvSpPr>
-        <p:spPr>
-          <a:xfrm rot="0">
+          <p:cNvPr id="5" name="TextBox 5"/>
+          <p:cNvSpPr txBox="1"/>
+          <p:nvPr/>
+        </p:nvSpPr>
+        <p:spPr>
+          <a:xfrm>
             <a:off x="5816064" y="6070166"/>
             <a:ext cx="6025168" cy="464821"/>
           </a:xfrm>
@@ -3269,7 +3279,7 @@
           </a:prstGeom>
         </p:spPr>
         <p:txBody>
-          <a:bodyPr anchor="t" rtlCol="false" tIns="0" lIns="0" bIns="0" rIns="0">
+          <a:bodyPr lIns="0" tIns="0" rIns="0" bIns="0" rtlCol="0" anchor="t">
             <a:spAutoFit/>
           </a:bodyPr>
           <a:lstStyle/>
@@ -3280,7 +3290,7 @@
               </a:lnSpc>
             </a:pPr>
             <a:r>
-              <a:rPr lang="en-US" sz="2699" b="true">
+              <a:rPr lang="en-US" sz="2699" b="1">
                 <a:solidFill>
                   <a:srgbClr val="F1F1F1"/>
                 </a:solidFill>
@@ -3303,13 +3313,14 @@
 </file>
 
 <file path=ppt/slides/slide10.xml><?xml version="1.0" encoding="utf-8"?>
-<p:sld xmlns:p="http://schemas.openxmlformats.org/presentationml/2006/main" xmlns:a="http://schemas.openxmlformats.org/drawingml/2006/main" xmlns:r="http://schemas.openxmlformats.org/officeDocument/2006/relationships">
+<p:sld xmlns:a="http://schemas.openxmlformats.org/drawingml/2006/main" xmlns:r="http://schemas.openxmlformats.org/officeDocument/2006/relationships" xmlns:p="http://schemas.openxmlformats.org/presentationml/2006/main">
   <p:cSld>
     <p:bg>
       <p:bgPr>
         <a:solidFill>
           <a:srgbClr val="000000"/>
         </a:solidFill>
+        <a:effectLst/>
       </p:bgPr>
     </p:bg>
     <p:spTree>
@@ -3328,12 +3339,12 @@
       </p:grpSpPr>
       <p:sp>
         <p:nvSpPr>
-          <p:cNvPr name="Freeform 2" id="2"/>
+          <p:cNvPr id="2" name="Freeform 2"/>
           <p:cNvSpPr/>
           <p:nvPr/>
         </p:nvSpPr>
         <p:spPr>
-          <a:xfrm flipH="false" flipV="false" rot="0">
+          <a:xfrm>
             <a:off x="14572389" y="321523"/>
             <a:ext cx="7959066" cy="8450746"/>
           </a:xfrm>
@@ -3342,9 +3353,9 @@
             <a:gdLst/>
             <a:ahLst/>
             <a:cxnLst/>
-            <a:rect r="r" b="b" t="t" l="l"/>
+            <a:rect l="l" t="t" r="r" b="b"/>
             <a:pathLst>
-              <a:path h="8450746" w="7959066">
+              <a:path w="7959066" h="8450746">
                 <a:moveTo>
                   <a:pt x="0" y="0"/>
                 </a:moveTo>
@@ -3373,19 +3384,26 @@
               </a:extLst>
             </a:blip>
             <a:stretch>
-              <a:fillRect l="0" t="0" r="0" b="0"/>
+              <a:fillRect/>
             </a:stretch>
           </a:blipFill>
         </p:spPr>
-      </p:sp>
-      <p:sp>
-        <p:nvSpPr>
-          <p:cNvPr name="Freeform 3" id="3"/>
+        <p:txBody>
+          <a:bodyPr/>
+          <a:lstStyle/>
+          <a:p>
+            <a:endParaRPr lang="es-419"/>
+          </a:p>
+        </p:txBody>
+      </p:sp>
+      <p:sp>
+        <p:nvSpPr>
+          <p:cNvPr id="3" name="Freeform 3"/>
           <p:cNvSpPr/>
           <p:nvPr/>
         </p:nvSpPr>
         <p:spPr>
-          <a:xfrm flipH="false" flipV="false" rot="0">
+          <a:xfrm>
             <a:off x="12914023" y="5732347"/>
             <a:ext cx="1465883" cy="1468553"/>
           </a:xfrm>
@@ -3394,9 +3412,9 @@
             <a:gdLst/>
             <a:ahLst/>
             <a:cxnLst/>
-            <a:rect r="r" b="b" t="t" l="l"/>
+            <a:rect l="l" t="t" r="r" b="b"/>
             <a:pathLst>
-              <a:path h="1468553" w="1465883">
+              <a:path w="1465883" h="1468553">
                 <a:moveTo>
                   <a:pt x="0" y="0"/>
                 </a:moveTo>
@@ -3425,19 +3443,26 @@
               </a:extLst>
             </a:blip>
             <a:stretch>
-              <a:fillRect l="0" t="0" r="0" b="0"/>
+              <a:fillRect/>
             </a:stretch>
           </a:blipFill>
         </p:spPr>
-      </p:sp>
-      <p:sp>
-        <p:nvSpPr>
-          <p:cNvPr name="Freeform 4" id="4"/>
+        <p:txBody>
+          <a:bodyPr/>
+          <a:lstStyle/>
+          <a:p>
+            <a:endParaRPr lang="es-419"/>
+          </a:p>
+        </p:txBody>
+      </p:sp>
+      <p:sp>
+        <p:nvSpPr>
+          <p:cNvPr id="4" name="Freeform 4"/>
           <p:cNvSpPr/>
           <p:nvPr/>
         </p:nvSpPr>
         <p:spPr>
-          <a:xfrm flipH="false" flipV="false" rot="0">
+          <a:xfrm>
             <a:off x="2573068" y="2887925"/>
             <a:ext cx="11619208" cy="6626992"/>
           </a:xfrm>
@@ -3446,9 +3471,9 @@
             <a:gdLst/>
             <a:ahLst/>
             <a:cxnLst/>
-            <a:rect r="r" b="b" t="t" l="l"/>
+            <a:rect l="l" t="t" r="r" b="b"/>
             <a:pathLst>
-              <a:path h="6626992" w="11619208">
+              <a:path w="11619208" h="6626992">
                 <a:moveTo>
                   <a:pt x="0" y="0"/>
                 </a:moveTo>
@@ -3471,19 +3496,26 @@
           <a:blipFill>
             <a:blip r:embed="rId6"/>
             <a:stretch>
-              <a:fillRect l="0" t="0" r="0" b="0"/>
+              <a:fillRect/>
             </a:stretch>
           </a:blipFill>
         </p:spPr>
-      </p:sp>
-      <p:sp>
-        <p:nvSpPr>
-          <p:cNvPr name="TextBox 5" id="5"/>
-          <p:cNvSpPr txBox="true"/>
-          <p:nvPr/>
-        </p:nvSpPr>
-        <p:spPr>
-          <a:xfrm rot="0">
+        <p:txBody>
+          <a:bodyPr/>
+          <a:lstStyle/>
+          <a:p>
+            <a:endParaRPr lang="es-419"/>
+          </a:p>
+        </p:txBody>
+      </p:sp>
+      <p:sp>
+        <p:nvSpPr>
+          <p:cNvPr id="5" name="TextBox 5"/>
+          <p:cNvSpPr txBox="1"/>
+          <p:nvPr/>
+        </p:nvSpPr>
+        <p:spPr>
+          <a:xfrm>
             <a:off x="2255188" y="2450949"/>
             <a:ext cx="13777625" cy="2352813"/>
           </a:xfrm>
@@ -3492,7 +3524,7 @@
           </a:prstGeom>
         </p:spPr>
         <p:txBody>
-          <a:bodyPr anchor="t" rtlCol="false" tIns="0" lIns="0" bIns="0" rIns="0">
+          <a:bodyPr lIns="0" tIns="0" rIns="0" bIns="0" rtlCol="0" anchor="t">
             <a:spAutoFit/>
           </a:bodyPr>
           <a:lstStyle/>
@@ -3503,7 +3535,7 @@
               </a:lnSpc>
             </a:pPr>
             <a:r>
-              <a:rPr lang="en-US" sz="11193" spc="-1119" b="true">
+              <a:rPr lang="en-US" sz="11193" b="1" spc="-1119">
                 <a:solidFill>
                   <a:srgbClr val="F1F1F1"/>
                 </a:solidFill>
@@ -3529,7 +3561,7 @@
 </file>
 
 <file path=ppt/slides/slide11.xml><?xml version="1.0" encoding="utf-8"?>
-<p:sld xmlns:p="http://schemas.openxmlformats.org/presentationml/2006/main" xmlns:a="http://schemas.openxmlformats.org/drawingml/2006/main" xmlns:r="http://schemas.openxmlformats.org/officeDocument/2006/relationships">
+<p:sld xmlns:a="http://schemas.openxmlformats.org/drawingml/2006/main" xmlns:r="http://schemas.openxmlformats.org/officeDocument/2006/relationships" xmlns:p="http://schemas.openxmlformats.org/presentationml/2006/main">
   <p:cSld>
     <p:spTree>
       <p:nvGrpSpPr>
@@ -3547,12 +3579,12 @@
       </p:grpSpPr>
       <p:sp>
         <p:nvSpPr>
-          <p:cNvPr name="Freeform 2" id="2"/>
+          <p:cNvPr id="2" name="Freeform 2"/>
           <p:cNvSpPr/>
           <p:nvPr/>
         </p:nvSpPr>
         <p:spPr>
-          <a:xfrm flipH="false" flipV="false" rot="0">
+          <a:xfrm>
             <a:off x="0" y="0"/>
             <a:ext cx="18288000" cy="10287000"/>
           </a:xfrm>
@@ -3561,9 +3593,9 @@
             <a:gdLst/>
             <a:ahLst/>
             <a:cxnLst/>
-            <a:rect r="r" b="b" t="t" l="l"/>
+            <a:rect l="l" t="t" r="r" b="b"/>
             <a:pathLst>
-              <a:path h="10287000" w="18288000">
+              <a:path w="18288000" h="10287000">
                 <a:moveTo>
                   <a:pt x="0" y="0"/>
                 </a:moveTo>
@@ -3586,10 +3618,17 @@
           <a:blipFill>
             <a:blip r:embed="rId2"/>
             <a:stretch>
-              <a:fillRect l="0" t="-11888" r="0" b="-11888"/>
+              <a:fillRect t="-11888" b="-11888"/>
             </a:stretch>
           </a:blipFill>
         </p:spPr>
+        <p:txBody>
+          <a:bodyPr/>
+          <a:lstStyle/>
+          <a:p>
+            <a:endParaRPr lang="es-419"/>
+          </a:p>
+        </p:txBody>
       </p:sp>
     </p:spTree>
   </p:cSld>
@@ -3597,13 +3636,13 @@
     <a:masterClrMapping/>
   </p:clrMapOvr>
   <p:transition spd="slow">
-    <p:push dir="l"/>
+    <p:push/>
   </p:transition>
 </p:sld>
 </file>
 
 <file path=ppt/slides/slide12.xml><?xml version="1.0" encoding="utf-8"?>
-<p:sld xmlns:p="http://schemas.openxmlformats.org/presentationml/2006/main" xmlns:a="http://schemas.openxmlformats.org/drawingml/2006/main" xmlns:r="http://schemas.openxmlformats.org/officeDocument/2006/relationships">
+<p:sld xmlns:a="http://schemas.openxmlformats.org/drawingml/2006/main" xmlns:r="http://schemas.openxmlformats.org/officeDocument/2006/relationships" xmlns:p="http://schemas.openxmlformats.org/presentationml/2006/main">
   <p:cSld>
     <p:spTree>
       <p:nvGrpSpPr>
@@ -3621,12 +3660,12 @@
       </p:grpSpPr>
       <p:sp>
         <p:nvSpPr>
-          <p:cNvPr name="Freeform 2" id="2"/>
+          <p:cNvPr id="2" name="Freeform 2"/>
           <p:cNvSpPr/>
           <p:nvPr/>
         </p:nvSpPr>
         <p:spPr>
-          <a:xfrm flipH="false" flipV="false" rot="0">
+          <a:xfrm>
             <a:off x="0" y="0"/>
             <a:ext cx="18288000" cy="10287000"/>
           </a:xfrm>
@@ -3635,9 +3674,9 @@
             <a:gdLst/>
             <a:ahLst/>
             <a:cxnLst/>
-            <a:rect r="r" b="b" t="t" l="l"/>
+            <a:rect l="l" t="t" r="r" b="b"/>
             <a:pathLst>
-              <a:path h="10287000" w="18288000">
+              <a:path w="18288000" h="10287000">
                 <a:moveTo>
                   <a:pt x="0" y="0"/>
                 </a:moveTo>
@@ -3660,10 +3699,17 @@
           <a:blipFill>
             <a:blip r:embed="rId2"/>
             <a:stretch>
-              <a:fillRect l="-59223" t="0" r="-59223" b="0"/>
+              <a:fillRect l="-59223" r="-59223"/>
             </a:stretch>
           </a:blipFill>
         </p:spPr>
+        <p:txBody>
+          <a:bodyPr/>
+          <a:lstStyle/>
+          <a:p>
+            <a:endParaRPr lang="es-419"/>
+          </a:p>
+        </p:txBody>
       </p:sp>
     </p:spTree>
   </p:cSld>
@@ -3677,13 +3723,14 @@
 </file>
 
 <file path=ppt/slides/slide13.xml><?xml version="1.0" encoding="utf-8"?>
-<p:sld xmlns:p="http://schemas.openxmlformats.org/presentationml/2006/main" xmlns:a="http://schemas.openxmlformats.org/drawingml/2006/main" xmlns:r="http://schemas.openxmlformats.org/officeDocument/2006/relationships">
+<p:sld xmlns:a="http://schemas.openxmlformats.org/drawingml/2006/main" xmlns:r="http://schemas.openxmlformats.org/officeDocument/2006/relationships" xmlns:p="http://schemas.openxmlformats.org/presentationml/2006/main">
   <p:cSld>
     <p:bg>
       <p:bgPr>
         <a:solidFill>
           <a:srgbClr val="000000"/>
         </a:solidFill>
+        <a:effectLst/>
       </p:bgPr>
     </p:bg>
     <p:spTree>
@@ -3702,12 +3749,12 @@
       </p:grpSpPr>
       <p:sp>
         <p:nvSpPr>
-          <p:cNvPr name="Freeform 2" id="2"/>
+          <p:cNvPr id="2" name="Freeform 2"/>
           <p:cNvSpPr/>
           <p:nvPr/>
         </p:nvSpPr>
         <p:spPr>
-          <a:xfrm flipH="false" flipV="false" rot="0">
+          <a:xfrm>
             <a:off x="0" y="2345427"/>
             <a:ext cx="18085389" cy="6912873"/>
           </a:xfrm>
@@ -3716,9 +3763,9 @@
             <a:gdLst/>
             <a:ahLst/>
             <a:cxnLst/>
-            <a:rect r="r" b="b" t="t" l="l"/>
+            <a:rect l="l" t="t" r="r" b="b"/>
             <a:pathLst>
-              <a:path h="6912873" w="18085389">
+              <a:path w="18085389" h="6912873">
                 <a:moveTo>
                   <a:pt x="0" y="0"/>
                 </a:moveTo>
@@ -3741,19 +3788,26 @@
           <a:blipFill>
             <a:blip r:embed="rId2"/>
             <a:stretch>
-              <a:fillRect l="-90983" t="-292" r="-1897" b="0"/>
+              <a:fillRect l="-90983" t="-292" r="-1897"/>
             </a:stretch>
           </a:blipFill>
         </p:spPr>
-      </p:sp>
-      <p:sp>
-        <p:nvSpPr>
-          <p:cNvPr name="Freeform 3" id="3"/>
+        <p:txBody>
+          <a:bodyPr/>
+          <a:lstStyle/>
+          <a:p>
+            <a:endParaRPr lang="es-419"/>
+          </a:p>
+        </p:txBody>
+      </p:sp>
+      <p:sp>
+        <p:nvSpPr>
+          <p:cNvPr id="3" name="Freeform 3"/>
           <p:cNvSpPr/>
           <p:nvPr/>
         </p:nvSpPr>
         <p:spPr>
-          <a:xfrm flipH="false" flipV="false" rot="0">
+          <a:xfrm>
             <a:off x="13711315" y="-6105319"/>
             <a:ext cx="7959066" cy="8450746"/>
           </a:xfrm>
@@ -3762,9 +3816,9 @@
             <a:gdLst/>
             <a:ahLst/>
             <a:cxnLst/>
-            <a:rect r="r" b="b" t="t" l="l"/>
+            <a:rect l="l" t="t" r="r" b="b"/>
             <a:pathLst>
-              <a:path h="8450746" w="7959066">
+              <a:path w="7959066" h="8450746">
                 <a:moveTo>
                   <a:pt x="0" y="0"/>
                 </a:moveTo>
@@ -3793,19 +3847,26 @@
               </a:extLst>
             </a:blip>
             <a:stretch>
-              <a:fillRect l="0" t="0" r="0" b="0"/>
+              <a:fillRect/>
             </a:stretch>
           </a:blipFill>
         </p:spPr>
+        <p:txBody>
+          <a:bodyPr/>
+          <a:lstStyle/>
+          <a:p>
+            <a:endParaRPr lang="es-419"/>
+          </a:p>
+        </p:txBody>
       </p:sp>
       <p:grpSp>
         <p:nvGrpSpPr>
-          <p:cNvPr name="Group 4" id="4"/>
+          <p:cNvPr id="4" name="Group 4"/>
           <p:cNvGrpSpPr/>
           <p:nvPr/>
         </p:nvGrpSpPr>
         <p:grpSpPr>
-          <a:xfrm rot="0">
+          <a:xfrm>
             <a:off x="-507891" y="-1267063"/>
             <a:ext cx="5480359" cy="4229632"/>
             <a:chOff x="0" y="0"/>
@@ -3814,12 +3875,12 @@
         </p:grpSpPr>
         <p:sp>
           <p:nvSpPr>
-            <p:cNvPr name="Freeform 5" id="5"/>
+            <p:cNvPr id="5" name="Freeform 5"/>
             <p:cNvSpPr/>
             <p:nvPr/>
           </p:nvSpPr>
           <p:spPr>
-            <a:xfrm flipH="false" flipV="false" rot="0">
+            <a:xfrm>
               <a:off x="0" y="0"/>
               <a:ext cx="905432" cy="698795"/>
             </a:xfrm>
@@ -3828,9 +3889,9 @@
               <a:gdLst/>
               <a:ahLst/>
               <a:cxnLst/>
-              <a:rect r="r" b="b" t="t" l="l"/>
+              <a:rect l="l" t="t" r="r" b="b"/>
               <a:pathLst>
-                <a:path h="698795" w="905432">
+                <a:path w="905432" h="698795">
                   <a:moveTo>
                     <a:pt x="32491" y="0"/>
                   </a:moveTo>
@@ -3883,10 +3944,17 @@
             <a:blipFill>
               <a:blip r:embed="rId5"/>
               <a:stretch>
-                <a:fillRect l="-17658" t="0" r="-17658" b="0"/>
+                <a:fillRect l="-17658" r="-17658"/>
               </a:stretch>
             </a:blipFill>
           </p:spPr>
+          <p:txBody>
+            <a:bodyPr/>
+            <a:lstStyle/>
+            <a:p>
+              <a:endParaRPr lang="es-419"/>
+            </a:p>
+          </p:txBody>
         </p:sp>
       </p:grpSp>
     </p:spTree>
@@ -3901,13 +3969,14 @@
 </file>
 
 <file path=ppt/slides/slide14.xml><?xml version="1.0" encoding="utf-8"?>
-<p:sld xmlns:p="http://schemas.openxmlformats.org/presentationml/2006/main" xmlns:a="http://schemas.openxmlformats.org/drawingml/2006/main" xmlns:r="http://schemas.openxmlformats.org/officeDocument/2006/relationships">
+<p:sld xmlns:a="http://schemas.openxmlformats.org/drawingml/2006/main" xmlns:r="http://schemas.openxmlformats.org/officeDocument/2006/relationships" xmlns:p="http://schemas.openxmlformats.org/presentationml/2006/main">
   <p:cSld>
     <p:bg>
       <p:bgPr>
         <a:solidFill>
           <a:srgbClr val="000000"/>
         </a:solidFill>
+        <a:effectLst/>
       </p:bgPr>
     </p:bg>
     <p:spTree>
@@ -3926,12 +3995,12 @@
       </p:grpSpPr>
       <p:sp>
         <p:nvSpPr>
-          <p:cNvPr name="Freeform 2" id="2"/>
+          <p:cNvPr id="2" name="Freeform 2"/>
           <p:cNvSpPr/>
           <p:nvPr/>
         </p:nvSpPr>
         <p:spPr>
-          <a:xfrm flipH="true" flipV="true" rot="-10800000">
+          <a:xfrm rot="-10800000" flipH="1" flipV="1">
             <a:off x="-1635054" y="4663396"/>
             <a:ext cx="7418824" cy="7425012"/>
           </a:xfrm>
@@ -3940,9 +4009,9 @@
             <a:gdLst/>
             <a:ahLst/>
             <a:cxnLst/>
-            <a:rect r="r" b="b" t="t" l="l"/>
+            <a:rect l="l" t="t" r="r" b="b"/>
             <a:pathLst>
-              <a:path h="7425012" w="7418824">
+              <a:path w="7418824" h="7425012">
                 <a:moveTo>
                   <a:pt x="7418824" y="7425012"/>
                 </a:moveTo>
@@ -3971,19 +4040,26 @@
               </a:extLst>
             </a:blip>
             <a:stretch>
-              <a:fillRect l="0" t="0" r="0" b="0"/>
+              <a:fillRect/>
             </a:stretch>
           </a:blipFill>
         </p:spPr>
+        <p:txBody>
+          <a:bodyPr/>
+          <a:lstStyle/>
+          <a:p>
+            <a:endParaRPr lang="es-419"/>
+          </a:p>
+        </p:txBody>
       </p:sp>
       <p:grpSp>
         <p:nvGrpSpPr>
-          <p:cNvPr name="Group 3" id="3"/>
+          <p:cNvPr id="3" name="Group 3"/>
           <p:cNvGrpSpPr/>
           <p:nvPr/>
         </p:nvGrpSpPr>
         <p:grpSpPr>
-          <a:xfrm rot="0">
+          <a:xfrm>
             <a:off x="1825415" y="4585267"/>
             <a:ext cx="824630" cy="824630"/>
             <a:chOff x="0" y="0"/>
@@ -3992,12 +4068,12 @@
         </p:grpSpPr>
         <p:sp>
           <p:nvSpPr>
-            <p:cNvPr name="Freeform 4" id="4"/>
+            <p:cNvPr id="4" name="Freeform 4"/>
             <p:cNvSpPr/>
             <p:nvPr/>
           </p:nvSpPr>
           <p:spPr>
-            <a:xfrm flipH="false" flipV="false" rot="0">
+            <a:xfrm>
               <a:off x="0" y="0"/>
               <a:ext cx="812800" cy="812800"/>
             </a:xfrm>
@@ -4006,9 +4082,9 @@
               <a:gdLst/>
               <a:ahLst/>
               <a:cxnLst/>
-              <a:rect r="r" b="b" t="t" l="l"/>
+              <a:rect l="l" t="t" r="r" b="b"/>
               <a:pathLst>
-                <a:path h="812800" w="812800">
+                <a:path w="812800" h="812800">
                   <a:moveTo>
                     <a:pt x="406400" y="0"/>
                   </a:moveTo>
@@ -4047,11 +4123,18 @@
               <a:miter/>
             </a:ln>
           </p:spPr>
+          <p:txBody>
+            <a:bodyPr/>
+            <a:lstStyle/>
+            <a:p>
+              <a:endParaRPr lang="es-419"/>
+            </a:p>
+          </p:txBody>
         </p:sp>
         <p:sp>
           <p:nvSpPr>
-            <p:cNvPr name="TextBox 5" id="5"/>
-            <p:cNvSpPr txBox="true"/>
+            <p:cNvPr id="5" name="TextBox 5"/>
+            <p:cNvSpPr txBox="1"/>
             <p:nvPr/>
           </p:nvSpPr>
           <p:spPr>
@@ -4064,7 +4147,7 @@
             </a:prstGeom>
           </p:spPr>
           <p:txBody>
-            <a:bodyPr anchor="ctr" rtlCol="false" tIns="50800" lIns="50800" bIns="50800" rIns="50800"/>
+            <a:bodyPr lIns="50800" tIns="50800" rIns="50800" bIns="50800" rtlCol="0" anchor="ctr"/>
             <a:lstStyle/>
             <a:p>
               <a:pPr algn="ctr">
@@ -4073,7 +4156,7 @@
                 </a:lnSpc>
               </a:pPr>
               <a:r>
-                <a:rPr lang="en-US" b="true" sz="2299">
+                <a:rPr lang="en-US" sz="2299" b="1">
                   <a:solidFill>
                     <a:srgbClr val="283D60"/>
                   </a:solidFill>
@@ -4090,12 +4173,12 @@
       </p:grpSp>
       <p:grpSp>
         <p:nvGrpSpPr>
-          <p:cNvPr name="Group 6" id="6"/>
+          <p:cNvPr id="6" name="Group 6"/>
           <p:cNvGrpSpPr/>
           <p:nvPr/>
         </p:nvGrpSpPr>
         <p:grpSpPr>
-          <a:xfrm rot="0">
+          <a:xfrm>
             <a:off x="6883393" y="5018521"/>
             <a:ext cx="4521213" cy="4385469"/>
             <a:chOff x="0" y="0"/>
@@ -4104,12 +4187,12 @@
         </p:grpSpPr>
         <p:sp>
           <p:nvSpPr>
-            <p:cNvPr name="Freeform 7" id="7"/>
+            <p:cNvPr id="7" name="Freeform 7"/>
             <p:cNvSpPr/>
             <p:nvPr/>
           </p:nvSpPr>
           <p:spPr>
-            <a:xfrm flipH="false" flipV="false" rot="0">
+            <a:xfrm>
               <a:off x="0" y="0"/>
               <a:ext cx="1190772" cy="1155021"/>
             </a:xfrm>
@@ -4118,9 +4201,9 @@
               <a:gdLst/>
               <a:ahLst/>
               <a:cxnLst/>
-              <a:rect r="r" b="b" t="t" l="l"/>
+              <a:rect l="l" t="t" r="r" b="b"/>
               <a:pathLst>
-                <a:path h="1155021" w="1190772">
+                <a:path w="1190772" h="1155021">
                   <a:moveTo>
                     <a:pt x="1190772" y="0"/>
                   </a:moveTo>
@@ -4147,11 +4230,18 @@
               <a:srgbClr val="000000"/>
             </a:solidFill>
           </p:spPr>
+          <p:txBody>
+            <a:bodyPr/>
+            <a:lstStyle/>
+            <a:p>
+              <a:endParaRPr lang="es-419"/>
+            </a:p>
+          </p:txBody>
         </p:sp>
         <p:sp>
           <p:nvSpPr>
-            <p:cNvPr name="TextBox 8" id="8"/>
-            <p:cNvSpPr txBox="true"/>
+            <p:cNvPr id="8" name="TextBox 8"/>
+            <p:cNvSpPr txBox="1"/>
             <p:nvPr/>
           </p:nvSpPr>
           <p:spPr>
@@ -4164,7 +4254,7 @@
             </a:prstGeom>
           </p:spPr>
           <p:txBody>
-            <a:bodyPr anchor="ctr" rtlCol="false" tIns="50800" lIns="50800" bIns="50800" rIns="50800"/>
+            <a:bodyPr lIns="50800" tIns="50800" rIns="50800" bIns="50800" rtlCol="0" anchor="ctr"/>
             <a:lstStyle/>
             <a:p>
               <a:pPr algn="ctr">
@@ -4172,18 +4262,19 @@
                   <a:spcPts val="2520"/>
                 </a:lnSpc>
               </a:pPr>
+              <a:endParaRPr/>
             </a:p>
           </p:txBody>
         </p:sp>
       </p:grpSp>
       <p:grpSp>
         <p:nvGrpSpPr>
-          <p:cNvPr name="Group 9" id="9"/>
+          <p:cNvPr id="9" name="Group 9"/>
           <p:cNvGrpSpPr/>
           <p:nvPr/>
         </p:nvGrpSpPr>
         <p:grpSpPr>
-          <a:xfrm rot="0">
+          <a:xfrm>
             <a:off x="6717220" y="4585267"/>
             <a:ext cx="824630" cy="824630"/>
             <a:chOff x="0" y="0"/>
@@ -4192,12 +4283,12 @@
         </p:grpSpPr>
         <p:sp>
           <p:nvSpPr>
-            <p:cNvPr name="Freeform 10" id="10"/>
+            <p:cNvPr id="10" name="Freeform 10"/>
             <p:cNvSpPr/>
             <p:nvPr/>
           </p:nvSpPr>
           <p:spPr>
-            <a:xfrm flipH="false" flipV="false" rot="0">
+            <a:xfrm>
               <a:off x="0" y="0"/>
               <a:ext cx="812800" cy="812800"/>
             </a:xfrm>
@@ -4206,9 +4297,9 @@
               <a:gdLst/>
               <a:ahLst/>
               <a:cxnLst/>
-              <a:rect r="r" b="b" t="t" l="l"/>
+              <a:rect l="l" t="t" r="r" b="b"/>
               <a:pathLst>
-                <a:path h="812800" w="812800">
+                <a:path w="812800" h="812800">
                   <a:moveTo>
                     <a:pt x="406400" y="0"/>
                   </a:moveTo>
@@ -4247,11 +4338,18 @@
               <a:miter/>
             </a:ln>
           </p:spPr>
+          <p:txBody>
+            <a:bodyPr/>
+            <a:lstStyle/>
+            <a:p>
+              <a:endParaRPr lang="es-419"/>
+            </a:p>
+          </p:txBody>
         </p:sp>
         <p:sp>
           <p:nvSpPr>
-            <p:cNvPr name="TextBox 11" id="11"/>
-            <p:cNvSpPr txBox="true"/>
+            <p:cNvPr id="11" name="TextBox 11"/>
+            <p:cNvSpPr txBox="1"/>
             <p:nvPr/>
           </p:nvSpPr>
           <p:spPr>
@@ -4264,7 +4362,7 @@
             </a:prstGeom>
           </p:spPr>
           <p:txBody>
-            <a:bodyPr anchor="ctr" rtlCol="false" tIns="50800" lIns="50800" bIns="50800" rIns="50800"/>
+            <a:bodyPr lIns="50800" tIns="50800" rIns="50800" bIns="50800" rtlCol="0" anchor="ctr"/>
             <a:lstStyle/>
             <a:p>
               <a:pPr algn="ctr">
@@ -4273,7 +4371,7 @@
                 </a:lnSpc>
               </a:pPr>
               <a:r>
-                <a:rPr lang="en-US" b="true" sz="2299">
+                <a:rPr lang="en-US" sz="2299" b="1">
                   <a:solidFill>
                     <a:srgbClr val="283D60"/>
                   </a:solidFill>
@@ -4290,12 +4388,12 @@
       </p:grpSp>
       <p:grpSp>
         <p:nvGrpSpPr>
-          <p:cNvPr name="Group 12" id="12"/>
+          <p:cNvPr id="12" name="Group 12"/>
           <p:cNvGrpSpPr/>
           <p:nvPr/>
         </p:nvGrpSpPr>
         <p:grpSpPr>
-          <a:xfrm rot="0">
+          <a:xfrm>
             <a:off x="11770805" y="5018521"/>
             <a:ext cx="4521213" cy="4385469"/>
             <a:chOff x="0" y="0"/>
@@ -4304,12 +4402,12 @@
         </p:grpSpPr>
         <p:sp>
           <p:nvSpPr>
-            <p:cNvPr name="Freeform 13" id="13"/>
+            <p:cNvPr id="13" name="Freeform 13"/>
             <p:cNvSpPr/>
             <p:nvPr/>
           </p:nvSpPr>
           <p:spPr>
-            <a:xfrm flipH="false" flipV="false" rot="0">
+            <a:xfrm>
               <a:off x="0" y="0"/>
               <a:ext cx="1190772" cy="1155021"/>
             </a:xfrm>
@@ -4318,9 +4416,9 @@
               <a:gdLst/>
               <a:ahLst/>
               <a:cxnLst/>
-              <a:rect r="r" b="b" t="t" l="l"/>
+              <a:rect l="l" t="t" r="r" b="b"/>
               <a:pathLst>
-                <a:path h="1155021" w="1190772">
+                <a:path w="1190772" h="1155021">
                   <a:moveTo>
                     <a:pt x="1190772" y="0"/>
                   </a:moveTo>
@@ -4347,11 +4445,18 @@
               <a:srgbClr val="000000"/>
             </a:solidFill>
           </p:spPr>
+          <p:txBody>
+            <a:bodyPr/>
+            <a:lstStyle/>
+            <a:p>
+              <a:endParaRPr lang="es-419"/>
+            </a:p>
+          </p:txBody>
         </p:sp>
         <p:sp>
           <p:nvSpPr>
-            <p:cNvPr name="TextBox 14" id="14"/>
-            <p:cNvSpPr txBox="true"/>
+            <p:cNvPr id="14" name="TextBox 14"/>
+            <p:cNvSpPr txBox="1"/>
             <p:nvPr/>
           </p:nvSpPr>
           <p:spPr>
@@ -4364,7 +4469,7 @@
             </a:prstGeom>
           </p:spPr>
           <p:txBody>
-            <a:bodyPr anchor="ctr" rtlCol="false" tIns="50800" lIns="50800" bIns="50800" rIns="50800"/>
+            <a:bodyPr lIns="50800" tIns="50800" rIns="50800" bIns="50800" rtlCol="0" anchor="ctr"/>
             <a:lstStyle/>
             <a:p>
               <a:pPr algn="ctr">
@@ -4372,18 +4477,19 @@
                   <a:spcPts val="2520"/>
                 </a:lnSpc>
               </a:pPr>
+              <a:endParaRPr/>
             </a:p>
           </p:txBody>
         </p:sp>
       </p:grpSp>
       <p:grpSp>
         <p:nvGrpSpPr>
-          <p:cNvPr name="Group 15" id="15"/>
+          <p:cNvPr id="15" name="Group 15"/>
           <p:cNvGrpSpPr/>
           <p:nvPr/>
         </p:nvGrpSpPr>
         <p:grpSpPr>
-          <a:xfrm rot="0">
+          <a:xfrm>
             <a:off x="11604632" y="4606206"/>
             <a:ext cx="824630" cy="824630"/>
             <a:chOff x="0" y="0"/>
@@ -4392,12 +4498,12 @@
         </p:grpSpPr>
         <p:sp>
           <p:nvSpPr>
-            <p:cNvPr name="Freeform 16" id="16"/>
+            <p:cNvPr id="16" name="Freeform 16"/>
             <p:cNvSpPr/>
             <p:nvPr/>
           </p:nvSpPr>
           <p:spPr>
-            <a:xfrm flipH="false" flipV="false" rot="0">
+            <a:xfrm>
               <a:off x="0" y="0"/>
               <a:ext cx="812800" cy="812800"/>
             </a:xfrm>
@@ -4406,9 +4512,9 @@
               <a:gdLst/>
               <a:ahLst/>
               <a:cxnLst/>
-              <a:rect r="r" b="b" t="t" l="l"/>
+              <a:rect l="l" t="t" r="r" b="b"/>
               <a:pathLst>
-                <a:path h="812800" w="812800">
+                <a:path w="812800" h="812800">
                   <a:moveTo>
                     <a:pt x="406400" y="0"/>
                   </a:moveTo>
@@ -4447,11 +4553,18 @@
               <a:miter/>
             </a:ln>
           </p:spPr>
+          <p:txBody>
+            <a:bodyPr/>
+            <a:lstStyle/>
+            <a:p>
+              <a:endParaRPr lang="es-419"/>
+            </a:p>
+          </p:txBody>
         </p:sp>
         <p:sp>
           <p:nvSpPr>
-            <p:cNvPr name="TextBox 17" id="17"/>
-            <p:cNvSpPr txBox="true"/>
+            <p:cNvPr id="17" name="TextBox 17"/>
+            <p:cNvSpPr txBox="1"/>
             <p:nvPr/>
           </p:nvSpPr>
           <p:spPr>
@@ -4464,7 +4577,7 @@
             </a:prstGeom>
           </p:spPr>
           <p:txBody>
-            <a:bodyPr anchor="ctr" rtlCol="false" tIns="50800" lIns="50800" bIns="50800" rIns="50800"/>
+            <a:bodyPr lIns="50800" tIns="50800" rIns="50800" bIns="50800" rtlCol="0" anchor="ctr"/>
             <a:lstStyle/>
             <a:p>
               <a:pPr algn="ctr">
@@ -4473,7 +4586,7 @@
                 </a:lnSpc>
               </a:pPr>
               <a:r>
-                <a:rPr lang="en-US" b="true" sz="2299">
+                <a:rPr lang="en-US" sz="2299" b="1">
                   <a:solidFill>
                     <a:srgbClr val="283D60"/>
                   </a:solidFill>
@@ -4490,12 +4603,12 @@
       </p:grpSp>
       <p:sp>
         <p:nvSpPr>
-          <p:cNvPr name="Freeform 18" id="18"/>
+          <p:cNvPr id="18" name="Freeform 18"/>
           <p:cNvSpPr/>
           <p:nvPr/>
         </p:nvSpPr>
         <p:spPr>
-          <a:xfrm flipH="false" flipV="false" rot="0">
+          <a:xfrm>
             <a:off x="3949944" y="6260622"/>
             <a:ext cx="2294980" cy="1527205"/>
           </a:xfrm>
@@ -4504,9 +4617,9 @@
             <a:gdLst/>
             <a:ahLst/>
             <a:cxnLst/>
-            <a:rect r="r" b="b" t="t" l="l"/>
+            <a:rect l="l" t="t" r="r" b="b"/>
             <a:pathLst>
-              <a:path h="1527205" w="2294980">
+              <a:path w="2294980" h="1527205">
                 <a:moveTo>
                   <a:pt x="0" y="0"/>
                 </a:moveTo>
@@ -4529,19 +4642,26 @@
           <a:blipFill>
             <a:blip r:embed="rId4"/>
             <a:stretch>
-              <a:fillRect l="0" t="0" r="0" b="0"/>
+              <a:fillRect/>
             </a:stretch>
           </a:blipFill>
         </p:spPr>
-      </p:sp>
-      <p:sp>
-        <p:nvSpPr>
-          <p:cNvPr name="Freeform 19" id="19"/>
+        <p:txBody>
+          <a:bodyPr/>
+          <a:lstStyle/>
+          <a:p>
+            <a:endParaRPr lang="es-419"/>
+          </a:p>
+        </p:txBody>
+      </p:sp>
+      <p:sp>
+        <p:nvSpPr>
+          <p:cNvPr id="19" name="Freeform 19"/>
           <p:cNvSpPr/>
           <p:nvPr/>
         </p:nvSpPr>
         <p:spPr>
-          <a:xfrm flipH="false" flipV="false" rot="0">
+          <a:xfrm>
             <a:off x="13666556" y="6358459"/>
             <a:ext cx="2312839" cy="1527205"/>
           </a:xfrm>
@@ -4550,9 +4670,9 @@
             <a:gdLst/>
             <a:ahLst/>
             <a:cxnLst/>
-            <a:rect r="r" b="b" t="t" l="l"/>
+            <a:rect l="l" t="t" r="r" b="b"/>
             <a:pathLst>
-              <a:path h="1527205" w="2312839">
+              <a:path w="2312839" h="1527205">
                 <a:moveTo>
                   <a:pt x="0" y="0"/>
                 </a:moveTo>
@@ -4575,19 +4695,26 @@
           <a:blipFill>
             <a:blip r:embed="rId5"/>
             <a:stretch>
-              <a:fillRect l="0" t="-5279" r="0" b="-5279"/>
+              <a:fillRect t="-5279" b="-5279"/>
             </a:stretch>
           </a:blipFill>
         </p:spPr>
-      </p:sp>
-      <p:sp>
-        <p:nvSpPr>
-          <p:cNvPr name="TextBox 20" id="20"/>
-          <p:cNvSpPr txBox="true"/>
-          <p:nvPr/>
-        </p:nvSpPr>
-        <p:spPr>
-          <a:xfrm rot="0">
+        <p:txBody>
+          <a:bodyPr/>
+          <a:lstStyle/>
+          <a:p>
+            <a:endParaRPr lang="es-419"/>
+          </a:p>
+        </p:txBody>
+      </p:sp>
+      <p:sp>
+        <p:nvSpPr>
+          <p:cNvPr id="20" name="TextBox 20"/>
+          <p:cNvSpPr txBox="1"/>
+          <p:nvPr/>
+        </p:nvSpPr>
+        <p:spPr>
+          <a:xfrm>
             <a:off x="2224558" y="2288836"/>
             <a:ext cx="15034742" cy="1258206"/>
           </a:xfrm>
@@ -4596,7 +4723,7 @@
           </a:prstGeom>
         </p:spPr>
         <p:txBody>
-          <a:bodyPr anchor="t" rtlCol="false" tIns="0" lIns="0" bIns="0" rIns="0">
+          <a:bodyPr lIns="0" tIns="0" rIns="0" bIns="0" rtlCol="0" anchor="t">
             <a:spAutoFit/>
           </a:bodyPr>
           <a:lstStyle/>
@@ -4607,7 +4734,7 @@
               </a:lnSpc>
             </a:pPr>
             <a:r>
-              <a:rPr lang="en-US" sz="11193" spc="-1119" b="true">
+              <a:rPr lang="en-US" sz="11193" b="1" spc="-1119">
                 <a:solidFill>
                   <a:srgbClr val="F1F1F1"/>
                 </a:solidFill>
@@ -4623,12 +4750,12 @@
       </p:sp>
       <p:grpSp>
         <p:nvGrpSpPr>
-          <p:cNvPr name="Group 21" id="21"/>
+          <p:cNvPr id="21" name="Group 21"/>
           <p:cNvGrpSpPr/>
           <p:nvPr/>
         </p:nvGrpSpPr>
         <p:grpSpPr>
-          <a:xfrm rot="0">
+          <a:xfrm>
             <a:off x="-507891" y="-1267063"/>
             <a:ext cx="5480359" cy="4229632"/>
             <a:chOff x="0" y="0"/>
@@ -4637,12 +4764,12 @@
         </p:grpSpPr>
         <p:sp>
           <p:nvSpPr>
-            <p:cNvPr name="Freeform 22" id="22"/>
+            <p:cNvPr id="22" name="Freeform 22"/>
             <p:cNvSpPr/>
             <p:nvPr/>
           </p:nvSpPr>
           <p:spPr>
-            <a:xfrm flipH="false" flipV="false" rot="0">
+            <a:xfrm>
               <a:off x="0" y="0"/>
               <a:ext cx="905432" cy="698795"/>
             </a:xfrm>
@@ -4651,9 +4778,9 @@
               <a:gdLst/>
               <a:ahLst/>
               <a:cxnLst/>
-              <a:rect r="r" b="b" t="t" l="l"/>
+              <a:rect l="l" t="t" r="r" b="b"/>
               <a:pathLst>
-                <a:path h="698795" w="905432">
+                <a:path w="905432" h="698795">
                   <a:moveTo>
                     <a:pt x="32491" y="0"/>
                   </a:moveTo>
@@ -4706,20 +4833,27 @@
             <a:blipFill>
               <a:blip r:embed="rId6"/>
               <a:stretch>
-                <a:fillRect l="-17658" t="0" r="-17658" b="0"/>
+                <a:fillRect l="-17658" r="-17658"/>
               </a:stretch>
             </a:blipFill>
           </p:spPr>
+          <p:txBody>
+            <a:bodyPr/>
+            <a:lstStyle/>
+            <a:p>
+              <a:endParaRPr lang="es-419"/>
+            </a:p>
+          </p:txBody>
         </p:sp>
       </p:grpSp>
       <p:sp>
         <p:nvSpPr>
-          <p:cNvPr name="Freeform 23" id="23"/>
+          <p:cNvPr id="23" name="Freeform 23"/>
           <p:cNvSpPr/>
           <p:nvPr/>
         </p:nvSpPr>
         <p:spPr>
-          <a:xfrm flipH="false" flipV="false" rot="0">
+          <a:xfrm>
             <a:off x="8878573" y="6095839"/>
             <a:ext cx="2426606" cy="1107415"/>
           </a:xfrm>
@@ -4728,9 +4862,9 @@
             <a:gdLst/>
             <a:ahLst/>
             <a:cxnLst/>
-            <a:rect r="r" b="b" t="t" l="l"/>
+            <a:rect l="l" t="t" r="r" b="b"/>
             <a:pathLst>
-              <a:path h="1107415" w="2426606">
+              <a:path w="2426606" h="1107415">
                 <a:moveTo>
                   <a:pt x="0" y="0"/>
                 </a:moveTo>
@@ -4759,19 +4893,26 @@
               </a:extLst>
             </a:blip>
             <a:stretch>
-              <a:fillRect l="0" t="0" r="0" b="0"/>
+              <a:fillRect/>
             </a:stretch>
           </a:blipFill>
         </p:spPr>
-      </p:sp>
-      <p:sp>
-        <p:nvSpPr>
-          <p:cNvPr name="TextBox 24" id="24"/>
-          <p:cNvSpPr txBox="true"/>
-          <p:nvPr/>
-        </p:nvSpPr>
-        <p:spPr>
-          <a:xfrm rot="0">
+        <p:txBody>
+          <a:bodyPr/>
+          <a:lstStyle/>
+          <a:p>
+            <a:endParaRPr lang="es-419"/>
+          </a:p>
+        </p:txBody>
+      </p:sp>
+      <p:sp>
+        <p:nvSpPr>
+          <p:cNvPr id="24" name="TextBox 24"/>
+          <p:cNvSpPr txBox="1"/>
+          <p:nvPr/>
+        </p:nvSpPr>
+        <p:spPr>
+          <a:xfrm>
             <a:off x="2468341" y="5933772"/>
             <a:ext cx="3576495" cy="438487"/>
           </a:xfrm>
@@ -4780,12 +4921,12 @@
           </a:prstGeom>
         </p:spPr>
         <p:txBody>
-          <a:bodyPr anchor="t" rtlCol="false" tIns="0" lIns="0" bIns="0" rIns="0">
+          <a:bodyPr lIns="0" tIns="0" rIns="0" bIns="0" rtlCol="0" anchor="t">
             <a:spAutoFit/>
           </a:bodyPr>
           <a:lstStyle/>
           <a:p>
-            <a:pPr algn="l" marL="335293" indent="-167647" lvl="1">
+            <a:pPr marL="335293" lvl="1" indent="-167647" algn="l">
               <a:lnSpc>
                 <a:spcPts val="1785"/>
               </a:lnSpc>
@@ -4811,17 +4952,26 @@
                 <a:spcPts val="1785"/>
               </a:lnSpc>
             </a:pPr>
-          </a:p>
-        </p:txBody>
-      </p:sp>
-      <p:sp>
-        <p:nvSpPr>
-          <p:cNvPr name="TextBox 25" id="25"/>
-          <p:cNvSpPr txBox="true"/>
-          <p:nvPr/>
-        </p:nvSpPr>
-        <p:spPr>
-          <a:xfrm rot="0">
+            <a:endParaRPr lang="en-US" sz="1553" spc="65">
+              <a:solidFill>
+                <a:srgbClr val="FFFFFF"/>
+              </a:solidFill>
+              <a:latin typeface="Open Sans 2"/>
+              <a:ea typeface="Open Sans 2"/>
+              <a:cs typeface="Open Sans 2"/>
+              <a:sym typeface="Open Sans 2"/>
+            </a:endParaRPr>
+          </a:p>
+        </p:txBody>
+      </p:sp>
+      <p:sp>
+        <p:nvSpPr>
+          <p:cNvPr id="25" name="TextBox 25"/>
+          <p:cNvSpPr txBox="1"/>
+          <p:nvPr/>
+        </p:nvSpPr>
+        <p:spPr>
+          <a:xfrm>
             <a:off x="12234104" y="6983842"/>
             <a:ext cx="3576495" cy="219412"/>
           </a:xfrm>
@@ -4830,12 +4980,12 @@
           </a:prstGeom>
         </p:spPr>
         <p:txBody>
-          <a:bodyPr anchor="t" rtlCol="false" tIns="0" lIns="0" bIns="0" rIns="0">
+          <a:bodyPr lIns="0" tIns="0" rIns="0" bIns="0" rtlCol="0" anchor="t">
             <a:spAutoFit/>
           </a:bodyPr>
           <a:lstStyle/>
           <a:p>
-            <a:pPr algn="l" marL="335293" indent="-167647" lvl="1">
+            <a:pPr marL="335293" lvl="1" indent="-167647" algn="l">
               <a:lnSpc>
                 <a:spcPts val="1785"/>
               </a:lnSpc>
@@ -4859,12 +5009,12 @@
       </p:sp>
       <p:sp>
         <p:nvSpPr>
-          <p:cNvPr name="TextBox 26" id="26"/>
-          <p:cNvSpPr txBox="true"/>
-          <p:nvPr/>
-        </p:nvSpPr>
-        <p:spPr>
-          <a:xfrm rot="0">
+          <p:cNvPr id="26" name="TextBox 26"/>
+          <p:cNvSpPr txBox="1"/>
+          <p:nvPr/>
+        </p:nvSpPr>
+        <p:spPr>
+          <a:xfrm>
             <a:off x="2468341" y="7121234"/>
             <a:ext cx="3576495" cy="219412"/>
           </a:xfrm>
@@ -4873,12 +5023,12 @@
           </a:prstGeom>
         </p:spPr>
         <p:txBody>
-          <a:bodyPr anchor="t" rtlCol="false" tIns="0" lIns="0" bIns="0" rIns="0">
+          <a:bodyPr lIns="0" tIns="0" rIns="0" bIns="0" rtlCol="0" anchor="t">
             <a:spAutoFit/>
           </a:bodyPr>
           <a:lstStyle/>
           <a:p>
-            <a:pPr algn="l" marL="335293" indent="-167647" lvl="1">
+            <a:pPr marL="335293" lvl="1" indent="-167647" algn="l">
               <a:lnSpc>
                 <a:spcPts val="1785"/>
               </a:lnSpc>
@@ -4902,12 +5052,12 @@
       </p:sp>
       <p:sp>
         <p:nvSpPr>
-          <p:cNvPr name="TextBox 27" id="27"/>
-          <p:cNvSpPr txBox="true"/>
-          <p:nvPr/>
-        </p:nvSpPr>
-        <p:spPr>
-          <a:xfrm rot="0">
+          <p:cNvPr id="27" name="TextBox 27"/>
+          <p:cNvSpPr txBox="1"/>
+          <p:nvPr/>
+        </p:nvSpPr>
+        <p:spPr>
+          <a:xfrm>
             <a:off x="7355752" y="6845009"/>
             <a:ext cx="3576495" cy="219412"/>
           </a:xfrm>
@@ -4916,12 +5066,12 @@
           </a:prstGeom>
         </p:spPr>
         <p:txBody>
-          <a:bodyPr anchor="t" rtlCol="false" tIns="0" lIns="0" bIns="0" rIns="0">
+          <a:bodyPr lIns="0" tIns="0" rIns="0" bIns="0" rtlCol="0" anchor="t">
             <a:spAutoFit/>
           </a:bodyPr>
           <a:lstStyle/>
           <a:p>
-            <a:pPr algn="l" marL="335293" indent="-167647" lvl="1">
+            <a:pPr marL="335293" lvl="1" indent="-167647" algn="l">
               <a:lnSpc>
                 <a:spcPts val="1785"/>
               </a:lnSpc>
@@ -4945,12 +5095,12 @@
       </p:sp>
       <p:sp>
         <p:nvSpPr>
-          <p:cNvPr name="TextBox 28" id="28"/>
-          <p:cNvSpPr txBox="true"/>
-          <p:nvPr/>
-        </p:nvSpPr>
-        <p:spPr>
-          <a:xfrm rot="0">
+          <p:cNvPr id="28" name="TextBox 28"/>
+          <p:cNvSpPr txBox="1"/>
+          <p:nvPr/>
+        </p:nvSpPr>
+        <p:spPr>
+          <a:xfrm>
             <a:off x="12234104" y="6575201"/>
             <a:ext cx="3576495" cy="219412"/>
           </a:xfrm>
@@ -4959,12 +5109,12 @@
           </a:prstGeom>
         </p:spPr>
         <p:txBody>
-          <a:bodyPr anchor="t" rtlCol="false" tIns="0" lIns="0" bIns="0" rIns="0">
+          <a:bodyPr lIns="0" tIns="0" rIns="0" bIns="0" rtlCol="0" anchor="t">
             <a:spAutoFit/>
           </a:bodyPr>
           <a:lstStyle/>
           <a:p>
-            <a:pPr algn="l" marL="335293" indent="-167647" lvl="1">
+            <a:pPr marL="335293" lvl="1" indent="-167647" algn="l">
               <a:lnSpc>
                 <a:spcPts val="1785"/>
               </a:lnSpc>
@@ -4988,12 +5138,12 @@
       </p:sp>
       <p:sp>
         <p:nvSpPr>
-          <p:cNvPr name="TextBox 29" id="29"/>
-          <p:cNvSpPr txBox="true"/>
-          <p:nvPr/>
-        </p:nvSpPr>
-        <p:spPr>
-          <a:xfrm rot="0">
+          <p:cNvPr id="29" name="TextBox 29"/>
+          <p:cNvSpPr txBox="1"/>
+          <p:nvPr/>
+        </p:nvSpPr>
+        <p:spPr>
+          <a:xfrm>
             <a:off x="2477400" y="7797352"/>
             <a:ext cx="3576495" cy="219412"/>
           </a:xfrm>
@@ -5002,12 +5152,12 @@
           </a:prstGeom>
         </p:spPr>
         <p:txBody>
-          <a:bodyPr anchor="t" rtlCol="false" tIns="0" lIns="0" bIns="0" rIns="0">
+          <a:bodyPr lIns="0" tIns="0" rIns="0" bIns="0" rtlCol="0" anchor="t">
             <a:spAutoFit/>
           </a:bodyPr>
           <a:lstStyle/>
           <a:p>
-            <a:pPr algn="l" marL="335293" indent="-167647" lvl="1">
+            <a:pPr marL="335293" lvl="1" indent="-167647" algn="l">
               <a:lnSpc>
                 <a:spcPts val="1785"/>
               </a:lnSpc>
@@ -5031,12 +5181,12 @@
       </p:sp>
       <p:sp>
         <p:nvSpPr>
-          <p:cNvPr name="TextBox 30" id="30"/>
-          <p:cNvSpPr txBox="true"/>
-          <p:nvPr/>
-        </p:nvSpPr>
-        <p:spPr>
-          <a:xfrm rot="0">
+          <p:cNvPr id="30" name="TextBox 30"/>
+          <p:cNvSpPr txBox="1"/>
+          <p:nvPr/>
+        </p:nvSpPr>
+        <p:spPr>
+          <a:xfrm>
             <a:off x="7391712" y="7320326"/>
             <a:ext cx="3576495" cy="219412"/>
           </a:xfrm>
@@ -5045,12 +5195,12 @@
           </a:prstGeom>
         </p:spPr>
         <p:txBody>
-          <a:bodyPr anchor="t" rtlCol="false" tIns="0" lIns="0" bIns="0" rIns="0">
+          <a:bodyPr lIns="0" tIns="0" rIns="0" bIns="0" rtlCol="0" anchor="t">
             <a:spAutoFit/>
           </a:bodyPr>
           <a:lstStyle/>
           <a:p>
-            <a:pPr algn="l" marL="335293" indent="-167647" lvl="1">
+            <a:pPr marL="335293" lvl="1" indent="-167647" algn="l">
               <a:lnSpc>
                 <a:spcPts val="1785"/>
               </a:lnSpc>
@@ -5074,12 +5224,12 @@
       </p:sp>
       <p:sp>
         <p:nvSpPr>
-          <p:cNvPr name="TextBox 31" id="31"/>
-          <p:cNvSpPr txBox="true"/>
-          <p:nvPr/>
-        </p:nvSpPr>
-        <p:spPr>
-          <a:xfrm rot="0">
+          <p:cNvPr id="31" name="TextBox 31"/>
+          <p:cNvSpPr txBox="1"/>
+          <p:nvPr/>
+        </p:nvSpPr>
+        <p:spPr>
+          <a:xfrm>
             <a:off x="2468341" y="6479951"/>
             <a:ext cx="3576495" cy="438487"/>
           </a:xfrm>
@@ -5088,12 +5238,12 @@
           </a:prstGeom>
         </p:spPr>
         <p:txBody>
-          <a:bodyPr anchor="t" rtlCol="false" tIns="0" lIns="0" bIns="0" rIns="0">
+          <a:bodyPr lIns="0" tIns="0" rIns="0" bIns="0" rtlCol="0" anchor="t">
             <a:spAutoFit/>
           </a:bodyPr>
           <a:lstStyle/>
           <a:p>
-            <a:pPr algn="l" marL="335293" indent="-167647" lvl="1">
+            <a:pPr marL="335293" lvl="1" indent="-167647" algn="l">
               <a:lnSpc>
                 <a:spcPts val="1785"/>
               </a:lnSpc>
@@ -5119,17 +5269,26 @@
                 <a:spcPts val="1785"/>
               </a:lnSpc>
             </a:pPr>
-          </a:p>
-        </p:txBody>
-      </p:sp>
-      <p:sp>
-        <p:nvSpPr>
-          <p:cNvPr name="TextBox 32" id="32"/>
-          <p:cNvSpPr txBox="true"/>
-          <p:nvPr/>
-        </p:nvSpPr>
-        <p:spPr>
-          <a:xfrm rot="0">
+            <a:endParaRPr lang="en-US" sz="1553" spc="65">
+              <a:solidFill>
+                <a:srgbClr val="FFFFFF"/>
+              </a:solidFill>
+              <a:latin typeface="Open Sans 2"/>
+              <a:ea typeface="Open Sans 2"/>
+              <a:cs typeface="Open Sans 2"/>
+              <a:sym typeface="Open Sans 2"/>
+            </a:endParaRPr>
+          </a:p>
+        </p:txBody>
+      </p:sp>
+      <p:sp>
+        <p:nvSpPr>
+          <p:cNvPr id="32" name="TextBox 32"/>
+          <p:cNvSpPr txBox="1"/>
+          <p:nvPr/>
+        </p:nvSpPr>
+        <p:spPr>
+          <a:xfrm>
             <a:off x="-2827377" y="4536624"/>
             <a:ext cx="14367955" cy="377122"/>
           </a:xfrm>
@@ -5138,7 +5297,7 @@
           </a:prstGeom>
         </p:spPr>
         <p:txBody>
-          <a:bodyPr anchor="t" rtlCol="false" tIns="0" lIns="0" bIns="0" rIns="0">
+          <a:bodyPr lIns="0" tIns="0" rIns="0" bIns="0" rtlCol="0" anchor="t">
             <a:spAutoFit/>
           </a:bodyPr>
           <a:lstStyle/>
@@ -5165,12 +5324,12 @@
       </p:sp>
       <p:sp>
         <p:nvSpPr>
-          <p:cNvPr name="TextBox 33" id="33"/>
-          <p:cNvSpPr txBox="true"/>
-          <p:nvPr/>
-        </p:nvSpPr>
-        <p:spPr>
-          <a:xfrm rot="0">
+          <p:cNvPr id="33" name="TextBox 33"/>
+          <p:cNvSpPr txBox="1"/>
+          <p:nvPr/>
+        </p:nvSpPr>
+        <p:spPr>
+          <a:xfrm>
             <a:off x="1931929" y="4536624"/>
             <a:ext cx="14367955" cy="377122"/>
           </a:xfrm>
@@ -5179,7 +5338,7 @@
           </a:prstGeom>
         </p:spPr>
         <p:txBody>
-          <a:bodyPr anchor="t" rtlCol="false" tIns="0" lIns="0" bIns="0" rIns="0">
+          <a:bodyPr lIns="0" tIns="0" rIns="0" bIns="0" rtlCol="0" anchor="t">
             <a:spAutoFit/>
           </a:bodyPr>
           <a:lstStyle/>
@@ -5206,12 +5365,12 @@
       </p:sp>
       <p:sp>
         <p:nvSpPr>
-          <p:cNvPr name="TextBox 34" id="34"/>
-          <p:cNvSpPr txBox="true"/>
-          <p:nvPr/>
-        </p:nvSpPr>
-        <p:spPr>
-          <a:xfrm rot="0">
+          <p:cNvPr id="34" name="TextBox 34"/>
+          <p:cNvSpPr txBox="1"/>
+          <p:nvPr/>
+        </p:nvSpPr>
+        <p:spPr>
+          <a:xfrm>
             <a:off x="7355752" y="5894376"/>
             <a:ext cx="3576495" cy="219412"/>
           </a:xfrm>
@@ -5220,12 +5379,12 @@
           </a:prstGeom>
         </p:spPr>
         <p:txBody>
-          <a:bodyPr anchor="t" rtlCol="false" tIns="0" lIns="0" bIns="0" rIns="0">
+          <a:bodyPr lIns="0" tIns="0" rIns="0" bIns="0" rtlCol="0" anchor="t">
             <a:spAutoFit/>
           </a:bodyPr>
           <a:lstStyle/>
           <a:p>
-            <a:pPr algn="l" marL="335293" indent="-167647" lvl="1">
+            <a:pPr marL="335293" lvl="1" indent="-167647" algn="l">
               <a:lnSpc>
                 <a:spcPts val="1785"/>
               </a:lnSpc>
@@ -5249,12 +5408,12 @@
       </p:sp>
       <p:sp>
         <p:nvSpPr>
-          <p:cNvPr name="TextBox 35" id="35"/>
-          <p:cNvSpPr txBox="true"/>
-          <p:nvPr/>
-        </p:nvSpPr>
-        <p:spPr>
-          <a:xfrm rot="0">
+          <p:cNvPr id="35" name="TextBox 35"/>
+          <p:cNvSpPr txBox="1"/>
+          <p:nvPr/>
+        </p:nvSpPr>
+        <p:spPr>
+          <a:xfrm>
             <a:off x="7355752" y="6369693"/>
             <a:ext cx="3576495" cy="219412"/>
           </a:xfrm>
@@ -5263,12 +5422,12 @@
           </a:prstGeom>
         </p:spPr>
         <p:txBody>
-          <a:bodyPr anchor="t" rtlCol="false" tIns="0" lIns="0" bIns="0" rIns="0">
+          <a:bodyPr lIns="0" tIns="0" rIns="0" bIns="0" rtlCol="0" anchor="t">
             <a:spAutoFit/>
           </a:bodyPr>
           <a:lstStyle/>
           <a:p>
-            <a:pPr algn="l" marL="335293" indent="-167647" lvl="1">
+            <a:pPr marL="335293" lvl="1" indent="-167647" algn="l">
               <a:lnSpc>
                 <a:spcPts val="1785"/>
               </a:lnSpc>
@@ -5292,12 +5451,12 @@
       </p:sp>
       <p:sp>
         <p:nvSpPr>
-          <p:cNvPr name="TextBox 36" id="36"/>
-          <p:cNvSpPr txBox="true"/>
-          <p:nvPr/>
-        </p:nvSpPr>
-        <p:spPr>
-          <a:xfrm rot="0">
+          <p:cNvPr id="36" name="TextBox 36"/>
+          <p:cNvSpPr txBox="1"/>
+          <p:nvPr/>
+        </p:nvSpPr>
+        <p:spPr>
+          <a:xfrm>
             <a:off x="6819340" y="4536624"/>
             <a:ext cx="14367955" cy="377122"/>
           </a:xfrm>
@@ -5306,7 +5465,7 @@
           </a:prstGeom>
         </p:spPr>
         <p:txBody>
-          <a:bodyPr anchor="t" rtlCol="false" tIns="0" lIns="0" bIns="0" rIns="0">
+          <a:bodyPr lIns="0" tIns="0" rIns="0" bIns="0" rtlCol="0" anchor="t">
             <a:spAutoFit/>
           </a:bodyPr>
           <a:lstStyle/>
@@ -5333,12 +5492,12 @@
       </p:sp>
       <p:sp>
         <p:nvSpPr>
-          <p:cNvPr name="TextBox 37" id="37"/>
-          <p:cNvSpPr txBox="true"/>
-          <p:nvPr/>
-        </p:nvSpPr>
-        <p:spPr>
-          <a:xfrm rot="0">
+          <p:cNvPr id="37" name="TextBox 37"/>
+          <p:cNvSpPr txBox="1"/>
+          <p:nvPr/>
+        </p:nvSpPr>
+        <p:spPr>
+          <a:xfrm>
             <a:off x="7391712" y="7795643"/>
             <a:ext cx="3576495" cy="219412"/>
           </a:xfrm>
@@ -5347,12 +5506,12 @@
           </a:prstGeom>
         </p:spPr>
         <p:txBody>
-          <a:bodyPr anchor="t" rtlCol="false" tIns="0" lIns="0" bIns="0" rIns="0">
+          <a:bodyPr lIns="0" tIns="0" rIns="0" bIns="0" rtlCol="0" anchor="t">
             <a:spAutoFit/>
           </a:bodyPr>
           <a:lstStyle/>
           <a:p>
-            <a:pPr algn="l" marL="335293" indent="-167647" lvl="1">
+            <a:pPr marL="335293" lvl="1" indent="-167647" algn="l">
               <a:lnSpc>
                 <a:spcPts val="1785"/>
               </a:lnSpc>
@@ -5376,12 +5535,12 @@
       </p:sp>
       <p:sp>
         <p:nvSpPr>
-          <p:cNvPr name="TextBox 38" id="38"/>
-          <p:cNvSpPr txBox="true"/>
-          <p:nvPr/>
-        </p:nvSpPr>
-        <p:spPr>
-          <a:xfrm rot="0">
+          <p:cNvPr id="38" name="TextBox 38"/>
+          <p:cNvSpPr txBox="1"/>
+          <p:nvPr/>
+        </p:nvSpPr>
+        <p:spPr>
+          <a:xfrm>
             <a:off x="12234104" y="5761960"/>
             <a:ext cx="3576495" cy="219412"/>
           </a:xfrm>
@@ -5390,12 +5549,12 @@
           </a:prstGeom>
         </p:spPr>
         <p:txBody>
-          <a:bodyPr anchor="t" rtlCol="false" tIns="0" lIns="0" bIns="0" rIns="0">
+          <a:bodyPr lIns="0" tIns="0" rIns="0" bIns="0" rtlCol="0" anchor="t">
             <a:spAutoFit/>
           </a:bodyPr>
           <a:lstStyle/>
           <a:p>
-            <a:pPr algn="l" marL="335293" indent="-167647" lvl="1">
+            <a:pPr marL="335293" lvl="1" indent="-167647" algn="l">
               <a:lnSpc>
                 <a:spcPts val="1785"/>
               </a:lnSpc>
@@ -5419,12 +5578,12 @@
       </p:sp>
       <p:sp>
         <p:nvSpPr>
-          <p:cNvPr name="TextBox 39" id="39"/>
-          <p:cNvSpPr txBox="true"/>
-          <p:nvPr/>
-        </p:nvSpPr>
-        <p:spPr>
-          <a:xfrm rot="0">
+          <p:cNvPr id="39" name="TextBox 39"/>
+          <p:cNvSpPr txBox="1"/>
+          <p:nvPr/>
+        </p:nvSpPr>
+        <p:spPr>
+          <a:xfrm>
             <a:off x="12234104" y="6170601"/>
             <a:ext cx="3576495" cy="219412"/>
           </a:xfrm>
@@ -5433,12 +5592,12 @@
           </a:prstGeom>
         </p:spPr>
         <p:txBody>
-          <a:bodyPr anchor="t" rtlCol="false" tIns="0" lIns="0" bIns="0" rIns="0">
+          <a:bodyPr lIns="0" tIns="0" rIns="0" bIns="0" rtlCol="0" anchor="t">
             <a:spAutoFit/>
           </a:bodyPr>
           <a:lstStyle/>
           <a:p>
-            <a:pPr algn="l" marL="335293" indent="-167647" lvl="1">
+            <a:pPr marL="335293" lvl="1" indent="-167647" algn="l">
               <a:lnSpc>
                 <a:spcPts val="1785"/>
               </a:lnSpc>
@@ -5462,12 +5621,12 @@
       </p:sp>
       <p:sp>
         <p:nvSpPr>
-          <p:cNvPr name="TextBox 40" id="40"/>
-          <p:cNvSpPr txBox="true"/>
-          <p:nvPr/>
-        </p:nvSpPr>
-        <p:spPr>
-          <a:xfrm rot="0">
+          <p:cNvPr id="40" name="TextBox 40"/>
+          <p:cNvSpPr txBox="1"/>
+          <p:nvPr/>
+        </p:nvSpPr>
+        <p:spPr>
+          <a:xfrm>
             <a:off x="7391712" y="8270959"/>
             <a:ext cx="3576495" cy="219412"/>
           </a:xfrm>
@@ -5476,12 +5635,12 @@
           </a:prstGeom>
         </p:spPr>
         <p:txBody>
-          <a:bodyPr anchor="t" rtlCol="false" tIns="0" lIns="0" bIns="0" rIns="0">
+          <a:bodyPr lIns="0" tIns="0" rIns="0" bIns="0" rtlCol="0" anchor="t">
             <a:spAutoFit/>
           </a:bodyPr>
           <a:lstStyle/>
           <a:p>
-            <a:pPr algn="l" marL="335293" indent="-167647" lvl="1">
+            <a:pPr marL="335293" lvl="1" indent="-167647" algn="l">
               <a:lnSpc>
                 <a:spcPts val="1785"/>
               </a:lnSpc>
@@ -5505,12 +5664,12 @@
       </p:sp>
       <p:sp>
         <p:nvSpPr>
-          <p:cNvPr name="TextBox 41" id="41"/>
-          <p:cNvSpPr txBox="true"/>
-          <p:nvPr/>
-        </p:nvSpPr>
-        <p:spPr>
-          <a:xfrm rot="0">
+          <p:cNvPr id="41" name="TextBox 41"/>
+          <p:cNvSpPr txBox="1"/>
+          <p:nvPr/>
+        </p:nvSpPr>
+        <p:spPr>
+          <a:xfrm>
             <a:off x="2468341" y="8270959"/>
             <a:ext cx="3576495" cy="219412"/>
           </a:xfrm>
@@ -5519,12 +5678,12 @@
           </a:prstGeom>
         </p:spPr>
         <p:txBody>
-          <a:bodyPr anchor="t" rtlCol="false" tIns="0" lIns="0" bIns="0" rIns="0">
+          <a:bodyPr lIns="0" tIns="0" rIns="0" bIns="0" rtlCol="0" anchor="t">
             <a:spAutoFit/>
           </a:bodyPr>
           <a:lstStyle/>
           <a:p>
-            <a:pPr algn="l" marL="335293" indent="-167647" lvl="1">
+            <a:pPr marL="335293" lvl="1" indent="-167647" algn="l">
               <a:lnSpc>
                 <a:spcPts val="1785"/>
               </a:lnSpc>
@@ -5548,7 +5707,7 @@
       </p:sp>
       <p:sp>
         <p:nvSpPr>
-          <p:cNvPr name="AutoShape 42" id="42"/>
+          <p:cNvPr id="42" name="AutoShape 42"/>
           <p:cNvSpPr/>
           <p:nvPr/>
         </p:nvSpPr>
@@ -5560,15 +5719,22 @@
           <a:prstGeom prst="line">
             <a:avLst/>
           </a:prstGeom>
-          <a:ln cap="flat" w="19050">
+          <a:ln w="19050" cap="flat">
             <a:solidFill>
               <a:srgbClr val="00BB13"/>
             </a:solidFill>
             <a:prstDash val="solid"/>
-            <a:headEnd type="none" len="sm" w="sm"/>
-            <a:tailEnd type="none" len="sm" w="sm"/>
+            <a:headEnd type="none" w="sm" len="sm"/>
+            <a:tailEnd type="none" w="sm" len="sm"/>
           </a:ln>
         </p:spPr>
+        <p:txBody>
+          <a:bodyPr/>
+          <a:lstStyle/>
+          <a:p>
+            <a:endParaRPr lang="es-419"/>
+          </a:p>
+        </p:txBody>
       </p:sp>
     </p:spTree>
   </p:cSld>
@@ -5576,19 +5742,20 @@
     <a:masterClrMapping/>
   </p:clrMapOvr>
   <p:transition spd="slow">
-    <p:push dir="l"/>
+    <p:push/>
   </p:transition>
 </p:sld>
 </file>
 
 <file path=ppt/slides/slide15.xml><?xml version="1.0" encoding="utf-8"?>
-<p:sld xmlns:p="http://schemas.openxmlformats.org/presentationml/2006/main" xmlns:a="http://schemas.openxmlformats.org/drawingml/2006/main" xmlns:r="http://schemas.openxmlformats.org/officeDocument/2006/relationships">
+<p:sld xmlns:a="http://schemas.openxmlformats.org/drawingml/2006/main" xmlns:r="http://schemas.openxmlformats.org/officeDocument/2006/relationships" xmlns:p="http://schemas.openxmlformats.org/presentationml/2006/main">
   <p:cSld>
     <p:bg>
       <p:bgPr>
         <a:solidFill>
           <a:srgbClr val="000000"/>
         </a:solidFill>
+        <a:effectLst/>
       </p:bgPr>
     </p:bg>
     <p:spTree>
@@ -5607,12 +5774,12 @@
       </p:grpSpPr>
       <p:grpSp>
         <p:nvGrpSpPr>
-          <p:cNvPr name="Group 2" id="2"/>
+          <p:cNvPr id="2" name="Group 2"/>
           <p:cNvGrpSpPr/>
           <p:nvPr/>
         </p:nvGrpSpPr>
         <p:grpSpPr>
-          <a:xfrm rot="0">
+          <a:xfrm>
             <a:off x="6423374" y="982863"/>
             <a:ext cx="11156860" cy="8020024"/>
             <a:chOff x="0" y="0"/>
@@ -5621,12 +5788,12 @@
         </p:grpSpPr>
         <p:sp>
           <p:nvSpPr>
-            <p:cNvPr name="Freeform 3" id="3"/>
+            <p:cNvPr id="3" name="Freeform 3"/>
             <p:cNvSpPr/>
             <p:nvPr/>
           </p:nvSpPr>
           <p:spPr>
-            <a:xfrm flipH="false" flipV="false" rot="0">
+            <a:xfrm>
               <a:off x="0" y="0"/>
               <a:ext cx="1257272" cy="903781"/>
             </a:xfrm>
@@ -5635,9 +5802,9 @@
               <a:gdLst/>
               <a:ahLst/>
               <a:cxnLst/>
-              <a:rect r="r" b="b" t="t" l="l"/>
+              <a:rect l="l" t="t" r="r" b="b"/>
               <a:pathLst>
-                <a:path h="903781" w="1257272">
+                <a:path w="1257272" h="903781">
                   <a:moveTo>
                     <a:pt x="15960" y="0"/>
                   </a:moveTo>
@@ -5695,20 +5862,27 @@
             <a:blipFill>
               <a:blip r:embed="rId2"/>
               <a:stretch>
-                <a:fillRect l="-891" t="0" r="-891" b="0"/>
+                <a:fillRect l="-891" r="-891"/>
               </a:stretch>
             </a:blipFill>
           </p:spPr>
+          <p:txBody>
+            <a:bodyPr/>
+            <a:lstStyle/>
+            <a:p>
+              <a:endParaRPr lang="es-419"/>
+            </a:p>
+          </p:txBody>
         </p:sp>
       </p:grpSp>
       <p:sp>
         <p:nvSpPr>
-          <p:cNvPr name="Freeform 4" id="4"/>
+          <p:cNvPr id="4" name="Freeform 4"/>
           <p:cNvSpPr/>
           <p:nvPr/>
         </p:nvSpPr>
         <p:spPr>
-          <a:xfrm flipH="false" flipV="false" rot="0">
+          <a:xfrm>
             <a:off x="4524008" y="4164769"/>
             <a:ext cx="826601" cy="828107"/>
           </a:xfrm>
@@ -5717,9 +5891,9 @@
             <a:gdLst/>
             <a:ahLst/>
             <a:cxnLst/>
-            <a:rect r="r" b="b" t="t" l="l"/>
+            <a:rect l="l" t="t" r="r" b="b"/>
             <a:pathLst>
-              <a:path h="828107" w="826601">
+              <a:path w="826601" h="828107">
                 <a:moveTo>
                   <a:pt x="0" y="0"/>
                 </a:moveTo>
@@ -5748,19 +5922,26 @@
               </a:extLst>
             </a:blip>
             <a:stretch>
-              <a:fillRect l="0" t="0" r="0" b="0"/>
+              <a:fillRect/>
             </a:stretch>
           </a:blipFill>
         </p:spPr>
-      </p:sp>
-      <p:sp>
-        <p:nvSpPr>
-          <p:cNvPr name="TextBox 5" id="5"/>
-          <p:cNvSpPr txBox="true"/>
-          <p:nvPr/>
-        </p:nvSpPr>
-        <p:spPr>
-          <a:xfrm rot="0">
+        <p:txBody>
+          <a:bodyPr/>
+          <a:lstStyle/>
+          <a:p>
+            <a:endParaRPr lang="es-419"/>
+          </a:p>
+        </p:txBody>
+      </p:sp>
+      <p:sp>
+        <p:nvSpPr>
+          <p:cNvPr id="5" name="TextBox 5"/>
+          <p:cNvSpPr txBox="1"/>
+          <p:nvPr/>
+        </p:nvSpPr>
+        <p:spPr>
+          <a:xfrm>
             <a:off x="1474076" y="3083450"/>
             <a:ext cx="4805446" cy="3044982"/>
           </a:xfrm>
@@ -5769,7 +5950,7 @@
           </a:prstGeom>
         </p:spPr>
         <p:txBody>
-          <a:bodyPr anchor="t" rtlCol="false" tIns="0" lIns="0" bIns="0" rIns="0">
+          <a:bodyPr lIns="0" tIns="0" rIns="0" bIns="0" rtlCol="0" anchor="t">
             <a:spAutoFit/>
           </a:bodyPr>
           <a:lstStyle/>
@@ -5796,7 +5977,7 @@
       </p:sp>
       <p:sp>
         <p:nvSpPr>
-          <p:cNvPr name="AutoShape 6" id="6"/>
+          <p:cNvPr id="6" name="AutoShape 6"/>
           <p:cNvSpPr/>
           <p:nvPr/>
         </p:nvSpPr>
@@ -5808,24 +5989,31 @@
           <a:prstGeom prst="line">
             <a:avLst/>
           </a:prstGeom>
-          <a:ln cap="flat" w="19050">
+          <a:ln w="19050" cap="flat">
             <a:solidFill>
               <a:srgbClr val="00BB13"/>
             </a:solidFill>
             <a:prstDash val="solid"/>
-            <a:headEnd type="none" len="sm" w="sm"/>
-            <a:tailEnd type="none" len="sm" w="sm"/>
+            <a:headEnd type="none" w="sm" len="sm"/>
+            <a:tailEnd type="none" w="sm" len="sm"/>
           </a:ln>
         </p:spPr>
+        <p:txBody>
+          <a:bodyPr/>
+          <a:lstStyle/>
+          <a:p>
+            <a:endParaRPr lang="es-419"/>
+          </a:p>
+        </p:txBody>
       </p:sp>
       <p:grpSp>
         <p:nvGrpSpPr>
-          <p:cNvPr name="Group 7" id="7"/>
+          <p:cNvPr id="7" name="Group 7"/>
           <p:cNvGrpSpPr/>
           <p:nvPr/>
         </p:nvGrpSpPr>
         <p:grpSpPr>
-          <a:xfrm rot="0">
+          <a:xfrm>
             <a:off x="-507891" y="-1267063"/>
             <a:ext cx="5480359" cy="4229632"/>
             <a:chOff x="0" y="0"/>
@@ -5834,12 +6022,12 @@
         </p:grpSpPr>
         <p:sp>
           <p:nvSpPr>
-            <p:cNvPr name="Freeform 8" id="8"/>
+            <p:cNvPr id="8" name="Freeform 8"/>
             <p:cNvSpPr/>
             <p:nvPr/>
           </p:nvSpPr>
           <p:spPr>
-            <a:xfrm flipH="false" flipV="false" rot="0">
+            <a:xfrm>
               <a:off x="0" y="0"/>
               <a:ext cx="905432" cy="698795"/>
             </a:xfrm>
@@ -5848,9 +6036,9 @@
               <a:gdLst/>
               <a:ahLst/>
               <a:cxnLst/>
-              <a:rect r="r" b="b" t="t" l="l"/>
+              <a:rect l="l" t="t" r="r" b="b"/>
               <a:pathLst>
-                <a:path h="698795" w="905432">
+                <a:path w="905432" h="698795">
                   <a:moveTo>
                     <a:pt x="32491" y="0"/>
                   </a:moveTo>
@@ -5903,20 +6091,27 @@
             <a:blipFill>
               <a:blip r:embed="rId5"/>
               <a:stretch>
-                <a:fillRect l="-17658" t="0" r="-17658" b="0"/>
+                <a:fillRect l="-17658" r="-17658"/>
               </a:stretch>
             </a:blipFill>
           </p:spPr>
+          <p:txBody>
+            <a:bodyPr/>
+            <a:lstStyle/>
+            <a:p>
+              <a:endParaRPr lang="es-419"/>
+            </a:p>
+          </p:txBody>
         </p:sp>
       </p:grpSp>
       <p:sp>
         <p:nvSpPr>
-          <p:cNvPr name="TextBox 9" id="9"/>
-          <p:cNvSpPr txBox="true"/>
-          <p:nvPr/>
-        </p:nvSpPr>
-        <p:spPr>
-          <a:xfrm rot="0">
+          <p:cNvPr id="9" name="TextBox 9"/>
+          <p:cNvSpPr txBox="1"/>
+          <p:nvPr/>
+        </p:nvSpPr>
+        <p:spPr>
+          <a:xfrm>
             <a:off x="15074730" y="9407969"/>
             <a:ext cx="2184059" cy="349250"/>
           </a:xfrm>
@@ -5925,7 +6120,7 @@
           </a:prstGeom>
         </p:spPr>
         <p:txBody>
-          <a:bodyPr anchor="t" rtlCol="false" tIns="0" lIns="0" bIns="0" rIns="0">
+          <a:bodyPr lIns="0" tIns="0" rIns="0" bIns="0" rtlCol="0" anchor="t">
             <a:spAutoFit/>
           </a:bodyPr>
           <a:lstStyle/>
@@ -5955,20 +6150,21 @@
   <p:clrMapOvr>
     <a:masterClrMapping/>
   </p:clrMapOvr>
-  <p:transition spd="fast">
-    <p:push dir="l"/>
+  <p:transition>
+    <p:push/>
   </p:transition>
 </p:sld>
 </file>
 
 <file path=ppt/slides/slide16.xml><?xml version="1.0" encoding="utf-8"?>
-<p:sld xmlns:p="http://schemas.openxmlformats.org/presentationml/2006/main" xmlns:a="http://schemas.openxmlformats.org/drawingml/2006/main" xmlns:r="http://schemas.openxmlformats.org/officeDocument/2006/relationships">
+<p:sld xmlns:a="http://schemas.openxmlformats.org/drawingml/2006/main" xmlns:r="http://schemas.openxmlformats.org/officeDocument/2006/relationships" xmlns:p="http://schemas.openxmlformats.org/presentationml/2006/main">
   <p:cSld>
     <p:bg>
       <p:bgPr>
         <a:solidFill>
           <a:srgbClr val="000000"/>
         </a:solidFill>
+        <a:effectLst/>
       </p:bgPr>
     </p:bg>
     <p:spTree>
@@ -5987,12 +6183,12 @@
       </p:grpSpPr>
       <p:sp>
         <p:nvSpPr>
-          <p:cNvPr name="Freeform 2" id="2"/>
+          <p:cNvPr id="2" name="Freeform 2"/>
           <p:cNvSpPr/>
           <p:nvPr/>
         </p:nvSpPr>
         <p:spPr>
-          <a:xfrm flipH="false" flipV="false" rot="0">
+          <a:xfrm>
             <a:off x="14065790" y="283997"/>
             <a:ext cx="7959066" cy="8450746"/>
           </a:xfrm>
@@ -6001,9 +6197,9 @@
             <a:gdLst/>
             <a:ahLst/>
             <a:cxnLst/>
-            <a:rect r="r" b="b" t="t" l="l"/>
+            <a:rect l="l" t="t" r="r" b="b"/>
             <a:pathLst>
-              <a:path h="8450746" w="7959066">
+              <a:path w="7959066" h="8450746">
                 <a:moveTo>
                   <a:pt x="0" y="0"/>
                 </a:moveTo>
@@ -6032,19 +6228,26 @@
               </a:extLst>
             </a:blip>
             <a:stretch>
-              <a:fillRect l="0" t="0" r="0" b="0"/>
+              <a:fillRect/>
             </a:stretch>
           </a:blipFill>
         </p:spPr>
-      </p:sp>
-      <p:sp>
-        <p:nvSpPr>
-          <p:cNvPr name="Freeform 3" id="3"/>
+        <p:txBody>
+          <a:bodyPr/>
+          <a:lstStyle/>
+          <a:p>
+            <a:endParaRPr lang="es-419"/>
+          </a:p>
+        </p:txBody>
+      </p:sp>
+      <p:sp>
+        <p:nvSpPr>
+          <p:cNvPr id="3" name="Freeform 3"/>
           <p:cNvSpPr/>
           <p:nvPr/>
         </p:nvSpPr>
         <p:spPr>
-          <a:xfrm flipH="false" flipV="false" rot="0">
+          <a:xfrm>
             <a:off x="13008689" y="2292823"/>
             <a:ext cx="1465883" cy="1468553"/>
           </a:xfrm>
@@ -6053,9 +6256,9 @@
             <a:gdLst/>
             <a:ahLst/>
             <a:cxnLst/>
-            <a:rect r="r" b="b" t="t" l="l"/>
+            <a:rect l="l" t="t" r="r" b="b"/>
             <a:pathLst>
-              <a:path h="1468553" w="1465883">
+              <a:path w="1465883" h="1468553">
                 <a:moveTo>
                   <a:pt x="0" y="0"/>
                 </a:moveTo>
@@ -6084,19 +6287,26 @@
               </a:extLst>
             </a:blip>
             <a:stretch>
-              <a:fillRect l="0" t="0" r="0" b="0"/>
+              <a:fillRect/>
             </a:stretch>
           </a:blipFill>
         </p:spPr>
-      </p:sp>
-      <p:sp>
-        <p:nvSpPr>
-          <p:cNvPr name="TextBox 4" id="4"/>
-          <p:cNvSpPr txBox="true"/>
-          <p:nvPr/>
-        </p:nvSpPr>
-        <p:spPr>
-          <a:xfrm rot="0">
+        <p:txBody>
+          <a:bodyPr/>
+          <a:lstStyle/>
+          <a:p>
+            <a:endParaRPr lang="es-419"/>
+          </a:p>
+        </p:txBody>
+      </p:sp>
+      <p:sp>
+        <p:nvSpPr>
+          <p:cNvPr id="4" name="TextBox 4"/>
+          <p:cNvSpPr txBox="1"/>
+          <p:nvPr/>
+        </p:nvSpPr>
+        <p:spPr>
+          <a:xfrm>
             <a:off x="4513140" y="697293"/>
             <a:ext cx="9228490" cy="1034289"/>
           </a:xfrm>
@@ -6105,7 +6315,7 @@
           </a:prstGeom>
         </p:spPr>
         <p:txBody>
-          <a:bodyPr anchor="t" rtlCol="false" tIns="0" lIns="0" bIns="0" rIns="0">
+          <a:bodyPr lIns="0" tIns="0" rIns="0" bIns="0" rtlCol="0" anchor="t">
             <a:spAutoFit/>
           </a:bodyPr>
           <a:lstStyle/>
@@ -6116,7 +6326,7 @@
               </a:lnSpc>
             </a:pPr>
             <a:r>
-              <a:rPr lang="en-US" b="true" sz="9271" spc="-927">
+              <a:rPr lang="en-US" sz="9271" b="1" spc="-927">
                 <a:solidFill>
                   <a:srgbClr val="F1F1F1"/>
                 </a:solidFill>
@@ -6132,12 +6342,12 @@
       </p:sp>
       <p:grpSp>
         <p:nvGrpSpPr>
-          <p:cNvPr name="Group 5" id="5"/>
+          <p:cNvPr id="5" name="Group 5"/>
           <p:cNvGrpSpPr/>
           <p:nvPr/>
         </p:nvGrpSpPr>
         <p:grpSpPr>
-          <a:xfrm rot="0">
+          <a:xfrm>
             <a:off x="-507891" y="-1267063"/>
             <a:ext cx="5480359" cy="4229632"/>
             <a:chOff x="0" y="0"/>
@@ -6146,12 +6356,12 @@
         </p:grpSpPr>
         <p:sp>
           <p:nvSpPr>
-            <p:cNvPr name="Freeform 6" id="6"/>
+            <p:cNvPr id="6" name="Freeform 6"/>
             <p:cNvSpPr/>
             <p:nvPr/>
           </p:nvSpPr>
           <p:spPr>
-            <a:xfrm flipH="false" flipV="false" rot="0">
+            <a:xfrm>
               <a:off x="0" y="0"/>
               <a:ext cx="905432" cy="698795"/>
             </a:xfrm>
@@ -6160,9 +6370,9 @@
               <a:gdLst/>
               <a:ahLst/>
               <a:cxnLst/>
-              <a:rect r="r" b="b" t="t" l="l"/>
+              <a:rect l="l" t="t" r="r" b="b"/>
               <a:pathLst>
-                <a:path h="698795" w="905432">
+                <a:path w="905432" h="698795">
                   <a:moveTo>
                     <a:pt x="32491" y="0"/>
                   </a:moveTo>
@@ -6215,77 +6425,69 @@
             <a:blipFill>
               <a:blip r:embed="rId6"/>
               <a:stretch>
-                <a:fillRect l="-17658" t="0" r="-17658" b="0"/>
+                <a:fillRect l="-17658" r="-17658"/>
               </a:stretch>
             </a:blipFill>
           </p:spPr>
+          <p:txBody>
+            <a:bodyPr/>
+            <a:lstStyle/>
+            <a:p>
+              <a:endParaRPr lang="es-419"/>
+            </a:p>
+          </p:txBody>
         </p:sp>
       </p:grpSp>
-      <p:sp>
-        <p:nvSpPr>
-          <p:cNvPr name="Freeform 7" id="7"/>
-          <p:cNvSpPr/>
-          <p:nvPr/>
-        </p:nvSpPr>
-        <p:spPr>
-          <a:xfrm flipH="false" flipV="false" rot="0">
-            <a:off x="0" y="2026607"/>
-            <a:ext cx="18979434" cy="7117288"/>
-          </a:xfrm>
-          <a:custGeom>
-            <a:avLst/>
-            <a:gdLst/>
-            <a:ahLst/>
-            <a:cxnLst/>
-            <a:rect r="r" b="b" t="t" l="l"/>
-            <a:pathLst>
-              <a:path h="7117288" w="18979434">
-                <a:moveTo>
-                  <a:pt x="0" y="0"/>
-                </a:moveTo>
-                <a:lnTo>
-                  <a:pt x="18979434" y="0"/>
-                </a:lnTo>
-                <a:lnTo>
-                  <a:pt x="18979434" y="7117288"/>
-                </a:lnTo>
-                <a:lnTo>
-                  <a:pt x="0" y="7117288"/>
-                </a:lnTo>
-                <a:lnTo>
-                  <a:pt x="0" y="0"/>
-                </a:lnTo>
-                <a:close/>
-              </a:path>
-            </a:pathLst>
-          </a:custGeom>
-          <a:blipFill>
-            <a:blip r:embed="rId7"/>
-            <a:stretch>
-              <a:fillRect l="0" t="0" r="0" b="0"/>
-            </a:stretch>
-          </a:blipFill>
-        </p:spPr>
-      </p:sp>
+      <p:pic>
+        <p:nvPicPr>
+          <p:cNvPr id="9" name="Imagen 8">
+            <a:extLst>
+              <a:ext uri="{FF2B5EF4-FFF2-40B4-BE49-F238E27FC236}">
+                <a16:creationId xmlns:a16="http://schemas.microsoft.com/office/drawing/2014/main" id="{F7ED1983-C0D6-6B34-E8C4-B4E78E5A59F2}"/>
+              </a:ext>
+            </a:extLst>
+          </p:cNvPr>
+          <p:cNvPicPr>
+            <a:picLocks noChangeAspect="1"/>
+          </p:cNvPicPr>
+          <p:nvPr/>
+        </p:nvPicPr>
+        <p:blipFill>
+          <a:blip r:embed="rId7"/>
+          <a:stretch>
+            <a:fillRect/>
+          </a:stretch>
+        </p:blipFill>
+        <p:spPr>
+          <a:xfrm>
+            <a:off x="0" y="1932229"/>
+            <a:ext cx="18288000" cy="7418007"/>
+          </a:xfrm>
+          <a:prstGeom prst="rect">
+            <a:avLst/>
+          </a:prstGeom>
+        </p:spPr>
+      </p:pic>
     </p:spTree>
   </p:cSld>
   <p:clrMapOvr>
     <a:masterClrMapping/>
   </p:clrMapOvr>
   <p:transition spd="slow">
-    <p:push dir="l"/>
+    <p:push/>
   </p:transition>
 </p:sld>
 </file>
 
 <file path=ppt/slides/slide17.xml><?xml version="1.0" encoding="utf-8"?>
-<p:sld xmlns:p="http://schemas.openxmlformats.org/presentationml/2006/main" xmlns:a="http://schemas.openxmlformats.org/drawingml/2006/main" xmlns:r="http://schemas.openxmlformats.org/officeDocument/2006/relationships">
+<p:sld xmlns:a="http://schemas.openxmlformats.org/drawingml/2006/main" xmlns:r="http://schemas.openxmlformats.org/officeDocument/2006/relationships" xmlns:p="http://schemas.openxmlformats.org/presentationml/2006/main">
   <p:cSld>
     <p:bg>
       <p:bgPr>
         <a:solidFill>
           <a:srgbClr val="000000"/>
         </a:solidFill>
+        <a:effectLst/>
       </p:bgPr>
     </p:bg>
     <p:spTree>
@@ -6304,12 +6506,12 @@
       </p:grpSpPr>
       <p:sp>
         <p:nvSpPr>
-          <p:cNvPr name="Freeform 2" id="2"/>
+          <p:cNvPr id="2" name="Freeform 2"/>
           <p:cNvSpPr/>
           <p:nvPr/>
         </p:nvSpPr>
         <p:spPr>
-          <a:xfrm flipH="false" flipV="false" rot="0">
+          <a:xfrm>
             <a:off x="14065790" y="283997"/>
             <a:ext cx="7959066" cy="8450746"/>
           </a:xfrm>
@@ -6318,9 +6520,9 @@
             <a:gdLst/>
             <a:ahLst/>
             <a:cxnLst/>
-            <a:rect r="r" b="b" t="t" l="l"/>
+            <a:rect l="l" t="t" r="r" b="b"/>
             <a:pathLst>
-              <a:path h="8450746" w="7959066">
+              <a:path w="7959066" h="8450746">
                 <a:moveTo>
                   <a:pt x="0" y="0"/>
                 </a:moveTo>
@@ -6349,19 +6551,26 @@
               </a:extLst>
             </a:blip>
             <a:stretch>
-              <a:fillRect l="0" t="0" r="0" b="0"/>
+              <a:fillRect/>
             </a:stretch>
           </a:blipFill>
         </p:spPr>
-      </p:sp>
-      <p:sp>
-        <p:nvSpPr>
-          <p:cNvPr name="Freeform 3" id="3"/>
+        <p:txBody>
+          <a:bodyPr/>
+          <a:lstStyle/>
+          <a:p>
+            <a:endParaRPr lang="es-419"/>
+          </a:p>
+        </p:txBody>
+      </p:sp>
+      <p:sp>
+        <p:nvSpPr>
+          <p:cNvPr id="3" name="Freeform 3"/>
           <p:cNvSpPr/>
           <p:nvPr/>
         </p:nvSpPr>
         <p:spPr>
-          <a:xfrm flipH="false" flipV="false" rot="0">
+          <a:xfrm>
             <a:off x="12914023" y="5732347"/>
             <a:ext cx="1465883" cy="1468553"/>
           </a:xfrm>
@@ -6370,9 +6579,9 @@
             <a:gdLst/>
             <a:ahLst/>
             <a:cxnLst/>
-            <a:rect r="r" b="b" t="t" l="l"/>
+            <a:rect l="l" t="t" r="r" b="b"/>
             <a:pathLst>
-              <a:path h="1468553" w="1465883">
+              <a:path w="1465883" h="1468553">
                 <a:moveTo>
                   <a:pt x="0" y="0"/>
                 </a:moveTo>
@@ -6401,19 +6610,26 @@
               </a:extLst>
             </a:blip>
             <a:stretch>
-              <a:fillRect l="0" t="0" r="0" b="0"/>
+              <a:fillRect/>
             </a:stretch>
           </a:blipFill>
         </p:spPr>
-      </p:sp>
-      <p:sp>
-        <p:nvSpPr>
-          <p:cNvPr name="Freeform 4" id="4"/>
+        <p:txBody>
+          <a:bodyPr/>
+          <a:lstStyle/>
+          <a:p>
+            <a:endParaRPr lang="es-419"/>
+          </a:p>
+        </p:txBody>
+      </p:sp>
+      <p:sp>
+        <p:nvSpPr>
+          <p:cNvPr id="4" name="Freeform 4"/>
           <p:cNvSpPr/>
           <p:nvPr/>
         </p:nvSpPr>
         <p:spPr>
-          <a:xfrm flipH="false" flipV="false" rot="0">
+          <a:xfrm>
             <a:off x="2027756" y="3499906"/>
             <a:ext cx="11619208" cy="6626992"/>
           </a:xfrm>
@@ -6422,9 +6638,9 @@
             <a:gdLst/>
             <a:ahLst/>
             <a:cxnLst/>
-            <a:rect r="r" b="b" t="t" l="l"/>
+            <a:rect l="l" t="t" r="r" b="b"/>
             <a:pathLst>
-              <a:path h="6626992" w="11619208">
+              <a:path w="11619208" h="6626992">
                 <a:moveTo>
                   <a:pt x="0" y="0"/>
                 </a:moveTo>
@@ -6447,19 +6663,26 @@
           <a:blipFill>
             <a:blip r:embed="rId6"/>
             <a:stretch>
-              <a:fillRect l="0" t="0" r="0" b="0"/>
+              <a:fillRect/>
             </a:stretch>
           </a:blipFill>
         </p:spPr>
-      </p:sp>
-      <p:sp>
-        <p:nvSpPr>
-          <p:cNvPr name="TextBox 5" id="5"/>
-          <p:cNvSpPr txBox="true"/>
-          <p:nvPr/>
-        </p:nvSpPr>
-        <p:spPr>
-          <a:xfrm rot="0">
+        <p:txBody>
+          <a:bodyPr/>
+          <a:lstStyle/>
+          <a:p>
+            <a:endParaRPr lang="es-419"/>
+          </a:p>
+        </p:txBody>
+      </p:sp>
+      <p:sp>
+        <p:nvSpPr>
+          <p:cNvPr id="5" name="TextBox 5"/>
+          <p:cNvSpPr txBox="1"/>
+          <p:nvPr/>
+        </p:nvSpPr>
+        <p:spPr>
+          <a:xfrm>
             <a:off x="3639503" y="3565558"/>
             <a:ext cx="9274520" cy="2335299"/>
           </a:xfrm>
@@ -6468,7 +6691,7 @@
           </a:prstGeom>
         </p:spPr>
         <p:txBody>
-          <a:bodyPr anchor="t" rtlCol="false" tIns="0" lIns="0" bIns="0" rIns="0">
+          <a:bodyPr lIns="0" tIns="0" rIns="0" bIns="0" rtlCol="0" anchor="t">
             <a:spAutoFit/>
           </a:bodyPr>
           <a:lstStyle/>
@@ -6479,7 +6702,7 @@
               </a:lnSpc>
             </a:pPr>
             <a:r>
-              <a:rPr lang="en-US" b="true" sz="11193" spc="-1119">
+              <a:rPr lang="en-US" sz="11193" b="1" spc="-1119">
                 <a:solidFill>
                   <a:srgbClr val="F1F1F1"/>
                 </a:solidFill>
@@ -6495,12 +6718,12 @@
       </p:sp>
       <p:sp>
         <p:nvSpPr>
-          <p:cNvPr name="TextBox 6" id="6"/>
-          <p:cNvSpPr txBox="true"/>
-          <p:nvPr/>
-        </p:nvSpPr>
-        <p:spPr>
-          <a:xfrm rot="0">
+          <p:cNvPr id="6" name="TextBox 6"/>
+          <p:cNvSpPr txBox="1"/>
+          <p:nvPr/>
+        </p:nvSpPr>
+        <p:spPr>
+          <a:xfrm>
             <a:off x="1028700" y="1303732"/>
             <a:ext cx="3382072" cy="464821"/>
           </a:xfrm>
@@ -6509,7 +6732,7 @@
           </a:prstGeom>
         </p:spPr>
         <p:txBody>
-          <a:bodyPr anchor="t" rtlCol="false" tIns="0" lIns="0" bIns="0" rIns="0">
+          <a:bodyPr lIns="0" tIns="0" rIns="0" bIns="0" rtlCol="0" anchor="t">
             <a:spAutoFit/>
           </a:bodyPr>
           <a:lstStyle/>
@@ -6520,7 +6743,7 @@
               </a:lnSpc>
             </a:pPr>
             <a:r>
-              <a:rPr lang="en-US" sz="2699" b="true">
+              <a:rPr lang="en-US" sz="2699" b="1">
                 <a:solidFill>
                   <a:srgbClr val="F1F1F1"/>
                 </a:solidFill>
@@ -6543,13 +6766,14 @@
 </file>
 
 <file path=ppt/slides/slide18.xml><?xml version="1.0" encoding="utf-8"?>
-<p:sld xmlns:p="http://schemas.openxmlformats.org/presentationml/2006/main" xmlns:a="http://schemas.openxmlformats.org/drawingml/2006/main" xmlns:r="http://schemas.openxmlformats.org/officeDocument/2006/relationships">
+<p:sld xmlns:a="http://schemas.openxmlformats.org/drawingml/2006/main" xmlns:r="http://schemas.openxmlformats.org/officeDocument/2006/relationships" xmlns:p="http://schemas.openxmlformats.org/presentationml/2006/main">
   <p:cSld>
     <p:bg>
       <p:bgPr>
         <a:solidFill>
           <a:srgbClr val="000000"/>
         </a:solidFill>
+        <a:effectLst/>
       </p:bgPr>
     </p:bg>
     <p:spTree>
@@ -6568,12 +6792,12 @@
       </p:grpSpPr>
       <p:sp>
         <p:nvSpPr>
-          <p:cNvPr name="Freeform 2" id="2"/>
+          <p:cNvPr id="2" name="Freeform 2"/>
           <p:cNvSpPr/>
           <p:nvPr/>
         </p:nvSpPr>
         <p:spPr>
-          <a:xfrm flipH="false" flipV="false" rot="0">
+          <a:xfrm>
             <a:off x="14065790" y="283997"/>
             <a:ext cx="7959066" cy="8450746"/>
           </a:xfrm>
@@ -6582,9 +6806,9 @@
             <a:gdLst/>
             <a:ahLst/>
             <a:cxnLst/>
-            <a:rect r="r" b="b" t="t" l="l"/>
+            <a:rect l="l" t="t" r="r" b="b"/>
             <a:pathLst>
-              <a:path h="8450746" w="7959066">
+              <a:path w="7959066" h="8450746">
                 <a:moveTo>
                   <a:pt x="0" y="0"/>
                 </a:moveTo>
@@ -6613,19 +6837,26 @@
               </a:extLst>
             </a:blip>
             <a:stretch>
-              <a:fillRect l="0" t="0" r="0" b="0"/>
+              <a:fillRect/>
             </a:stretch>
           </a:blipFill>
         </p:spPr>
-      </p:sp>
-      <p:sp>
-        <p:nvSpPr>
-          <p:cNvPr name="Freeform 3" id="3"/>
+        <p:txBody>
+          <a:bodyPr/>
+          <a:lstStyle/>
+          <a:p>
+            <a:endParaRPr lang="es-419"/>
+          </a:p>
+        </p:txBody>
+      </p:sp>
+      <p:sp>
+        <p:nvSpPr>
+          <p:cNvPr id="3" name="Freeform 3"/>
           <p:cNvSpPr/>
           <p:nvPr/>
         </p:nvSpPr>
         <p:spPr>
-          <a:xfrm flipH="false" flipV="false" rot="0">
+          <a:xfrm>
             <a:off x="12914023" y="5732347"/>
             <a:ext cx="1465883" cy="1468553"/>
           </a:xfrm>
@@ -6634,9 +6865,9 @@
             <a:gdLst/>
             <a:ahLst/>
             <a:cxnLst/>
-            <a:rect r="r" b="b" t="t" l="l"/>
+            <a:rect l="l" t="t" r="r" b="b"/>
             <a:pathLst>
-              <a:path h="1468553" w="1465883">
+              <a:path w="1465883" h="1468553">
                 <a:moveTo>
                   <a:pt x="0" y="0"/>
                 </a:moveTo>
@@ -6665,19 +6896,26 @@
               </a:extLst>
             </a:blip>
             <a:stretch>
-              <a:fillRect l="0" t="0" r="0" b="0"/>
+              <a:fillRect/>
             </a:stretch>
           </a:blipFill>
         </p:spPr>
-      </p:sp>
-      <p:sp>
-        <p:nvSpPr>
-          <p:cNvPr name="Freeform 4" id="4"/>
+        <p:txBody>
+          <a:bodyPr/>
+          <a:lstStyle/>
+          <a:p>
+            <a:endParaRPr lang="es-419"/>
+          </a:p>
+        </p:txBody>
+      </p:sp>
+      <p:sp>
+        <p:nvSpPr>
+          <p:cNvPr id="4" name="Freeform 4"/>
           <p:cNvSpPr/>
           <p:nvPr/>
         </p:nvSpPr>
         <p:spPr>
-          <a:xfrm flipH="false" flipV="false" rot="0">
+          <a:xfrm>
             <a:off x="2027756" y="3303231"/>
             <a:ext cx="11619208" cy="6626992"/>
           </a:xfrm>
@@ -6686,9 +6924,9 @@
             <a:gdLst/>
             <a:ahLst/>
             <a:cxnLst/>
-            <a:rect r="r" b="b" t="t" l="l"/>
+            <a:rect l="l" t="t" r="r" b="b"/>
             <a:pathLst>
-              <a:path h="6626992" w="11619208">
+              <a:path w="11619208" h="6626992">
                 <a:moveTo>
                   <a:pt x="0" y="0"/>
                 </a:moveTo>
@@ -6711,19 +6949,26 @@
           <a:blipFill>
             <a:blip r:embed="rId6"/>
             <a:stretch>
-              <a:fillRect l="0" t="0" r="0" b="0"/>
+              <a:fillRect/>
             </a:stretch>
           </a:blipFill>
         </p:spPr>
-      </p:sp>
-      <p:sp>
-        <p:nvSpPr>
-          <p:cNvPr name="TextBox 5" id="5"/>
-          <p:cNvSpPr txBox="true"/>
-          <p:nvPr/>
-        </p:nvSpPr>
-        <p:spPr>
-          <a:xfrm rot="0">
+        <p:txBody>
+          <a:bodyPr/>
+          <a:lstStyle/>
+          <a:p>
+            <a:endParaRPr lang="es-419"/>
+          </a:p>
+        </p:txBody>
+      </p:sp>
+      <p:sp>
+        <p:nvSpPr>
+          <p:cNvPr id="5" name="TextBox 5"/>
+          <p:cNvSpPr txBox="1"/>
+          <p:nvPr/>
+        </p:nvSpPr>
+        <p:spPr>
+          <a:xfrm>
             <a:off x="3639503" y="3565558"/>
             <a:ext cx="9274520" cy="1249449"/>
           </a:xfrm>
@@ -6732,7 +6977,7 @@
           </a:prstGeom>
         </p:spPr>
         <p:txBody>
-          <a:bodyPr anchor="t" rtlCol="false" tIns="0" lIns="0" bIns="0" rIns="0">
+          <a:bodyPr lIns="0" tIns="0" rIns="0" bIns="0" rtlCol="0" anchor="t">
             <a:spAutoFit/>
           </a:bodyPr>
           <a:lstStyle/>
@@ -6743,7 +6988,7 @@
               </a:lnSpc>
             </a:pPr>
             <a:r>
-              <a:rPr lang="en-US" b="true" sz="11193" spc="-1119">
+              <a:rPr lang="en-US" sz="11193" b="1" spc="-1119">
                 <a:solidFill>
                   <a:srgbClr val="F1F1F1"/>
                 </a:solidFill>
@@ -6759,12 +7004,12 @@
       </p:sp>
       <p:sp>
         <p:nvSpPr>
-          <p:cNvPr name="TextBox 6" id="6"/>
-          <p:cNvSpPr txBox="true"/>
-          <p:nvPr/>
-        </p:nvSpPr>
-        <p:spPr>
-          <a:xfrm rot="0">
+          <p:cNvPr id="6" name="TextBox 6"/>
+          <p:cNvSpPr txBox="1"/>
+          <p:nvPr/>
+        </p:nvSpPr>
+        <p:spPr>
+          <a:xfrm>
             <a:off x="1028700" y="1303732"/>
             <a:ext cx="3382072" cy="464821"/>
           </a:xfrm>
@@ -6773,7 +7018,7 @@
           </a:prstGeom>
         </p:spPr>
         <p:txBody>
-          <a:bodyPr anchor="t" rtlCol="false" tIns="0" lIns="0" bIns="0" rIns="0">
+          <a:bodyPr lIns="0" tIns="0" rIns="0" bIns="0" rtlCol="0" anchor="t">
             <a:spAutoFit/>
           </a:bodyPr>
           <a:lstStyle/>
@@ -6784,7 +7029,7 @@
               </a:lnSpc>
             </a:pPr>
             <a:r>
-              <a:rPr lang="en-US" sz="2699" b="true">
+              <a:rPr lang="en-US" sz="2699" b="1">
                 <a:solidFill>
                   <a:srgbClr val="F1F1F1"/>
                 </a:solidFill>
@@ -6807,13 +7052,14 @@
 </file>
 
 <file path=ppt/slides/slide19.xml><?xml version="1.0" encoding="utf-8"?>
-<p:sld xmlns:p="http://schemas.openxmlformats.org/presentationml/2006/main" xmlns:a="http://schemas.openxmlformats.org/drawingml/2006/main" xmlns:r="http://schemas.openxmlformats.org/officeDocument/2006/relationships">
+<p:sld xmlns:a="http://schemas.openxmlformats.org/drawingml/2006/main" xmlns:r="http://schemas.openxmlformats.org/officeDocument/2006/relationships" xmlns:p="http://schemas.openxmlformats.org/presentationml/2006/main">
   <p:cSld>
     <p:bg>
       <p:bgPr>
         <a:solidFill>
           <a:srgbClr val="000000"/>
         </a:solidFill>
+        <a:effectLst/>
       </p:bgPr>
     </p:bg>
     <p:spTree>
@@ -6832,12 +7078,12 @@
       </p:grpSpPr>
       <p:sp>
         <p:nvSpPr>
-          <p:cNvPr name="Freeform 2" id="2"/>
+          <p:cNvPr id="2" name="Freeform 2"/>
           <p:cNvSpPr/>
           <p:nvPr/>
         </p:nvSpPr>
         <p:spPr>
-          <a:xfrm flipH="false" flipV="false" rot="0">
+          <a:xfrm>
             <a:off x="14065790" y="283997"/>
             <a:ext cx="7959066" cy="8450746"/>
           </a:xfrm>
@@ -6846,9 +7092,9 @@
             <a:gdLst/>
             <a:ahLst/>
             <a:cxnLst/>
-            <a:rect r="r" b="b" t="t" l="l"/>
+            <a:rect l="l" t="t" r="r" b="b"/>
             <a:pathLst>
-              <a:path h="8450746" w="7959066">
+              <a:path w="7959066" h="8450746">
                 <a:moveTo>
                   <a:pt x="0" y="0"/>
                 </a:moveTo>
@@ -6877,19 +7123,26 @@
               </a:extLst>
             </a:blip>
             <a:stretch>
-              <a:fillRect l="0" t="0" r="0" b="0"/>
+              <a:fillRect/>
             </a:stretch>
           </a:blipFill>
         </p:spPr>
-      </p:sp>
-      <p:sp>
-        <p:nvSpPr>
-          <p:cNvPr name="Freeform 3" id="3"/>
+        <p:txBody>
+          <a:bodyPr/>
+          <a:lstStyle/>
+          <a:p>
+            <a:endParaRPr lang="es-419"/>
+          </a:p>
+        </p:txBody>
+      </p:sp>
+      <p:sp>
+        <p:nvSpPr>
+          <p:cNvPr id="3" name="Freeform 3"/>
           <p:cNvSpPr/>
           <p:nvPr/>
         </p:nvSpPr>
         <p:spPr>
-          <a:xfrm flipH="false" flipV="false" rot="0">
+          <a:xfrm>
             <a:off x="12914023" y="5732347"/>
             <a:ext cx="1465883" cy="1468553"/>
           </a:xfrm>
@@ -6898,9 +7151,9 @@
             <a:gdLst/>
             <a:ahLst/>
             <a:cxnLst/>
-            <a:rect r="r" b="b" t="t" l="l"/>
+            <a:rect l="l" t="t" r="r" b="b"/>
             <a:pathLst>
-              <a:path h="1468553" w="1465883">
+              <a:path w="1465883" h="1468553">
                 <a:moveTo>
                   <a:pt x="0" y="0"/>
                 </a:moveTo>
@@ -6929,19 +7182,26 @@
               </a:extLst>
             </a:blip>
             <a:stretch>
-              <a:fillRect l="0" t="0" r="0" b="0"/>
+              <a:fillRect/>
             </a:stretch>
           </a:blipFill>
         </p:spPr>
-      </p:sp>
-      <p:sp>
-        <p:nvSpPr>
-          <p:cNvPr name="Freeform 4" id="4"/>
+        <p:txBody>
+          <a:bodyPr/>
+          <a:lstStyle/>
+          <a:p>
+            <a:endParaRPr lang="es-419"/>
+          </a:p>
+        </p:txBody>
+      </p:sp>
+      <p:sp>
+        <p:nvSpPr>
+          <p:cNvPr id="4" name="Freeform 4"/>
           <p:cNvSpPr/>
           <p:nvPr/>
         </p:nvSpPr>
         <p:spPr>
-          <a:xfrm flipH="false" flipV="false" rot="0">
+          <a:xfrm>
             <a:off x="2027756" y="3499906"/>
             <a:ext cx="11619208" cy="6626992"/>
           </a:xfrm>
@@ -6950,9 +7210,9 @@
             <a:gdLst/>
             <a:ahLst/>
             <a:cxnLst/>
-            <a:rect r="r" b="b" t="t" l="l"/>
+            <a:rect l="l" t="t" r="r" b="b"/>
             <a:pathLst>
-              <a:path h="6626992" w="11619208">
+              <a:path w="11619208" h="6626992">
                 <a:moveTo>
                   <a:pt x="0" y="0"/>
                 </a:moveTo>
@@ -6975,19 +7235,26 @@
           <a:blipFill>
             <a:blip r:embed="rId6"/>
             <a:stretch>
-              <a:fillRect l="0" t="0" r="0" b="0"/>
+              <a:fillRect/>
             </a:stretch>
           </a:blipFill>
         </p:spPr>
-      </p:sp>
-      <p:sp>
-        <p:nvSpPr>
-          <p:cNvPr name="TextBox 5" id="5"/>
-          <p:cNvSpPr txBox="true"/>
-          <p:nvPr/>
-        </p:nvSpPr>
-        <p:spPr>
-          <a:xfrm rot="0">
+        <p:txBody>
+          <a:bodyPr/>
+          <a:lstStyle/>
+          <a:p>
+            <a:endParaRPr lang="es-419"/>
+          </a:p>
+        </p:txBody>
+      </p:sp>
+      <p:sp>
+        <p:nvSpPr>
+          <p:cNvPr id="5" name="TextBox 5"/>
+          <p:cNvSpPr txBox="1"/>
+          <p:nvPr/>
+        </p:nvSpPr>
+        <p:spPr>
+          <a:xfrm>
             <a:off x="4030770" y="3614251"/>
             <a:ext cx="9274520" cy="1258206"/>
           </a:xfrm>
@@ -6996,7 +7263,7 @@
           </a:prstGeom>
         </p:spPr>
         <p:txBody>
-          <a:bodyPr anchor="t" rtlCol="false" tIns="0" lIns="0" bIns="0" rIns="0">
+          <a:bodyPr lIns="0" tIns="0" rIns="0" bIns="0" rtlCol="0" anchor="t">
             <a:spAutoFit/>
           </a:bodyPr>
           <a:lstStyle/>
@@ -7007,7 +7274,7 @@
               </a:lnSpc>
             </a:pPr>
             <a:r>
-              <a:rPr lang="en-US" sz="11193" spc="-1119" b="true">
+              <a:rPr lang="en-US" sz="11193" b="1" spc="-1119">
                 <a:solidFill>
                   <a:srgbClr val="F1F1F1"/>
                 </a:solidFill>
@@ -7023,12 +7290,12 @@
       </p:sp>
       <p:sp>
         <p:nvSpPr>
-          <p:cNvPr name="TextBox 6" id="6"/>
-          <p:cNvSpPr txBox="true"/>
-          <p:nvPr/>
-        </p:nvSpPr>
-        <p:spPr>
-          <a:xfrm rot="0">
+          <p:cNvPr id="6" name="TextBox 6"/>
+          <p:cNvSpPr txBox="1"/>
+          <p:nvPr/>
+        </p:nvSpPr>
+        <p:spPr>
+          <a:xfrm>
             <a:off x="1028700" y="1303732"/>
             <a:ext cx="3382072" cy="464821"/>
           </a:xfrm>
@@ -7037,7 +7304,7 @@
           </a:prstGeom>
         </p:spPr>
         <p:txBody>
-          <a:bodyPr anchor="t" rtlCol="false" tIns="0" lIns="0" bIns="0" rIns="0">
+          <a:bodyPr lIns="0" tIns="0" rIns="0" bIns="0" rtlCol="0" anchor="t">
             <a:spAutoFit/>
           </a:bodyPr>
           <a:lstStyle/>
@@ -7048,7 +7315,7 @@
               </a:lnSpc>
             </a:pPr>
             <a:r>
-              <a:rPr lang="en-US" sz="2699" b="true">
+              <a:rPr lang="en-US" sz="2699" b="1">
                 <a:solidFill>
                   <a:srgbClr val="F1F1F1"/>
                 </a:solidFill>
@@ -7071,13 +7338,14 @@
 </file>
 
 <file path=ppt/slides/slide2.xml><?xml version="1.0" encoding="utf-8"?>
-<p:sld xmlns:p="http://schemas.openxmlformats.org/presentationml/2006/main" xmlns:a="http://schemas.openxmlformats.org/drawingml/2006/main" xmlns:r="http://schemas.openxmlformats.org/officeDocument/2006/relationships">
+<p:sld xmlns:a="http://schemas.openxmlformats.org/drawingml/2006/main" xmlns:r="http://schemas.openxmlformats.org/officeDocument/2006/relationships" xmlns:p="http://schemas.openxmlformats.org/presentationml/2006/main">
   <p:cSld>
     <p:bg>
       <p:bgPr>
         <a:solidFill>
           <a:srgbClr val="000000"/>
         </a:solidFill>
+        <a:effectLst/>
       </p:bgPr>
     </p:bg>
     <p:spTree>
@@ -7096,12 +7364,12 @@
       </p:grpSpPr>
       <p:grpSp>
         <p:nvGrpSpPr>
-          <p:cNvPr name="Group 2" id="2"/>
+          <p:cNvPr id="2" name="Group 2"/>
           <p:cNvGrpSpPr/>
           <p:nvPr/>
         </p:nvGrpSpPr>
         <p:grpSpPr>
-          <a:xfrm rot="0">
+          <a:xfrm>
             <a:off x="-660291" y="-1435764"/>
             <a:ext cx="5482615" cy="4231373"/>
             <a:chOff x="0" y="0"/>
@@ -7110,12 +7378,12 @@
         </p:grpSpPr>
         <p:sp>
           <p:nvSpPr>
-            <p:cNvPr name="Freeform 3" id="3"/>
+            <p:cNvPr id="3" name="Freeform 3"/>
             <p:cNvSpPr/>
             <p:nvPr/>
           </p:nvSpPr>
           <p:spPr>
-            <a:xfrm flipH="false" flipV="false" rot="0">
+            <a:xfrm>
               <a:off x="0" y="0"/>
               <a:ext cx="905432" cy="698795"/>
             </a:xfrm>
@@ -7124,9 +7392,9 @@
               <a:gdLst/>
               <a:ahLst/>
               <a:cxnLst/>
-              <a:rect r="r" b="b" t="t" l="l"/>
+              <a:rect l="l" t="t" r="r" b="b"/>
               <a:pathLst>
-                <a:path h="698795" w="905432">
+                <a:path w="905432" h="698795">
                   <a:moveTo>
                     <a:pt x="32478" y="0"/>
                   </a:moveTo>
@@ -7189,44 +7457,58 @@
             <a:blipFill>
               <a:blip r:embed="rId2"/>
               <a:stretch>
-                <a:fillRect l="-17658" t="0" r="-17658" b="0"/>
+                <a:fillRect l="-17658" r="-17658"/>
               </a:stretch>
             </a:blipFill>
           </p:spPr>
+          <p:txBody>
+            <a:bodyPr/>
+            <a:lstStyle/>
+            <a:p>
+              <a:endParaRPr lang="es-419"/>
+            </a:p>
+          </p:txBody>
         </p:sp>
       </p:grpSp>
       <p:sp>
         <p:nvSpPr>
-          <p:cNvPr name="AutoShape 4" id="4"/>
+          <p:cNvPr id="4" name="AutoShape 4"/>
           <p:cNvSpPr/>
           <p:nvPr/>
         </p:nvSpPr>
         <p:spPr>
-          <a:xfrm flipV="true">
+          <a:xfrm flipV="1">
             <a:off x="-70012" y="3121203"/>
             <a:ext cx="18428024" cy="0"/>
           </a:xfrm>
           <a:prstGeom prst="line">
             <a:avLst/>
           </a:prstGeom>
-          <a:ln cap="flat" w="19050">
+          <a:ln w="19050" cap="flat">
             <a:solidFill>
               <a:srgbClr val="00BB13"/>
             </a:solidFill>
             <a:prstDash val="solid"/>
-            <a:headEnd type="none" len="sm" w="sm"/>
-            <a:tailEnd type="none" len="sm" w="sm"/>
+            <a:headEnd type="none" w="sm" len="sm"/>
+            <a:tailEnd type="none" w="sm" len="sm"/>
           </a:ln>
         </p:spPr>
-      </p:sp>
-      <p:sp>
-        <p:nvSpPr>
-          <p:cNvPr name="Freeform 5" id="5"/>
+        <p:txBody>
+          <a:bodyPr/>
+          <a:lstStyle/>
+          <a:p>
+            <a:endParaRPr lang="es-419"/>
+          </a:p>
+        </p:txBody>
+      </p:sp>
+      <p:sp>
+        <p:nvSpPr>
+          <p:cNvPr id="5" name="Freeform 5"/>
           <p:cNvSpPr/>
           <p:nvPr/>
         </p:nvSpPr>
         <p:spPr>
-          <a:xfrm flipH="false" flipV="false" rot="-10800000">
+          <a:xfrm rot="-10800000">
             <a:off x="12581095" y="-12217"/>
             <a:ext cx="8703161" cy="8710420"/>
           </a:xfrm>
@@ -7235,9 +7517,9 @@
             <a:gdLst/>
             <a:ahLst/>
             <a:cxnLst/>
-            <a:rect r="r" b="b" t="t" l="l"/>
+            <a:rect l="l" t="t" r="r" b="b"/>
             <a:pathLst>
-              <a:path h="8710420" w="8703161">
+              <a:path w="8703161" h="8710420">
                 <a:moveTo>
                   <a:pt x="0" y="0"/>
                 </a:moveTo>
@@ -7266,19 +7548,26 @@
               </a:extLst>
             </a:blip>
             <a:stretch>
-              <a:fillRect l="0" t="0" r="0" b="0"/>
+              <a:fillRect/>
             </a:stretch>
           </a:blipFill>
         </p:spPr>
+        <p:txBody>
+          <a:bodyPr/>
+          <a:lstStyle/>
+          <a:p>
+            <a:endParaRPr lang="es-419"/>
+          </a:p>
+        </p:txBody>
       </p:sp>
       <p:grpSp>
         <p:nvGrpSpPr>
-          <p:cNvPr name="Group 6" id="6"/>
+          <p:cNvPr id="6" name="Group 6"/>
           <p:cNvGrpSpPr/>
           <p:nvPr/>
         </p:nvGrpSpPr>
         <p:grpSpPr>
-          <a:xfrm rot="0">
+          <a:xfrm>
             <a:off x="9144000" y="1860674"/>
             <a:ext cx="185737" cy="185737"/>
             <a:chOff x="0" y="0"/>
@@ -7287,12 +7576,12 @@
         </p:grpSpPr>
         <p:sp>
           <p:nvSpPr>
-            <p:cNvPr name="Freeform 7" id="7"/>
+            <p:cNvPr id="7" name="Freeform 7"/>
             <p:cNvSpPr/>
             <p:nvPr/>
           </p:nvSpPr>
           <p:spPr>
-            <a:xfrm flipH="false" flipV="false" rot="0">
+            <a:xfrm>
               <a:off x="0" y="0"/>
               <a:ext cx="812800" cy="812800"/>
             </a:xfrm>
@@ -7301,9 +7590,9 @@
               <a:gdLst/>
               <a:ahLst/>
               <a:cxnLst/>
-              <a:rect r="r" b="b" t="t" l="l"/>
+              <a:rect l="l" t="t" r="r" b="b"/>
               <a:pathLst>
-                <a:path h="812800" w="812800">
+                <a:path w="812800" h="812800">
                   <a:moveTo>
                     <a:pt x="406400" y="0"/>
                   </a:moveTo>
@@ -7335,11 +7624,18 @@
               <a:srgbClr val="000000"/>
             </a:solidFill>
           </p:spPr>
+          <p:txBody>
+            <a:bodyPr/>
+            <a:lstStyle/>
+            <a:p>
+              <a:endParaRPr lang="es-419"/>
+            </a:p>
+          </p:txBody>
         </p:sp>
         <p:sp>
           <p:nvSpPr>
-            <p:cNvPr name="TextBox 8" id="8"/>
-            <p:cNvSpPr txBox="true"/>
+            <p:cNvPr id="8" name="TextBox 8"/>
+            <p:cNvSpPr txBox="1"/>
             <p:nvPr/>
           </p:nvSpPr>
           <p:spPr>
@@ -7352,7 +7648,7 @@
             </a:prstGeom>
           </p:spPr>
           <p:txBody>
-            <a:bodyPr anchor="ctr" rtlCol="false" tIns="50800" lIns="50800" bIns="50800" rIns="50800"/>
+            <a:bodyPr lIns="50800" tIns="50800" rIns="50800" bIns="50800" rtlCol="0" anchor="ctr"/>
             <a:lstStyle/>
             <a:p>
               <a:pPr algn="ctr">
@@ -7360,18 +7656,19 @@
                   <a:spcPts val="2799"/>
                 </a:lnSpc>
               </a:pPr>
+              <a:endParaRPr/>
             </a:p>
           </p:txBody>
         </p:sp>
       </p:grpSp>
       <p:grpSp>
         <p:nvGrpSpPr>
-          <p:cNvPr name="Group 9" id="9"/>
+          <p:cNvPr id="9" name="Group 9"/>
           <p:cNvGrpSpPr/>
           <p:nvPr/>
         </p:nvGrpSpPr>
         <p:grpSpPr>
-          <a:xfrm rot="0">
+          <a:xfrm>
             <a:off x="9144000" y="4813810"/>
             <a:ext cx="185737" cy="185737"/>
             <a:chOff x="0" y="0"/>
@@ -7380,12 +7677,12 @@
         </p:grpSpPr>
         <p:sp>
           <p:nvSpPr>
-            <p:cNvPr name="Freeform 10" id="10"/>
+            <p:cNvPr id="10" name="Freeform 10"/>
             <p:cNvSpPr/>
             <p:nvPr/>
           </p:nvSpPr>
           <p:spPr>
-            <a:xfrm flipH="false" flipV="false" rot="0">
+            <a:xfrm>
               <a:off x="0" y="0"/>
               <a:ext cx="812800" cy="812800"/>
             </a:xfrm>
@@ -7394,9 +7691,9 @@
               <a:gdLst/>
               <a:ahLst/>
               <a:cxnLst/>
-              <a:rect r="r" b="b" t="t" l="l"/>
+              <a:rect l="l" t="t" r="r" b="b"/>
               <a:pathLst>
-                <a:path h="812800" w="812800">
+                <a:path w="812800" h="812800">
                   <a:moveTo>
                     <a:pt x="406400" y="0"/>
                   </a:moveTo>
@@ -7428,11 +7725,18 @@
               <a:srgbClr val="000000"/>
             </a:solidFill>
           </p:spPr>
+          <p:txBody>
+            <a:bodyPr/>
+            <a:lstStyle/>
+            <a:p>
+              <a:endParaRPr lang="es-419"/>
+            </a:p>
+          </p:txBody>
         </p:sp>
         <p:sp>
           <p:nvSpPr>
-            <p:cNvPr name="TextBox 11" id="11"/>
-            <p:cNvSpPr txBox="true"/>
+            <p:cNvPr id="11" name="TextBox 11"/>
+            <p:cNvSpPr txBox="1"/>
             <p:nvPr/>
           </p:nvSpPr>
           <p:spPr>
@@ -7445,7 +7749,7 @@
             </a:prstGeom>
           </p:spPr>
           <p:txBody>
-            <a:bodyPr anchor="ctr" rtlCol="false" tIns="50800" lIns="50800" bIns="50800" rIns="50800"/>
+            <a:bodyPr lIns="50800" tIns="50800" rIns="50800" bIns="50800" rtlCol="0" anchor="ctr"/>
             <a:lstStyle/>
             <a:p>
               <a:pPr algn="ctr">
@@ -7453,18 +7757,19 @@
                   <a:spcPts val="2799"/>
                 </a:lnSpc>
               </a:pPr>
+              <a:endParaRPr/>
             </a:p>
           </p:txBody>
         </p:sp>
       </p:grpSp>
       <p:sp>
         <p:nvSpPr>
-          <p:cNvPr name="TextBox 12" id="12"/>
-          <p:cNvSpPr txBox="true"/>
-          <p:nvPr/>
-        </p:nvSpPr>
-        <p:spPr>
-          <a:xfrm rot="0">
+          <p:cNvPr id="12" name="TextBox 12"/>
+          <p:cNvSpPr txBox="1"/>
+          <p:nvPr/>
+        </p:nvSpPr>
+        <p:spPr>
+          <a:xfrm>
             <a:off x="7686987" y="1963706"/>
             <a:ext cx="3285500" cy="1258206"/>
           </a:xfrm>
@@ -7473,7 +7778,7 @@
           </a:prstGeom>
         </p:spPr>
         <p:txBody>
-          <a:bodyPr anchor="t" rtlCol="false" tIns="0" lIns="0" bIns="0" rIns="0">
+          <a:bodyPr lIns="0" tIns="0" rIns="0" bIns="0" rtlCol="0" anchor="t">
             <a:spAutoFit/>
           </a:bodyPr>
           <a:lstStyle/>
@@ -7484,7 +7789,7 @@
               </a:lnSpc>
             </a:pPr>
             <a:r>
-              <a:rPr lang="en-US" sz="11193" spc="-1119" b="true">
+              <a:rPr lang="en-US" sz="11193" b="1" spc="-1119">
                 <a:solidFill>
                   <a:srgbClr val="F1F1F1"/>
                 </a:solidFill>
@@ -7500,12 +7805,12 @@
       </p:sp>
       <p:sp>
         <p:nvSpPr>
-          <p:cNvPr name="TextBox 13" id="13"/>
-          <p:cNvSpPr txBox="true"/>
-          <p:nvPr/>
-        </p:nvSpPr>
-        <p:spPr>
-          <a:xfrm rot="0">
+          <p:cNvPr id="13" name="TextBox 13"/>
+          <p:cNvSpPr txBox="1"/>
+          <p:nvPr/>
+        </p:nvSpPr>
+        <p:spPr>
+          <a:xfrm>
             <a:off x="1631644" y="3781214"/>
             <a:ext cx="3935418" cy="462013"/>
           </a:xfrm>
@@ -7514,7 +7819,7 @@
           </a:prstGeom>
         </p:spPr>
         <p:txBody>
-          <a:bodyPr anchor="t" rtlCol="false" tIns="0" lIns="0" bIns="0" rIns="0">
+          <a:bodyPr lIns="0" tIns="0" rIns="0" bIns="0" rtlCol="0" anchor="t">
             <a:spAutoFit/>
           </a:bodyPr>
           <a:lstStyle/>
@@ -7541,12 +7846,12 @@
       </p:sp>
       <p:sp>
         <p:nvSpPr>
-          <p:cNvPr name="TextBox 14" id="14"/>
-          <p:cNvSpPr txBox="true"/>
-          <p:nvPr/>
-        </p:nvSpPr>
-        <p:spPr>
-          <a:xfrm rot="0">
+          <p:cNvPr id="14" name="TextBox 14"/>
+          <p:cNvSpPr txBox="1"/>
+          <p:nvPr/>
+        </p:nvSpPr>
+        <p:spPr>
+          <a:xfrm>
             <a:off x="299535" y="3177651"/>
             <a:ext cx="1458330" cy="1094740"/>
           </a:xfrm>
@@ -7555,7 +7860,7 @@
           </a:prstGeom>
         </p:spPr>
         <p:txBody>
-          <a:bodyPr anchor="t" rtlCol="false" tIns="0" lIns="0" bIns="0" rIns="0">
+          <a:bodyPr lIns="0" tIns="0" rIns="0" bIns="0" rtlCol="0" anchor="t">
             <a:spAutoFit/>
           </a:bodyPr>
           <a:lstStyle/>
@@ -7566,7 +7871,7 @@
               </a:lnSpc>
             </a:pPr>
             <a:r>
-              <a:rPr lang="en-US" sz="6399" b="true">
+              <a:rPr lang="en-US" sz="6399" b="1">
                 <a:solidFill>
                   <a:srgbClr val="F1F1F1"/>
                 </a:solidFill>
@@ -7582,12 +7887,12 @@
       </p:sp>
       <p:sp>
         <p:nvSpPr>
-          <p:cNvPr name="TextBox 15" id="15"/>
-          <p:cNvSpPr txBox="true"/>
-          <p:nvPr/>
-        </p:nvSpPr>
-        <p:spPr>
-          <a:xfrm rot="0">
+          <p:cNvPr id="15" name="TextBox 15"/>
+          <p:cNvSpPr txBox="1"/>
+          <p:nvPr/>
+        </p:nvSpPr>
+        <p:spPr>
+          <a:xfrm>
             <a:off x="1631644" y="4778278"/>
             <a:ext cx="3935418" cy="461992"/>
           </a:xfrm>
@@ -7596,7 +7901,7 @@
           </a:prstGeom>
         </p:spPr>
         <p:txBody>
-          <a:bodyPr anchor="t" rtlCol="false" tIns="0" lIns="0" bIns="0" rIns="0">
+          <a:bodyPr lIns="0" tIns="0" rIns="0" bIns="0" rtlCol="0" anchor="t">
             <a:spAutoFit/>
           </a:bodyPr>
           <a:lstStyle/>
@@ -7623,12 +7928,12 @@
       </p:sp>
       <p:sp>
         <p:nvSpPr>
-          <p:cNvPr name="TextBox 16" id="16"/>
-          <p:cNvSpPr txBox="true"/>
-          <p:nvPr/>
-        </p:nvSpPr>
-        <p:spPr>
-          <a:xfrm rot="0">
+          <p:cNvPr id="16" name="TextBox 16"/>
+          <p:cNvSpPr txBox="1"/>
+          <p:nvPr/>
+        </p:nvSpPr>
+        <p:spPr>
+          <a:xfrm>
             <a:off x="299535" y="4195602"/>
             <a:ext cx="1458330" cy="1094740"/>
           </a:xfrm>
@@ -7637,7 +7942,7 @@
           </a:prstGeom>
         </p:spPr>
         <p:txBody>
-          <a:bodyPr anchor="t" rtlCol="false" tIns="0" lIns="0" bIns="0" rIns="0">
+          <a:bodyPr lIns="0" tIns="0" rIns="0" bIns="0" rtlCol="0" anchor="t">
             <a:spAutoFit/>
           </a:bodyPr>
           <a:lstStyle/>
@@ -7648,7 +7953,7 @@
               </a:lnSpc>
             </a:pPr>
             <a:r>
-              <a:rPr lang="en-US" sz="6399" b="true">
+              <a:rPr lang="en-US" sz="6399" b="1">
                 <a:solidFill>
                   <a:srgbClr val="F1F1F1"/>
                 </a:solidFill>
@@ -7664,12 +7969,12 @@
       </p:sp>
       <p:sp>
         <p:nvSpPr>
-          <p:cNvPr name="TextBox 17" id="17"/>
-          <p:cNvSpPr txBox="true"/>
-          <p:nvPr/>
-        </p:nvSpPr>
-        <p:spPr>
-          <a:xfrm rot="0">
+          <p:cNvPr id="17" name="TextBox 17"/>
+          <p:cNvSpPr txBox="1"/>
+          <p:nvPr/>
+        </p:nvSpPr>
+        <p:spPr>
+          <a:xfrm>
             <a:off x="1631644" y="5842792"/>
             <a:ext cx="3935418" cy="461992"/>
           </a:xfrm>
@@ -7678,7 +7983,7 @@
           </a:prstGeom>
         </p:spPr>
         <p:txBody>
-          <a:bodyPr anchor="t" rtlCol="false" tIns="0" lIns="0" bIns="0" rIns="0">
+          <a:bodyPr lIns="0" tIns="0" rIns="0" bIns="0" rtlCol="0" anchor="t">
             <a:spAutoFit/>
           </a:bodyPr>
           <a:lstStyle/>
@@ -7705,12 +8010,12 @@
       </p:sp>
       <p:sp>
         <p:nvSpPr>
-          <p:cNvPr name="TextBox 18" id="18"/>
-          <p:cNvSpPr txBox="true"/>
-          <p:nvPr/>
-        </p:nvSpPr>
-        <p:spPr>
-          <a:xfrm rot="0">
+          <p:cNvPr id="18" name="TextBox 18"/>
+          <p:cNvSpPr txBox="1"/>
+          <p:nvPr/>
+        </p:nvSpPr>
+        <p:spPr>
+          <a:xfrm>
             <a:off x="299535" y="5242717"/>
             <a:ext cx="1458330" cy="1094740"/>
           </a:xfrm>
@@ -7719,7 +8024,7 @@
           </a:prstGeom>
         </p:spPr>
         <p:txBody>
-          <a:bodyPr anchor="t" rtlCol="false" tIns="0" lIns="0" bIns="0" rIns="0">
+          <a:bodyPr lIns="0" tIns="0" rIns="0" bIns="0" rtlCol="0" anchor="t">
             <a:spAutoFit/>
           </a:bodyPr>
           <a:lstStyle/>
@@ -7730,7 +8035,7 @@
               </a:lnSpc>
             </a:pPr>
             <a:r>
-              <a:rPr lang="en-US" sz="6399" b="true">
+              <a:rPr lang="en-US" sz="6399" b="1">
                 <a:solidFill>
                   <a:srgbClr val="F1F1F1"/>
                 </a:solidFill>
@@ -7746,21 +8051,21 @@
       </p:sp>
       <p:sp>
         <p:nvSpPr>
-          <p:cNvPr name="TextBox 19" id="19"/>
-          <p:cNvSpPr txBox="true"/>
-          <p:nvPr/>
-        </p:nvSpPr>
-        <p:spPr>
-          <a:xfrm rot="0">
+          <p:cNvPr id="19" name="TextBox 19"/>
+          <p:cNvSpPr txBox="1"/>
+          <p:nvPr/>
+        </p:nvSpPr>
+        <p:spPr>
+          <a:xfrm>
             <a:off x="1631644" y="6909451"/>
-            <a:ext cx="3935418" cy="461992"/>
+            <a:ext cx="3935418" cy="434221"/>
           </a:xfrm>
           <a:prstGeom prst="rect">
             <a:avLst/>
           </a:prstGeom>
         </p:spPr>
         <p:txBody>
-          <a:bodyPr anchor="t" rtlCol="false" tIns="0" lIns="0" bIns="0" rIns="0">
+          <a:bodyPr lIns="0" tIns="0" rIns="0" bIns="0" rtlCol="0" anchor="t">
             <a:spAutoFit/>
           </a:bodyPr>
           <a:lstStyle/>
@@ -7771,7 +8076,7 @@
               </a:lnSpc>
             </a:pPr>
             <a:r>
-              <a:rPr lang="en-US" sz="2661">
+              <a:rPr lang="en-US" sz="2661" dirty="0" err="1">
                 <a:solidFill>
                   <a:srgbClr val="F1F1F1"/>
                 </a:solidFill>
@@ -7780,19 +8085,28 @@
                 <a:cs typeface="Public Sans"/>
                 <a:sym typeface="Public Sans"/>
               </a:rPr>
-              <a:t>Objectivos</a:t>
-            </a:r>
-          </a:p>
-        </p:txBody>
-      </p:sp>
-      <p:sp>
-        <p:nvSpPr>
-          <p:cNvPr name="TextBox 20" id="20"/>
-          <p:cNvSpPr txBox="true"/>
-          <p:nvPr/>
-        </p:nvSpPr>
-        <p:spPr>
-          <a:xfrm rot="0">
+              <a:t>Objetivos</a:t>
+            </a:r>
+            <a:endParaRPr lang="en-US" sz="2661" dirty="0">
+              <a:solidFill>
+                <a:srgbClr val="F1F1F1"/>
+              </a:solidFill>
+              <a:latin typeface="Public Sans"/>
+              <a:ea typeface="Public Sans"/>
+              <a:cs typeface="Public Sans"/>
+              <a:sym typeface="Public Sans"/>
+            </a:endParaRPr>
+          </a:p>
+        </p:txBody>
+      </p:sp>
+      <p:sp>
+        <p:nvSpPr>
+          <p:cNvPr id="20" name="TextBox 20"/>
+          <p:cNvSpPr txBox="1"/>
+          <p:nvPr/>
+        </p:nvSpPr>
+        <p:spPr>
+          <a:xfrm>
             <a:off x="299535" y="6337457"/>
             <a:ext cx="1458330" cy="1094740"/>
           </a:xfrm>
@@ -7801,7 +8115,7 @@
           </a:prstGeom>
         </p:spPr>
         <p:txBody>
-          <a:bodyPr anchor="t" rtlCol="false" tIns="0" lIns="0" bIns="0" rIns="0">
+          <a:bodyPr lIns="0" tIns="0" rIns="0" bIns="0" rtlCol="0" anchor="t">
             <a:spAutoFit/>
           </a:bodyPr>
           <a:lstStyle/>
@@ -7812,7 +8126,7 @@
               </a:lnSpc>
             </a:pPr>
             <a:r>
-              <a:rPr lang="en-US" sz="6399" b="true">
+              <a:rPr lang="en-US" sz="6399" b="1">
                 <a:solidFill>
                   <a:srgbClr val="F1F1F1"/>
                 </a:solidFill>
@@ -7828,12 +8142,12 @@
       </p:sp>
       <p:sp>
         <p:nvSpPr>
-          <p:cNvPr name="TextBox 21" id="21"/>
-          <p:cNvSpPr txBox="true"/>
-          <p:nvPr/>
-        </p:nvSpPr>
-        <p:spPr>
-          <a:xfrm rot="0">
+          <p:cNvPr id="21" name="TextBox 21"/>
+          <p:cNvSpPr txBox="1"/>
+          <p:nvPr/>
+        </p:nvSpPr>
+        <p:spPr>
+          <a:xfrm>
             <a:off x="1631644" y="7937022"/>
             <a:ext cx="3935418" cy="461992"/>
           </a:xfrm>
@@ -7842,7 +8156,7 @@
           </a:prstGeom>
         </p:spPr>
         <p:txBody>
-          <a:bodyPr anchor="t" rtlCol="false" tIns="0" lIns="0" bIns="0" rIns="0">
+          <a:bodyPr lIns="0" tIns="0" rIns="0" bIns="0" rtlCol="0" anchor="t">
             <a:spAutoFit/>
           </a:bodyPr>
           <a:lstStyle/>
@@ -7869,12 +8183,12 @@
       </p:sp>
       <p:sp>
         <p:nvSpPr>
-          <p:cNvPr name="TextBox 22" id="22"/>
-          <p:cNvSpPr txBox="true"/>
-          <p:nvPr/>
-        </p:nvSpPr>
-        <p:spPr>
-          <a:xfrm rot="0">
+          <p:cNvPr id="22" name="TextBox 22"/>
+          <p:cNvSpPr txBox="1"/>
+          <p:nvPr/>
+        </p:nvSpPr>
+        <p:spPr>
+          <a:xfrm>
             <a:off x="299535" y="7432197"/>
             <a:ext cx="1458330" cy="1094740"/>
           </a:xfrm>
@@ -7883,7 +8197,7 @@
           </a:prstGeom>
         </p:spPr>
         <p:txBody>
-          <a:bodyPr anchor="t" rtlCol="false" tIns="0" lIns="0" bIns="0" rIns="0">
+          <a:bodyPr lIns="0" tIns="0" rIns="0" bIns="0" rtlCol="0" anchor="t">
             <a:spAutoFit/>
           </a:bodyPr>
           <a:lstStyle/>
@@ -7894,7 +8208,7 @@
               </a:lnSpc>
             </a:pPr>
             <a:r>
-              <a:rPr lang="en-US" sz="6399" b="true">
+              <a:rPr lang="en-US" sz="6399" b="1">
                 <a:solidFill>
                   <a:srgbClr val="F1F1F1"/>
                 </a:solidFill>
@@ -7910,12 +8224,12 @@
       </p:sp>
       <p:sp>
         <p:nvSpPr>
-          <p:cNvPr name="TextBox 23" id="23"/>
-          <p:cNvSpPr txBox="true"/>
-          <p:nvPr/>
-        </p:nvSpPr>
-        <p:spPr>
-          <a:xfrm rot="0">
+          <p:cNvPr id="23" name="TextBox 23"/>
+          <p:cNvSpPr txBox="1"/>
+          <p:nvPr/>
+        </p:nvSpPr>
+        <p:spPr>
+          <a:xfrm>
             <a:off x="7321940" y="3776475"/>
             <a:ext cx="3935418" cy="461992"/>
           </a:xfrm>
@@ -7924,7 +8238,7 @@
           </a:prstGeom>
         </p:spPr>
         <p:txBody>
-          <a:bodyPr anchor="t" rtlCol="false" tIns="0" lIns="0" bIns="0" rIns="0">
+          <a:bodyPr lIns="0" tIns="0" rIns="0" bIns="0" rtlCol="0" anchor="t">
             <a:spAutoFit/>
           </a:bodyPr>
           <a:lstStyle/>
@@ -7951,12 +8265,12 @@
       </p:sp>
       <p:sp>
         <p:nvSpPr>
-          <p:cNvPr name="TextBox 24" id="24"/>
-          <p:cNvSpPr txBox="true"/>
-          <p:nvPr/>
-        </p:nvSpPr>
-        <p:spPr>
-          <a:xfrm rot="0">
+          <p:cNvPr id="24" name="TextBox 24"/>
+          <p:cNvSpPr txBox="1"/>
+          <p:nvPr/>
+        </p:nvSpPr>
+        <p:spPr>
+          <a:xfrm>
             <a:off x="5989831" y="3172912"/>
             <a:ext cx="1458330" cy="1094740"/>
           </a:xfrm>
@@ -7965,7 +8279,7 @@
           </a:prstGeom>
         </p:spPr>
         <p:txBody>
-          <a:bodyPr anchor="t" rtlCol="false" tIns="0" lIns="0" bIns="0" rIns="0">
+          <a:bodyPr lIns="0" tIns="0" rIns="0" bIns="0" rtlCol="0" anchor="t">
             <a:spAutoFit/>
           </a:bodyPr>
           <a:lstStyle/>
@@ -7976,7 +8290,7 @@
               </a:lnSpc>
             </a:pPr>
             <a:r>
-              <a:rPr lang="en-US" sz="6399" b="true">
+              <a:rPr lang="en-US" sz="6399" b="1">
                 <a:solidFill>
                   <a:srgbClr val="F1F1F1"/>
                 </a:solidFill>
@@ -7992,12 +8306,12 @@
       </p:sp>
       <p:sp>
         <p:nvSpPr>
-          <p:cNvPr name="TextBox 25" id="25"/>
-          <p:cNvSpPr txBox="true"/>
-          <p:nvPr/>
-        </p:nvSpPr>
-        <p:spPr>
-          <a:xfrm rot="0">
+          <p:cNvPr id="25" name="TextBox 25"/>
+          <p:cNvSpPr txBox="1"/>
+          <p:nvPr/>
+        </p:nvSpPr>
+        <p:spPr>
+          <a:xfrm>
             <a:off x="7321940" y="4773538"/>
             <a:ext cx="3935418" cy="461992"/>
           </a:xfrm>
@@ -8006,7 +8320,7 @@
           </a:prstGeom>
         </p:spPr>
         <p:txBody>
-          <a:bodyPr anchor="t" rtlCol="false" tIns="0" lIns="0" bIns="0" rIns="0">
+          <a:bodyPr lIns="0" tIns="0" rIns="0" bIns="0" rtlCol="0" anchor="t">
             <a:spAutoFit/>
           </a:bodyPr>
           <a:lstStyle/>
@@ -8033,12 +8347,12 @@
       </p:sp>
       <p:sp>
         <p:nvSpPr>
-          <p:cNvPr name="TextBox 26" id="26"/>
-          <p:cNvSpPr txBox="true"/>
-          <p:nvPr/>
-        </p:nvSpPr>
-        <p:spPr>
-          <a:xfrm rot="0">
+          <p:cNvPr id="26" name="TextBox 26"/>
+          <p:cNvSpPr txBox="1"/>
+          <p:nvPr/>
+        </p:nvSpPr>
+        <p:spPr>
+          <a:xfrm>
             <a:off x="5989831" y="4190863"/>
             <a:ext cx="1458330" cy="1094740"/>
           </a:xfrm>
@@ -8047,7 +8361,7 @@
           </a:prstGeom>
         </p:spPr>
         <p:txBody>
-          <a:bodyPr anchor="t" rtlCol="false" tIns="0" lIns="0" bIns="0" rIns="0">
+          <a:bodyPr lIns="0" tIns="0" rIns="0" bIns="0" rtlCol="0" anchor="t">
             <a:spAutoFit/>
           </a:bodyPr>
           <a:lstStyle/>
@@ -8058,7 +8372,7 @@
               </a:lnSpc>
             </a:pPr>
             <a:r>
-              <a:rPr lang="en-US" sz="6399" b="true">
+              <a:rPr lang="en-US" sz="6399" b="1">
                 <a:solidFill>
                   <a:srgbClr val="F1F1F1"/>
                 </a:solidFill>
@@ -8074,12 +8388,12 @@
       </p:sp>
       <p:sp>
         <p:nvSpPr>
-          <p:cNvPr name="TextBox 27" id="27"/>
-          <p:cNvSpPr txBox="true"/>
-          <p:nvPr/>
-        </p:nvSpPr>
-        <p:spPr>
-          <a:xfrm rot="0">
+          <p:cNvPr id="27" name="TextBox 27"/>
+          <p:cNvSpPr txBox="1"/>
+          <p:nvPr/>
+        </p:nvSpPr>
+        <p:spPr>
+          <a:xfrm>
             <a:off x="7321940" y="5838053"/>
             <a:ext cx="3935418" cy="461992"/>
           </a:xfrm>
@@ -8088,7 +8402,7 @@
           </a:prstGeom>
         </p:spPr>
         <p:txBody>
-          <a:bodyPr anchor="t" rtlCol="false" tIns="0" lIns="0" bIns="0" rIns="0">
+          <a:bodyPr lIns="0" tIns="0" rIns="0" bIns="0" rtlCol="0" anchor="t">
             <a:spAutoFit/>
           </a:bodyPr>
           <a:lstStyle/>
@@ -8115,12 +8429,12 @@
       </p:sp>
       <p:sp>
         <p:nvSpPr>
-          <p:cNvPr name="TextBox 28" id="28"/>
-          <p:cNvSpPr txBox="true"/>
-          <p:nvPr/>
-        </p:nvSpPr>
-        <p:spPr>
-          <a:xfrm rot="0">
+          <p:cNvPr id="28" name="TextBox 28"/>
+          <p:cNvSpPr txBox="1"/>
+          <p:nvPr/>
+        </p:nvSpPr>
+        <p:spPr>
+          <a:xfrm>
             <a:off x="5989831" y="5237978"/>
             <a:ext cx="1458330" cy="1094740"/>
           </a:xfrm>
@@ -8129,7 +8443,7 @@
           </a:prstGeom>
         </p:spPr>
         <p:txBody>
-          <a:bodyPr anchor="t" rtlCol="false" tIns="0" lIns="0" bIns="0" rIns="0">
+          <a:bodyPr lIns="0" tIns="0" rIns="0" bIns="0" rtlCol="0" anchor="t">
             <a:spAutoFit/>
           </a:bodyPr>
           <a:lstStyle/>
@@ -8140,7 +8454,7 @@
               </a:lnSpc>
             </a:pPr>
             <a:r>
-              <a:rPr lang="en-US" sz="6399" b="true">
+              <a:rPr lang="en-US" sz="6399" b="1">
                 <a:solidFill>
                   <a:srgbClr val="F1F1F1"/>
                 </a:solidFill>
@@ -8156,12 +8470,12 @@
       </p:sp>
       <p:sp>
         <p:nvSpPr>
-          <p:cNvPr name="TextBox 29" id="29"/>
-          <p:cNvSpPr txBox="true"/>
-          <p:nvPr/>
-        </p:nvSpPr>
-        <p:spPr>
-          <a:xfrm rot="0">
+          <p:cNvPr id="29" name="TextBox 29"/>
+          <p:cNvSpPr txBox="1"/>
+          <p:nvPr/>
+        </p:nvSpPr>
+        <p:spPr>
+          <a:xfrm>
             <a:off x="7269160" y="6680488"/>
             <a:ext cx="3935418" cy="924913"/>
           </a:xfrm>
@@ -8170,7 +8484,7 @@
           </a:prstGeom>
         </p:spPr>
         <p:txBody>
-          <a:bodyPr anchor="t" rtlCol="false" tIns="0" lIns="0" bIns="0" rIns="0">
+          <a:bodyPr lIns="0" tIns="0" rIns="0" bIns="0" rtlCol="0" anchor="t">
             <a:spAutoFit/>
           </a:bodyPr>
           <a:lstStyle/>
@@ -8197,12 +8511,12 @@
       </p:sp>
       <p:sp>
         <p:nvSpPr>
-          <p:cNvPr name="TextBox 30" id="30"/>
-          <p:cNvSpPr txBox="true"/>
-          <p:nvPr/>
-        </p:nvSpPr>
-        <p:spPr>
-          <a:xfrm rot="0">
+          <p:cNvPr id="30" name="TextBox 30"/>
+          <p:cNvSpPr txBox="1"/>
+          <p:nvPr/>
+        </p:nvSpPr>
+        <p:spPr>
+          <a:xfrm>
             <a:off x="5989831" y="6461282"/>
             <a:ext cx="1458330" cy="1094740"/>
           </a:xfrm>
@@ -8211,7 +8525,7 @@
           </a:prstGeom>
         </p:spPr>
         <p:txBody>
-          <a:bodyPr anchor="t" rtlCol="false" tIns="0" lIns="0" bIns="0" rIns="0">
+          <a:bodyPr lIns="0" tIns="0" rIns="0" bIns="0" rtlCol="0" anchor="t">
             <a:spAutoFit/>
           </a:bodyPr>
           <a:lstStyle/>
@@ -8222,7 +8536,7 @@
               </a:lnSpc>
             </a:pPr>
             <a:r>
-              <a:rPr lang="en-US" sz="6399" b="true">
+              <a:rPr lang="en-US" sz="6399" b="1">
                 <a:solidFill>
                   <a:srgbClr val="F1F1F1"/>
                 </a:solidFill>
@@ -8238,12 +8552,12 @@
       </p:sp>
       <p:sp>
         <p:nvSpPr>
-          <p:cNvPr name="TextBox 31" id="31"/>
-          <p:cNvSpPr txBox="true"/>
-          <p:nvPr/>
-        </p:nvSpPr>
-        <p:spPr>
-          <a:xfrm rot="0">
+          <p:cNvPr id="31" name="TextBox 31"/>
+          <p:cNvSpPr txBox="1"/>
+          <p:nvPr/>
+        </p:nvSpPr>
+        <p:spPr>
+          <a:xfrm>
             <a:off x="7321940" y="7932283"/>
             <a:ext cx="3935418" cy="924913"/>
           </a:xfrm>
@@ -8252,7 +8566,7 @@
           </a:prstGeom>
         </p:spPr>
         <p:txBody>
-          <a:bodyPr anchor="t" rtlCol="false" tIns="0" lIns="0" bIns="0" rIns="0">
+          <a:bodyPr lIns="0" tIns="0" rIns="0" bIns="0" rtlCol="0" anchor="t">
             <a:spAutoFit/>
           </a:bodyPr>
           <a:lstStyle/>
@@ -8279,12 +8593,12 @@
       </p:sp>
       <p:sp>
         <p:nvSpPr>
-          <p:cNvPr name="TextBox 32" id="32"/>
-          <p:cNvSpPr txBox="true"/>
-          <p:nvPr/>
-        </p:nvSpPr>
-        <p:spPr>
-          <a:xfrm rot="0">
+          <p:cNvPr id="32" name="TextBox 32"/>
+          <p:cNvSpPr txBox="1"/>
+          <p:nvPr/>
+        </p:nvSpPr>
+        <p:spPr>
+          <a:xfrm>
             <a:off x="5989831" y="7465558"/>
             <a:ext cx="1458330" cy="1094740"/>
           </a:xfrm>
@@ -8293,7 +8607,7 @@
           </a:prstGeom>
         </p:spPr>
         <p:txBody>
-          <a:bodyPr anchor="t" rtlCol="false" tIns="0" lIns="0" bIns="0" rIns="0">
+          <a:bodyPr lIns="0" tIns="0" rIns="0" bIns="0" rtlCol="0" anchor="t">
             <a:spAutoFit/>
           </a:bodyPr>
           <a:lstStyle/>
@@ -8304,7 +8618,7 @@
               </a:lnSpc>
             </a:pPr>
             <a:r>
-              <a:rPr lang="en-US" sz="6399" b="true">
+              <a:rPr lang="en-US" sz="6399" b="1">
                 <a:solidFill>
                   <a:srgbClr val="F1F1F1"/>
                 </a:solidFill>
@@ -8320,12 +8634,12 @@
       </p:sp>
       <p:sp>
         <p:nvSpPr>
-          <p:cNvPr name="TextBox 33" id="33"/>
-          <p:cNvSpPr txBox="true"/>
-          <p:nvPr/>
-        </p:nvSpPr>
-        <p:spPr>
-          <a:xfrm rot="0">
+          <p:cNvPr id="33" name="TextBox 33"/>
+          <p:cNvSpPr txBox="1"/>
+          <p:nvPr/>
+        </p:nvSpPr>
+        <p:spPr>
+          <a:xfrm>
             <a:off x="12715689" y="3852675"/>
             <a:ext cx="4669832" cy="461992"/>
           </a:xfrm>
@@ -8334,7 +8648,7 @@
           </a:prstGeom>
         </p:spPr>
         <p:txBody>
-          <a:bodyPr anchor="t" rtlCol="false" tIns="0" lIns="0" bIns="0" rIns="0">
+          <a:bodyPr lIns="0" tIns="0" rIns="0" bIns="0" rtlCol="0" anchor="t">
             <a:spAutoFit/>
           </a:bodyPr>
           <a:lstStyle/>
@@ -8361,12 +8675,12 @@
       </p:sp>
       <p:sp>
         <p:nvSpPr>
-          <p:cNvPr name="TextBox 34" id="34"/>
-          <p:cNvSpPr txBox="true"/>
-          <p:nvPr/>
-        </p:nvSpPr>
-        <p:spPr>
-          <a:xfrm rot="0">
+          <p:cNvPr id="34" name="TextBox 34"/>
+          <p:cNvSpPr txBox="1"/>
+          <p:nvPr/>
+        </p:nvSpPr>
+        <p:spPr>
+          <a:xfrm>
             <a:off x="11257359" y="3264864"/>
             <a:ext cx="1458330" cy="1094740"/>
           </a:xfrm>
@@ -8375,7 +8689,7 @@
           </a:prstGeom>
         </p:spPr>
         <p:txBody>
-          <a:bodyPr anchor="t" rtlCol="false" tIns="0" lIns="0" bIns="0" rIns="0">
+          <a:bodyPr lIns="0" tIns="0" rIns="0" bIns="0" rtlCol="0" anchor="t">
             <a:spAutoFit/>
           </a:bodyPr>
           <a:lstStyle/>
@@ -8386,7 +8700,7 @@
               </a:lnSpc>
             </a:pPr>
             <a:r>
-              <a:rPr lang="en-US" sz="6399" b="true">
+              <a:rPr lang="en-US" sz="6399" b="1">
                 <a:solidFill>
                   <a:srgbClr val="F1F1F1"/>
                 </a:solidFill>
@@ -8402,12 +8716,12 @@
       </p:sp>
       <p:sp>
         <p:nvSpPr>
-          <p:cNvPr name="TextBox 35" id="35"/>
-          <p:cNvSpPr txBox="true"/>
-          <p:nvPr/>
-        </p:nvSpPr>
-        <p:spPr>
-          <a:xfrm rot="0">
+          <p:cNvPr id="35" name="TextBox 35"/>
+          <p:cNvSpPr txBox="1"/>
+          <p:nvPr/>
+        </p:nvSpPr>
+        <p:spPr>
+          <a:xfrm>
             <a:off x="12715689" y="4828329"/>
             <a:ext cx="4415342" cy="461992"/>
           </a:xfrm>
@@ -8416,7 +8730,7 @@
           </a:prstGeom>
         </p:spPr>
         <p:txBody>
-          <a:bodyPr anchor="t" rtlCol="false" tIns="0" lIns="0" bIns="0" rIns="0">
+          <a:bodyPr lIns="0" tIns="0" rIns="0" bIns="0" rtlCol="0" anchor="t">
             <a:spAutoFit/>
           </a:bodyPr>
           <a:lstStyle/>
@@ -8443,12 +8757,12 @@
       </p:sp>
       <p:sp>
         <p:nvSpPr>
-          <p:cNvPr name="TextBox 36" id="36"/>
-          <p:cNvSpPr txBox="true"/>
-          <p:nvPr/>
-        </p:nvSpPr>
-        <p:spPr>
-          <a:xfrm rot="0">
+          <p:cNvPr id="36" name="TextBox 36"/>
+          <p:cNvSpPr txBox="1"/>
+          <p:nvPr/>
+        </p:nvSpPr>
+        <p:spPr>
+          <a:xfrm>
             <a:off x="11257359" y="4282815"/>
             <a:ext cx="1458330" cy="1094740"/>
           </a:xfrm>
@@ -8457,7 +8771,7 @@
           </a:prstGeom>
         </p:spPr>
         <p:txBody>
-          <a:bodyPr anchor="t" rtlCol="false" tIns="0" lIns="0" bIns="0" rIns="0">
+          <a:bodyPr lIns="0" tIns="0" rIns="0" bIns="0" rtlCol="0" anchor="t">
             <a:spAutoFit/>
           </a:bodyPr>
           <a:lstStyle/>
@@ -8468,7 +8782,7 @@
               </a:lnSpc>
             </a:pPr>
             <a:r>
-              <a:rPr lang="en-US" sz="6399" b="true">
+              <a:rPr lang="en-US" sz="6399" b="1">
                 <a:solidFill>
                   <a:srgbClr val="F1F1F1"/>
                 </a:solidFill>
@@ -8484,12 +8798,12 @@
       </p:sp>
       <p:sp>
         <p:nvSpPr>
-          <p:cNvPr name="TextBox 37" id="37"/>
-          <p:cNvSpPr txBox="true"/>
-          <p:nvPr/>
-        </p:nvSpPr>
-        <p:spPr>
-          <a:xfrm rot="0">
+          <p:cNvPr id="37" name="TextBox 37"/>
+          <p:cNvSpPr txBox="1"/>
+          <p:nvPr/>
+        </p:nvSpPr>
+        <p:spPr>
+          <a:xfrm>
             <a:off x="12715689" y="5780585"/>
             <a:ext cx="3935418" cy="461992"/>
           </a:xfrm>
@@ -8498,7 +8812,7 @@
           </a:prstGeom>
         </p:spPr>
         <p:txBody>
-          <a:bodyPr anchor="t" rtlCol="false" tIns="0" lIns="0" bIns="0" rIns="0">
+          <a:bodyPr lIns="0" tIns="0" rIns="0" bIns="0" rtlCol="0" anchor="t">
             <a:spAutoFit/>
           </a:bodyPr>
           <a:lstStyle/>
@@ -8525,12 +8839,12 @@
       </p:sp>
       <p:sp>
         <p:nvSpPr>
-          <p:cNvPr name="TextBox 38" id="38"/>
-          <p:cNvSpPr txBox="true"/>
-          <p:nvPr/>
-        </p:nvSpPr>
-        <p:spPr>
-          <a:xfrm rot="0">
+          <p:cNvPr id="38" name="TextBox 38"/>
+          <p:cNvSpPr txBox="1"/>
+          <p:nvPr/>
+        </p:nvSpPr>
+        <p:spPr>
+          <a:xfrm>
             <a:off x="11257359" y="5329930"/>
             <a:ext cx="1458330" cy="1094740"/>
           </a:xfrm>
@@ -8539,7 +8853,7 @@
           </a:prstGeom>
         </p:spPr>
         <p:txBody>
-          <a:bodyPr anchor="t" rtlCol="false" tIns="0" lIns="0" bIns="0" rIns="0">
+          <a:bodyPr lIns="0" tIns="0" rIns="0" bIns="0" rtlCol="0" anchor="t">
             <a:spAutoFit/>
           </a:bodyPr>
           <a:lstStyle/>
@@ -8550,7 +8864,7 @@
               </a:lnSpc>
             </a:pPr>
             <a:r>
-              <a:rPr lang="en-US" sz="6399" b="true">
+              <a:rPr lang="en-US" sz="6399" b="1">
                 <a:solidFill>
                   <a:srgbClr val="F1F1F1"/>
                 </a:solidFill>
@@ -8566,12 +8880,12 @@
       </p:sp>
       <p:sp>
         <p:nvSpPr>
-          <p:cNvPr name="TextBox 39" id="39"/>
-          <p:cNvSpPr txBox="true"/>
-          <p:nvPr/>
-        </p:nvSpPr>
-        <p:spPr>
-          <a:xfrm rot="0">
+          <p:cNvPr id="39" name="TextBox 39"/>
+          <p:cNvSpPr txBox="1"/>
+          <p:nvPr/>
+        </p:nvSpPr>
+        <p:spPr>
+          <a:xfrm>
             <a:off x="12715689" y="6911938"/>
             <a:ext cx="3935418" cy="462013"/>
           </a:xfrm>
@@ -8580,7 +8894,7 @@
           </a:prstGeom>
         </p:spPr>
         <p:txBody>
-          <a:bodyPr anchor="t" rtlCol="false" tIns="0" lIns="0" bIns="0" rIns="0">
+          <a:bodyPr lIns="0" tIns="0" rIns="0" bIns="0" rtlCol="0" anchor="t">
             <a:spAutoFit/>
           </a:bodyPr>
           <a:lstStyle/>
@@ -8607,12 +8921,12 @@
       </p:sp>
       <p:sp>
         <p:nvSpPr>
-          <p:cNvPr name="TextBox 40" id="40"/>
-          <p:cNvSpPr txBox="true"/>
-          <p:nvPr/>
-        </p:nvSpPr>
-        <p:spPr>
-          <a:xfrm rot="0">
+          <p:cNvPr id="40" name="TextBox 40"/>
+          <p:cNvSpPr txBox="1"/>
+          <p:nvPr/>
+        </p:nvSpPr>
+        <p:spPr>
+          <a:xfrm>
             <a:off x="11257359" y="6461282"/>
             <a:ext cx="1458330" cy="1094740"/>
           </a:xfrm>
@@ -8621,7 +8935,7 @@
           </a:prstGeom>
         </p:spPr>
         <p:txBody>
-          <a:bodyPr anchor="t" rtlCol="false" tIns="0" lIns="0" bIns="0" rIns="0">
+          <a:bodyPr lIns="0" tIns="0" rIns="0" bIns="0" rtlCol="0" anchor="t">
             <a:spAutoFit/>
           </a:bodyPr>
           <a:lstStyle/>
@@ -8632,7 +8946,7 @@
               </a:lnSpc>
             </a:pPr>
             <a:r>
-              <a:rPr lang="en-US" sz="6399" b="true">
+              <a:rPr lang="en-US" sz="6399" b="1">
                 <a:solidFill>
                   <a:srgbClr val="F1F1F1"/>
                 </a:solidFill>
@@ -8655,13 +8969,14 @@
 </file>
 
 <file path=ppt/slides/slide3.xml><?xml version="1.0" encoding="utf-8"?>
-<p:sld xmlns:p="http://schemas.openxmlformats.org/presentationml/2006/main" xmlns:a="http://schemas.openxmlformats.org/drawingml/2006/main" xmlns:r="http://schemas.openxmlformats.org/officeDocument/2006/relationships">
+<p:sld xmlns:a="http://schemas.openxmlformats.org/drawingml/2006/main" xmlns:r="http://schemas.openxmlformats.org/officeDocument/2006/relationships" xmlns:p="http://schemas.openxmlformats.org/presentationml/2006/main">
   <p:cSld>
     <p:bg>
       <p:bgPr>
         <a:solidFill>
           <a:srgbClr val="000000"/>
         </a:solidFill>
+        <a:effectLst/>
       </p:bgPr>
     </p:bg>
     <p:spTree>
@@ -8680,12 +8995,12 @@
       </p:grpSpPr>
       <p:sp>
         <p:nvSpPr>
-          <p:cNvPr name="Freeform 2" id="2"/>
+          <p:cNvPr id="2" name="Freeform 2"/>
           <p:cNvSpPr/>
           <p:nvPr/>
         </p:nvSpPr>
         <p:spPr>
-          <a:xfrm flipH="false" flipV="false" rot="0">
+          <a:xfrm>
             <a:off x="3941926" y="7012580"/>
             <a:ext cx="5859471" cy="2162678"/>
           </a:xfrm>
@@ -8694,9 +9009,9 @@
             <a:gdLst/>
             <a:ahLst/>
             <a:cxnLst/>
-            <a:rect r="r" b="b" t="t" l="l"/>
+            <a:rect l="l" t="t" r="r" b="b"/>
             <a:pathLst>
-              <a:path h="2162678" w="5859471">
+              <a:path w="5859471" h="2162678">
                 <a:moveTo>
                   <a:pt x="0" y="0"/>
                 </a:moveTo>
@@ -8725,19 +9040,26 @@
               </a:extLst>
             </a:blip>
             <a:stretch>
-              <a:fillRect l="0" t="0" r="0" b="0"/>
+              <a:fillRect/>
             </a:stretch>
           </a:blipFill>
         </p:spPr>
-      </p:sp>
-      <p:sp>
-        <p:nvSpPr>
-          <p:cNvPr name="TextBox 3" id="3"/>
-          <p:cNvSpPr txBox="true"/>
-          <p:nvPr/>
-        </p:nvSpPr>
-        <p:spPr>
-          <a:xfrm rot="0">
+        <p:txBody>
+          <a:bodyPr/>
+          <a:lstStyle/>
+          <a:p>
+            <a:endParaRPr lang="es-419"/>
+          </a:p>
+        </p:txBody>
+      </p:sp>
+      <p:sp>
+        <p:nvSpPr>
+          <p:cNvPr id="3" name="TextBox 3"/>
+          <p:cNvSpPr txBox="1"/>
+          <p:nvPr/>
+        </p:nvSpPr>
+        <p:spPr>
+          <a:xfrm>
             <a:off x="1028700" y="4174129"/>
             <a:ext cx="6552222" cy="1924123"/>
           </a:xfrm>
@@ -8746,7 +9068,7 @@
           </a:prstGeom>
         </p:spPr>
         <p:txBody>
-          <a:bodyPr anchor="t" rtlCol="false" tIns="0" lIns="0" bIns="0" rIns="0">
+          <a:bodyPr lIns="0" tIns="0" rIns="0" bIns="0" rtlCol="0" anchor="t">
             <a:spAutoFit/>
           </a:bodyPr>
           <a:lstStyle/>
@@ -8766,10 +9088,39 @@
                 <a:cs typeface="Public Sans"/>
                 <a:sym typeface="Public Sans"/>
               </a:rPr>
-              <a:t>I</a:t>
-            </a:r>
-            <a:r>
-              <a:rPr lang="en-US" sz="8000" spc="-640">
+              <a:t>Integrantes del Proyecto</a:t>
+            </a:r>
+          </a:p>
+        </p:txBody>
+      </p:sp>
+      <p:sp>
+        <p:nvSpPr>
+          <p:cNvPr id="4" name="TextBox 4"/>
+          <p:cNvSpPr txBox="1"/>
+          <p:nvPr/>
+        </p:nvSpPr>
+        <p:spPr>
+          <a:xfrm>
+            <a:off x="11363666" y="3120580"/>
+            <a:ext cx="3339070" cy="290195"/>
+          </a:xfrm>
+          <a:prstGeom prst="rect">
+            <a:avLst/>
+          </a:prstGeom>
+        </p:spPr>
+        <p:txBody>
+          <a:bodyPr lIns="0" tIns="0" rIns="0" bIns="0" rtlCol="0" anchor="t">
+            <a:spAutoFit/>
+          </a:bodyPr>
+          <a:lstStyle/>
+          <a:p>
+            <a:pPr algn="just">
+              <a:lnSpc>
+                <a:spcPts val="2380"/>
+              </a:lnSpc>
+            </a:pPr>
+            <a:r>
+              <a:rPr lang="en-US" sz="1700" dirty="0">
                 <a:solidFill>
                   <a:srgbClr val="FFFFFF"/>
                 </a:solidFill>
@@ -8778,60 +9129,19 @@
                 <a:cs typeface="Public Sans"/>
                 <a:sym typeface="Public Sans"/>
               </a:rPr>
-              <a:t>ntegrantes del Proyecto</a:t>
-            </a:r>
-          </a:p>
-        </p:txBody>
-      </p:sp>
-      <p:sp>
-        <p:nvSpPr>
-          <p:cNvPr name="TextBox 4" id="4"/>
-          <p:cNvSpPr txBox="true"/>
-          <p:nvPr/>
-        </p:nvSpPr>
-        <p:spPr>
-          <a:xfrm rot="0">
-            <a:off x="11363666" y="3120580"/>
-            <a:ext cx="3339070" cy="290195"/>
-          </a:xfrm>
-          <a:prstGeom prst="rect">
-            <a:avLst/>
-          </a:prstGeom>
-        </p:spPr>
-        <p:txBody>
-          <a:bodyPr anchor="t" rtlCol="false" tIns="0" lIns="0" bIns="0" rIns="0">
-            <a:spAutoFit/>
-          </a:bodyPr>
-          <a:lstStyle/>
-          <a:p>
-            <a:pPr algn="just">
-              <a:lnSpc>
-                <a:spcPts val="2380"/>
-              </a:lnSpc>
-            </a:pPr>
-            <a:r>
-              <a:rPr lang="en-US" sz="1700">
-                <a:solidFill>
-                  <a:srgbClr val="FFFFFF"/>
-                </a:solidFill>
-                <a:latin typeface="Public Sans"/>
-                <a:ea typeface="Public Sans"/>
-                <a:cs typeface="Public Sans"/>
-                <a:sym typeface="Public Sans"/>
-              </a:rPr>
-              <a:t>JEFE DE PROYECTO</a:t>
-            </a:r>
-          </a:p>
-        </p:txBody>
-      </p:sp>
-      <p:sp>
-        <p:nvSpPr>
-          <p:cNvPr name="TextBox 5" id="5"/>
-          <p:cNvSpPr txBox="true"/>
-          <p:nvPr/>
-        </p:nvSpPr>
-        <p:spPr>
-          <a:xfrm rot="0">
+              <a:t>PROJECT OWNER</a:t>
+            </a:r>
+          </a:p>
+        </p:txBody>
+      </p:sp>
+      <p:sp>
+        <p:nvSpPr>
+          <p:cNvPr id="5" name="TextBox 5"/>
+          <p:cNvSpPr txBox="1"/>
+          <p:nvPr/>
+        </p:nvSpPr>
+        <p:spPr>
+          <a:xfrm>
             <a:off x="11363666" y="3548251"/>
             <a:ext cx="5437572" cy="581025"/>
           </a:xfrm>
@@ -8840,7 +9150,7 @@
           </a:prstGeom>
         </p:spPr>
         <p:txBody>
-          <a:bodyPr anchor="t" rtlCol="false" tIns="0" lIns="0" bIns="0" rIns="0">
+          <a:bodyPr lIns="0" tIns="0" rIns="0" bIns="0" rtlCol="0" anchor="t">
             <a:spAutoFit/>
           </a:bodyPr>
           <a:lstStyle/>
@@ -8867,12 +9177,12 @@
       </p:sp>
       <p:sp>
         <p:nvSpPr>
-          <p:cNvPr name="TextBox 6" id="6"/>
-          <p:cNvSpPr txBox="true"/>
-          <p:nvPr/>
-        </p:nvSpPr>
-        <p:spPr>
-          <a:xfrm rot="0">
+          <p:cNvPr id="6" name="TextBox 6"/>
+          <p:cNvSpPr txBox="1"/>
+          <p:nvPr/>
+        </p:nvSpPr>
+        <p:spPr>
+          <a:xfrm>
             <a:off x="11363666" y="5118626"/>
             <a:ext cx="5437572" cy="581025"/>
           </a:xfrm>
@@ -8881,7 +9191,7 @@
           </a:prstGeom>
         </p:spPr>
         <p:txBody>
-          <a:bodyPr anchor="t" rtlCol="false" tIns="0" lIns="0" bIns="0" rIns="0">
+          <a:bodyPr lIns="0" tIns="0" rIns="0" bIns="0" rtlCol="0" anchor="t">
             <a:spAutoFit/>
           </a:bodyPr>
           <a:lstStyle/>
@@ -8908,12 +9218,12 @@
       </p:sp>
       <p:sp>
         <p:nvSpPr>
-          <p:cNvPr name="TextBox 7" id="7"/>
-          <p:cNvSpPr txBox="true"/>
-          <p:nvPr/>
-        </p:nvSpPr>
-        <p:spPr>
-          <a:xfrm rot="0">
+          <p:cNvPr id="7" name="TextBox 7"/>
+          <p:cNvSpPr txBox="1"/>
+          <p:nvPr/>
+        </p:nvSpPr>
+        <p:spPr>
+          <a:xfrm>
             <a:off x="11363666" y="4691516"/>
             <a:ext cx="3339070" cy="290195"/>
           </a:xfrm>
@@ -8922,7 +9232,7 @@
           </a:prstGeom>
         </p:spPr>
         <p:txBody>
-          <a:bodyPr anchor="t" rtlCol="false" tIns="0" lIns="0" bIns="0" rIns="0">
+          <a:bodyPr lIns="0" tIns="0" rIns="0" bIns="0" rtlCol="0" anchor="t">
             <a:spAutoFit/>
           </a:bodyPr>
           <a:lstStyle/>
@@ -8949,7 +9259,7 @@
       </p:sp>
       <p:sp>
         <p:nvSpPr>
-          <p:cNvPr name="AutoShape 8" id="8"/>
+          <p:cNvPr id="8" name="AutoShape 8"/>
           <p:cNvSpPr/>
           <p:nvPr/>
         </p:nvSpPr>
@@ -8961,24 +9271,31 @@
           <a:prstGeom prst="line">
             <a:avLst/>
           </a:prstGeom>
-          <a:ln cap="flat" w="47625">
+          <a:ln w="47625" cap="flat">
             <a:solidFill>
               <a:srgbClr val="00BB13"/>
             </a:solidFill>
             <a:prstDash val="solid"/>
-            <a:headEnd type="none" len="sm" w="sm"/>
-            <a:tailEnd type="none" len="sm" w="sm"/>
+            <a:headEnd type="none" w="sm" len="sm"/>
+            <a:tailEnd type="none" w="sm" len="sm"/>
           </a:ln>
         </p:spPr>
-      </p:sp>
-      <p:sp>
-        <p:nvSpPr>
-          <p:cNvPr name="TextBox 9" id="9"/>
-          <p:cNvSpPr txBox="true"/>
-          <p:nvPr/>
-        </p:nvSpPr>
-        <p:spPr>
-          <a:xfrm rot="0">
+        <p:txBody>
+          <a:bodyPr/>
+          <a:lstStyle/>
+          <a:p>
+            <a:endParaRPr lang="es-419"/>
+          </a:p>
+        </p:txBody>
+      </p:sp>
+      <p:sp>
+        <p:nvSpPr>
+          <p:cNvPr id="9" name="TextBox 9"/>
+          <p:cNvSpPr txBox="1"/>
+          <p:nvPr/>
+        </p:nvSpPr>
+        <p:spPr>
+          <a:xfrm>
             <a:off x="11363666" y="6773320"/>
             <a:ext cx="5437572" cy="581025"/>
           </a:xfrm>
@@ -8987,7 +9304,7 @@
           </a:prstGeom>
         </p:spPr>
         <p:txBody>
-          <a:bodyPr anchor="t" rtlCol="false" tIns="0" lIns="0" bIns="0" rIns="0">
+          <a:bodyPr lIns="0" tIns="0" rIns="0" bIns="0" rtlCol="0" anchor="t">
             <a:spAutoFit/>
           </a:bodyPr>
           <a:lstStyle/>
@@ -9014,12 +9331,12 @@
       </p:sp>
       <p:sp>
         <p:nvSpPr>
-          <p:cNvPr name="TextBox 10" id="10"/>
-          <p:cNvSpPr txBox="true"/>
-          <p:nvPr/>
-        </p:nvSpPr>
-        <p:spPr>
-          <a:xfrm rot="0">
+          <p:cNvPr id="10" name="TextBox 10"/>
+          <p:cNvSpPr txBox="1"/>
+          <p:nvPr/>
+        </p:nvSpPr>
+        <p:spPr>
+          <a:xfrm>
             <a:off x="11363666" y="6346210"/>
             <a:ext cx="3339070" cy="290195"/>
           </a:xfrm>
@@ -9028,7 +9345,7 @@
           </a:prstGeom>
         </p:spPr>
         <p:txBody>
-          <a:bodyPr anchor="t" rtlCol="false" tIns="0" lIns="0" bIns="0" rIns="0">
+          <a:bodyPr lIns="0" tIns="0" rIns="0" bIns="0" rtlCol="0" anchor="t">
             <a:spAutoFit/>
           </a:bodyPr>
           <a:lstStyle/>
@@ -9055,12 +9372,12 @@
       </p:sp>
       <p:sp>
         <p:nvSpPr>
-          <p:cNvPr name="TextBox 11" id="11"/>
-          <p:cNvSpPr txBox="true"/>
-          <p:nvPr/>
-        </p:nvSpPr>
-        <p:spPr>
-          <a:xfrm rot="0">
+          <p:cNvPr id="11" name="TextBox 11"/>
+          <p:cNvSpPr txBox="1"/>
+          <p:nvPr/>
+        </p:nvSpPr>
+        <p:spPr>
+          <a:xfrm>
             <a:off x="11363666" y="8390178"/>
             <a:ext cx="5437572" cy="581025"/>
           </a:xfrm>
@@ -9069,7 +9386,7 @@
           </a:prstGeom>
         </p:spPr>
         <p:txBody>
-          <a:bodyPr anchor="t" rtlCol="false" tIns="0" lIns="0" bIns="0" rIns="0">
+          <a:bodyPr lIns="0" tIns="0" rIns="0" bIns="0" rtlCol="0" anchor="t">
             <a:spAutoFit/>
           </a:bodyPr>
           <a:lstStyle/>
@@ -9096,12 +9413,12 @@
       </p:sp>
       <p:sp>
         <p:nvSpPr>
-          <p:cNvPr name="TextBox 12" id="12"/>
-          <p:cNvSpPr txBox="true"/>
-          <p:nvPr/>
-        </p:nvSpPr>
-        <p:spPr>
-          <a:xfrm rot="0">
+          <p:cNvPr id="12" name="TextBox 12"/>
+          <p:cNvSpPr txBox="1"/>
+          <p:nvPr/>
+        </p:nvSpPr>
+        <p:spPr>
+          <a:xfrm>
             <a:off x="11363666" y="7963068"/>
             <a:ext cx="3339070" cy="290195"/>
           </a:xfrm>
@@ -9110,7 +9427,7 @@
           </a:prstGeom>
         </p:spPr>
         <p:txBody>
-          <a:bodyPr anchor="t" rtlCol="false" tIns="0" lIns="0" bIns="0" rIns="0">
+          <a:bodyPr lIns="0" tIns="0" rIns="0" bIns="0" rtlCol="0" anchor="t">
             <a:spAutoFit/>
           </a:bodyPr>
           <a:lstStyle/>
@@ -9137,12 +9454,12 @@
       </p:sp>
       <p:sp>
         <p:nvSpPr>
-          <p:cNvPr name="Freeform 13" id="13"/>
+          <p:cNvPr id="13" name="Freeform 13"/>
           <p:cNvSpPr/>
           <p:nvPr/>
         </p:nvSpPr>
         <p:spPr>
-          <a:xfrm flipH="false" flipV="false" rot="0">
+          <a:xfrm>
             <a:off x="5866797" y="-1294609"/>
             <a:ext cx="4839189" cy="5138135"/>
           </a:xfrm>
@@ -9151,9 +9468,9 @@
             <a:gdLst/>
             <a:ahLst/>
             <a:cxnLst/>
-            <a:rect r="r" b="b" t="t" l="l"/>
+            <a:rect l="l" t="t" r="r" b="b"/>
             <a:pathLst>
-              <a:path h="5138135" w="4839189">
+              <a:path w="4839189" h="5138135">
                 <a:moveTo>
                   <a:pt x="0" y="0"/>
                 </a:moveTo>
@@ -9182,19 +9499,26 @@
               </a:extLst>
             </a:blip>
             <a:stretch>
-              <a:fillRect l="0" t="0" r="0" b="0"/>
+              <a:fillRect/>
             </a:stretch>
           </a:blipFill>
         </p:spPr>
+        <p:txBody>
+          <a:bodyPr/>
+          <a:lstStyle/>
+          <a:p>
+            <a:endParaRPr lang="es-419"/>
+          </a:p>
+        </p:txBody>
       </p:sp>
       <p:grpSp>
         <p:nvGrpSpPr>
-          <p:cNvPr name="Group 14" id="14"/>
+          <p:cNvPr id="14" name="Group 14"/>
           <p:cNvGrpSpPr/>
           <p:nvPr/>
         </p:nvGrpSpPr>
         <p:grpSpPr>
-          <a:xfrm rot="0">
+          <a:xfrm>
             <a:off x="-507891" y="-1283364"/>
             <a:ext cx="5482615" cy="4231373"/>
             <a:chOff x="0" y="0"/>
@@ -9203,12 +9527,12 @@
         </p:grpSpPr>
         <p:sp>
           <p:nvSpPr>
-            <p:cNvPr name="Freeform 15" id="15"/>
+            <p:cNvPr id="15" name="Freeform 15"/>
             <p:cNvSpPr/>
             <p:nvPr/>
           </p:nvSpPr>
           <p:spPr>
-            <a:xfrm flipH="false" flipV="false" rot="0">
+            <a:xfrm>
               <a:off x="0" y="0"/>
               <a:ext cx="905432" cy="698795"/>
             </a:xfrm>
@@ -9217,9 +9541,9 @@
               <a:gdLst/>
               <a:ahLst/>
               <a:cxnLst/>
-              <a:rect r="r" b="b" t="t" l="l"/>
+              <a:rect l="l" t="t" r="r" b="b"/>
               <a:pathLst>
-                <a:path h="698795" w="905432">
+                <a:path w="905432" h="698795">
                   <a:moveTo>
                     <a:pt x="32478" y="0"/>
                   </a:moveTo>
@@ -9282,10 +9606,17 @@
             <a:blipFill>
               <a:blip r:embed="rId6"/>
               <a:stretch>
-                <a:fillRect l="-17658" t="0" r="-17658" b="0"/>
+                <a:fillRect l="-17658" r="-17658"/>
               </a:stretch>
             </a:blipFill>
           </p:spPr>
+          <p:txBody>
+            <a:bodyPr/>
+            <a:lstStyle/>
+            <a:p>
+              <a:endParaRPr lang="es-419"/>
+            </a:p>
+          </p:txBody>
         </p:sp>
       </p:grpSp>
     </p:spTree>
@@ -9294,19 +9625,20 @@
     <a:masterClrMapping/>
   </p:clrMapOvr>
   <p:transition spd="slow">
-    <p:push dir="l"/>
+    <p:push/>
   </p:transition>
 </p:sld>
 </file>
 
 <file path=ppt/slides/slide4.xml><?xml version="1.0" encoding="utf-8"?>
-<p:sld xmlns:p="http://schemas.openxmlformats.org/presentationml/2006/main" xmlns:a="http://schemas.openxmlformats.org/drawingml/2006/main" xmlns:r="http://schemas.openxmlformats.org/officeDocument/2006/relationships">
+<p:sld xmlns:a="http://schemas.openxmlformats.org/drawingml/2006/main" xmlns:r="http://schemas.openxmlformats.org/officeDocument/2006/relationships" xmlns:p="http://schemas.openxmlformats.org/presentationml/2006/main">
   <p:cSld>
     <p:bg>
       <p:bgPr>
         <a:solidFill>
           <a:srgbClr val="000000"/>
         </a:solidFill>
+        <a:effectLst/>
       </p:bgPr>
     </p:bg>
     <p:spTree>
@@ -9325,12 +9657,12 @@
       </p:grpSpPr>
       <p:sp>
         <p:nvSpPr>
-          <p:cNvPr name="Freeform 2" id="2"/>
+          <p:cNvPr id="2" name="Freeform 2"/>
           <p:cNvSpPr/>
           <p:nvPr/>
         </p:nvSpPr>
         <p:spPr>
-          <a:xfrm flipH="false" flipV="false" rot="0">
+          <a:xfrm>
             <a:off x="2686760" y="8686339"/>
             <a:ext cx="4755052" cy="5048801"/>
           </a:xfrm>
@@ -9339,9 +9671,9 @@
             <a:gdLst/>
             <a:ahLst/>
             <a:cxnLst/>
-            <a:rect r="r" b="b" t="t" l="l"/>
+            <a:rect l="l" t="t" r="r" b="b"/>
             <a:pathLst>
-              <a:path h="5048801" w="4755052">
+              <a:path w="4755052" h="5048801">
                 <a:moveTo>
                   <a:pt x="0" y="0"/>
                 </a:moveTo>
@@ -9370,19 +9702,26 @@
               </a:extLst>
             </a:blip>
             <a:stretch>
-              <a:fillRect l="0" t="0" r="0" b="0"/>
+              <a:fillRect/>
             </a:stretch>
           </a:blipFill>
         </p:spPr>
+        <p:txBody>
+          <a:bodyPr/>
+          <a:lstStyle/>
+          <a:p>
+            <a:endParaRPr lang="es-419"/>
+          </a:p>
+        </p:txBody>
       </p:sp>
       <p:grpSp>
         <p:nvGrpSpPr>
-          <p:cNvPr name="Group 3" id="3"/>
+          <p:cNvPr id="3" name="Group 3"/>
           <p:cNvGrpSpPr/>
           <p:nvPr/>
         </p:nvGrpSpPr>
         <p:grpSpPr>
-          <a:xfrm rot="0">
+          <a:xfrm>
             <a:off x="206121" y="2679789"/>
             <a:ext cx="9716331" cy="6818619"/>
             <a:chOff x="0" y="0"/>
@@ -9391,12 +9730,12 @@
         </p:grpSpPr>
         <p:sp>
           <p:nvSpPr>
-            <p:cNvPr name="Freeform 4" id="4"/>
+            <p:cNvPr id="4" name="Freeform 4"/>
             <p:cNvSpPr/>
             <p:nvPr/>
           </p:nvSpPr>
           <p:spPr>
-            <a:xfrm flipH="false" flipV="false" rot="0">
+            <a:xfrm>
               <a:off x="0" y="0"/>
               <a:ext cx="1117832" cy="784460"/>
             </a:xfrm>
@@ -9405,9 +9744,9 @@
               <a:gdLst/>
               <a:ahLst/>
               <a:cxnLst/>
-              <a:rect r="r" b="b" t="t" l="l"/>
+              <a:rect l="l" t="t" r="r" b="b"/>
               <a:pathLst>
-                <a:path h="784460" w="1117832">
+                <a:path w="1117832" h="784460">
                   <a:moveTo>
                     <a:pt x="18326" y="0"/>
                   </a:moveTo>
@@ -9465,20 +9804,27 @@
             <a:blipFill>
               <a:blip r:embed="rId4"/>
               <a:stretch>
-                <a:fillRect l="0" t="-9759" r="0" b="-9759"/>
+                <a:fillRect t="-9759" b="-9759"/>
               </a:stretch>
             </a:blipFill>
           </p:spPr>
+          <p:txBody>
+            <a:bodyPr/>
+            <a:lstStyle/>
+            <a:p>
+              <a:endParaRPr lang="es-419"/>
+            </a:p>
+          </p:txBody>
         </p:sp>
       </p:grpSp>
       <p:sp>
         <p:nvSpPr>
-          <p:cNvPr name="Freeform 5" id="5"/>
+          <p:cNvPr id="5" name="Freeform 5"/>
           <p:cNvSpPr/>
           <p:nvPr/>
         </p:nvSpPr>
         <p:spPr>
-          <a:xfrm flipH="false" flipV="false" rot="0">
+          <a:xfrm>
             <a:off x="9943589" y="-414788"/>
             <a:ext cx="7315200" cy="3976809"/>
           </a:xfrm>
@@ -9487,9 +9833,9 @@
             <a:gdLst/>
             <a:ahLst/>
             <a:cxnLst/>
-            <a:rect r="r" b="b" t="t" l="l"/>
+            <a:rect l="l" t="t" r="r" b="b"/>
             <a:pathLst>
-              <a:path h="3976809" w="7315200">
+              <a:path w="7315200" h="3976809">
                 <a:moveTo>
                   <a:pt x="0" y="0"/>
                 </a:moveTo>
@@ -9518,19 +9864,26 @@
               </a:extLst>
             </a:blip>
             <a:stretch>
-              <a:fillRect l="0" t="0" r="0" b="0"/>
+              <a:fillRect/>
             </a:stretch>
           </a:blipFill>
         </p:spPr>
-      </p:sp>
-      <p:sp>
-        <p:nvSpPr>
-          <p:cNvPr name="TextBox 6" id="6"/>
-          <p:cNvSpPr txBox="true"/>
-          <p:nvPr/>
-        </p:nvSpPr>
-        <p:spPr>
-          <a:xfrm rot="0">
+        <p:txBody>
+          <a:bodyPr/>
+          <a:lstStyle/>
+          <a:p>
+            <a:endParaRPr lang="es-419"/>
+          </a:p>
+        </p:txBody>
+      </p:sp>
+      <p:sp>
+        <p:nvSpPr>
+          <p:cNvPr id="6" name="TextBox 6"/>
+          <p:cNvSpPr txBox="1"/>
+          <p:nvPr/>
+        </p:nvSpPr>
+        <p:spPr>
+          <a:xfrm>
             <a:off x="2196025" y="1520674"/>
             <a:ext cx="5736522" cy="1009651"/>
           </a:xfrm>
@@ -9539,7 +9892,7 @@
           </a:prstGeom>
         </p:spPr>
         <p:txBody>
-          <a:bodyPr anchor="t" rtlCol="false" tIns="0" lIns="0" bIns="0" rIns="0">
+          <a:bodyPr lIns="0" tIns="0" rIns="0" bIns="0" rtlCol="0" anchor="t">
             <a:spAutoFit/>
           </a:bodyPr>
           <a:lstStyle/>
@@ -9566,12 +9919,12 @@
       </p:sp>
       <p:sp>
         <p:nvSpPr>
-          <p:cNvPr name="TextBox 7" id="7"/>
-          <p:cNvSpPr txBox="true"/>
-          <p:nvPr/>
-        </p:nvSpPr>
-        <p:spPr>
-          <a:xfrm rot="0">
+          <p:cNvPr id="7" name="TextBox 7"/>
+          <p:cNvSpPr txBox="1"/>
+          <p:nvPr/>
+        </p:nvSpPr>
+        <p:spPr>
+          <a:xfrm>
             <a:off x="10452072" y="4076832"/>
             <a:ext cx="7446222" cy="4609507"/>
           </a:xfrm>
@@ -9580,7 +9933,7 @@
           </a:prstGeom>
         </p:spPr>
         <p:txBody>
-          <a:bodyPr anchor="t" rtlCol="false" tIns="0" lIns="0" bIns="0" rIns="0">
+          <a:bodyPr lIns="0" tIns="0" rIns="0" bIns="0" rtlCol="0" anchor="t">
             <a:spAutoFit/>
           </a:bodyPr>
           <a:lstStyle/>
@@ -9615,9 +9968,18 @@
                 <a:spcPct val="0"/>
               </a:spcBef>
             </a:pPr>
-          </a:p>
-          <a:p>
-            <a:pPr algn="l" marL="436916" indent="-218458" lvl="1">
+            <a:endParaRPr lang="en-US" sz="2023">
+              <a:solidFill>
+                <a:srgbClr val="FFFFFF"/>
+              </a:solidFill>
+              <a:latin typeface="Public Sans"/>
+              <a:ea typeface="Public Sans"/>
+              <a:cs typeface="Public Sans"/>
+              <a:sym typeface="Public Sans"/>
+            </a:endParaRPr>
+          </a:p>
+          <a:p>
+            <a:pPr marL="436916" lvl="1" indent="-218458" algn="l">
               <a:lnSpc>
                 <a:spcPts val="2833"/>
               </a:lnSpc>
@@ -9643,9 +10005,18 @@
                 <a:spcPts val="2833"/>
               </a:lnSpc>
             </a:pPr>
-          </a:p>
-          <a:p>
-            <a:pPr algn="l" marL="436916" indent="-218458" lvl="1">
+            <a:endParaRPr lang="en-US" sz="2023">
+              <a:solidFill>
+                <a:srgbClr val="FFFFFF"/>
+              </a:solidFill>
+              <a:latin typeface="Public Sans"/>
+              <a:ea typeface="Public Sans"/>
+              <a:cs typeface="Public Sans"/>
+              <a:sym typeface="Public Sans"/>
+            </a:endParaRPr>
+          </a:p>
+          <a:p>
+            <a:pPr marL="436916" lvl="1" indent="-218458" algn="l">
               <a:lnSpc>
                 <a:spcPts val="2833"/>
               </a:lnSpc>
@@ -9671,9 +10042,18 @@
                 <a:spcPts val="2833"/>
               </a:lnSpc>
             </a:pPr>
-          </a:p>
-          <a:p>
-            <a:pPr algn="l" marL="436916" indent="-218458" lvl="1">
+            <a:endParaRPr lang="en-US" sz="2023">
+              <a:solidFill>
+                <a:srgbClr val="FFFFFF"/>
+              </a:solidFill>
+              <a:latin typeface="Public Sans"/>
+              <a:ea typeface="Public Sans"/>
+              <a:cs typeface="Public Sans"/>
+              <a:sym typeface="Public Sans"/>
+            </a:endParaRPr>
+          </a:p>
+          <a:p>
+            <a:pPr marL="436916" lvl="1" indent="-218458" algn="l">
               <a:lnSpc>
                 <a:spcPts val="2833"/>
               </a:lnSpc>
@@ -9697,12 +10077,12 @@
       </p:sp>
       <p:grpSp>
         <p:nvGrpSpPr>
-          <p:cNvPr name="Group 8" id="8"/>
+          <p:cNvPr id="8" name="Group 8"/>
           <p:cNvGrpSpPr/>
           <p:nvPr/>
         </p:nvGrpSpPr>
         <p:grpSpPr>
-          <a:xfrm rot="0">
+          <a:xfrm>
             <a:off x="-870776" y="-1551584"/>
             <a:ext cx="5482615" cy="4231373"/>
             <a:chOff x="0" y="0"/>
@@ -9711,12 +10091,12 @@
         </p:grpSpPr>
         <p:sp>
           <p:nvSpPr>
-            <p:cNvPr name="Freeform 9" id="9"/>
+            <p:cNvPr id="9" name="Freeform 9"/>
             <p:cNvSpPr/>
             <p:nvPr/>
           </p:nvSpPr>
           <p:spPr>
-            <a:xfrm flipH="false" flipV="false" rot="0">
+            <a:xfrm>
               <a:off x="0" y="0"/>
               <a:ext cx="905432" cy="698795"/>
             </a:xfrm>
@@ -9725,9 +10105,9 @@
               <a:gdLst/>
               <a:ahLst/>
               <a:cxnLst/>
-              <a:rect r="r" b="b" t="t" l="l"/>
+              <a:rect l="l" t="t" r="r" b="b"/>
               <a:pathLst>
-                <a:path h="698795" w="905432">
+                <a:path w="905432" h="698795">
                   <a:moveTo>
                     <a:pt x="32478" y="0"/>
                   </a:moveTo>
@@ -9790,10 +10170,17 @@
             <a:blipFill>
               <a:blip r:embed="rId7"/>
               <a:stretch>
-                <a:fillRect l="-17658" t="0" r="-17658" b="0"/>
+                <a:fillRect l="-17658" r="-17658"/>
               </a:stretch>
             </a:blipFill>
           </p:spPr>
+          <p:txBody>
+            <a:bodyPr/>
+            <a:lstStyle/>
+            <a:p>
+              <a:endParaRPr lang="es-419"/>
+            </a:p>
+          </p:txBody>
         </p:sp>
       </p:grpSp>
     </p:spTree>
@@ -9802,19 +10189,20 @@
     <a:masterClrMapping/>
   </p:clrMapOvr>
   <p:transition spd="slow">
-    <p:push dir="l"/>
+    <p:push/>
   </p:transition>
 </p:sld>
 </file>
 
 <file path=ppt/slides/slide5.xml><?xml version="1.0" encoding="utf-8"?>
-<p:sld xmlns:p="http://schemas.openxmlformats.org/presentationml/2006/main" xmlns:a="http://schemas.openxmlformats.org/drawingml/2006/main" xmlns:r="http://schemas.openxmlformats.org/officeDocument/2006/relationships">
+<p:sld xmlns:a="http://schemas.openxmlformats.org/drawingml/2006/main" xmlns:r="http://schemas.openxmlformats.org/officeDocument/2006/relationships" xmlns:p="http://schemas.openxmlformats.org/presentationml/2006/main">
   <p:cSld>
     <p:bg>
       <p:bgPr>
         <a:solidFill>
           <a:srgbClr val="000000"/>
         </a:solidFill>
+        <a:effectLst/>
       </p:bgPr>
     </p:bg>
     <p:spTree>
@@ -9833,12 +10221,12 @@
       </p:grpSpPr>
       <p:sp>
         <p:nvSpPr>
-          <p:cNvPr name="Freeform 2" id="2"/>
+          <p:cNvPr id="2" name="Freeform 2"/>
           <p:cNvSpPr/>
           <p:nvPr/>
         </p:nvSpPr>
         <p:spPr>
-          <a:xfrm flipH="false" flipV="false" rot="-10800000">
+          <a:xfrm rot="-10800000">
             <a:off x="10443846" y="0"/>
             <a:ext cx="7844154" cy="7850697"/>
           </a:xfrm>
@@ -9847,9 +10235,9 @@
             <a:gdLst/>
             <a:ahLst/>
             <a:cxnLst/>
-            <a:rect r="r" b="b" t="t" l="l"/>
+            <a:rect l="l" t="t" r="r" b="b"/>
             <a:pathLst>
-              <a:path h="7850697" w="7844154">
+              <a:path w="7844154" h="7850697">
                 <a:moveTo>
                   <a:pt x="0" y="0"/>
                 </a:moveTo>
@@ -9878,19 +10266,26 @@
               </a:extLst>
             </a:blip>
             <a:stretch>
-              <a:fillRect l="0" t="0" r="0" b="0"/>
+              <a:fillRect/>
             </a:stretch>
           </a:blipFill>
         </p:spPr>
+        <p:txBody>
+          <a:bodyPr/>
+          <a:lstStyle/>
+          <a:p>
+            <a:endParaRPr lang="es-419"/>
+          </a:p>
+        </p:txBody>
       </p:sp>
       <p:grpSp>
         <p:nvGrpSpPr>
-          <p:cNvPr name="Group 3" id="3"/>
+          <p:cNvPr id="3" name="Group 3"/>
           <p:cNvGrpSpPr/>
           <p:nvPr/>
         </p:nvGrpSpPr>
         <p:grpSpPr>
-          <a:xfrm rot="0">
+          <a:xfrm>
             <a:off x="8954668" y="1794822"/>
             <a:ext cx="8887591" cy="5456315"/>
             <a:chOff x="0" y="0"/>
@@ -9899,12 +10294,12 @@
         </p:grpSpPr>
         <p:sp>
           <p:nvSpPr>
-            <p:cNvPr name="Freeform 4" id="4"/>
+            <p:cNvPr id="4" name="Freeform 4"/>
             <p:cNvSpPr/>
             <p:nvPr/>
           </p:nvSpPr>
           <p:spPr>
-            <a:xfrm flipH="false" flipV="false" rot="0">
+            <a:xfrm>
               <a:off x="0" y="0"/>
               <a:ext cx="932330" cy="572381"/>
             </a:xfrm>
@@ -9913,9 +10308,9 @@
               <a:gdLst/>
               <a:ahLst/>
               <a:cxnLst/>
-              <a:rect r="r" b="b" t="t" l="l"/>
+              <a:rect l="l" t="t" r="r" b="b"/>
               <a:pathLst>
-                <a:path h="572381" w="932330">
+                <a:path w="932330" h="572381">
                   <a:moveTo>
                     <a:pt x="20035" y="0"/>
                   </a:moveTo>
@@ -9982,11 +10377,18 @@
               </a:stretch>
             </a:blipFill>
           </p:spPr>
+          <p:txBody>
+            <a:bodyPr/>
+            <a:lstStyle/>
+            <a:p>
+              <a:endParaRPr lang="es-419"/>
+            </a:p>
+          </p:txBody>
         </p:sp>
       </p:grpSp>
       <p:sp>
         <p:nvSpPr>
-          <p:cNvPr name="AutoShape 5" id="5"/>
+          <p:cNvPr id="5" name="AutoShape 5"/>
           <p:cNvSpPr/>
           <p:nvPr/>
         </p:nvSpPr>
@@ -9998,24 +10400,31 @@
           <a:prstGeom prst="line">
             <a:avLst/>
           </a:prstGeom>
-          <a:ln cap="flat" w="19050">
+          <a:ln w="19050" cap="flat">
             <a:solidFill>
               <a:srgbClr val="00BB13"/>
             </a:solidFill>
             <a:prstDash val="solid"/>
-            <a:headEnd type="none" len="sm" w="sm"/>
-            <a:tailEnd type="none" len="sm" w="sm"/>
+            <a:headEnd type="none" w="sm" len="sm"/>
+            <a:tailEnd type="none" w="sm" len="sm"/>
           </a:ln>
         </p:spPr>
-      </p:sp>
-      <p:sp>
-        <p:nvSpPr>
-          <p:cNvPr name="Freeform 6" id="6"/>
+        <p:txBody>
+          <a:bodyPr/>
+          <a:lstStyle/>
+          <a:p>
+            <a:endParaRPr lang="es-419"/>
+          </a:p>
+        </p:txBody>
+      </p:sp>
+      <p:sp>
+        <p:nvSpPr>
+          <p:cNvPr id="6" name="Freeform 6"/>
           <p:cNvSpPr/>
           <p:nvPr/>
         </p:nvSpPr>
         <p:spPr>
-          <a:xfrm flipH="false" flipV="false" rot="5400000">
+          <a:xfrm rot="5400000">
             <a:off x="6873041" y="1712674"/>
             <a:ext cx="780172" cy="2569428"/>
           </a:xfrm>
@@ -10024,9 +10433,9 @@
             <a:gdLst/>
             <a:ahLst/>
             <a:cxnLst/>
-            <a:rect r="r" b="b" t="t" l="l"/>
+            <a:rect l="l" t="t" r="r" b="b"/>
             <a:pathLst>
-              <a:path h="2569428" w="780172">
+              <a:path w="780172" h="2569428">
                 <a:moveTo>
                   <a:pt x="0" y="0"/>
                 </a:moveTo>
@@ -10055,19 +10464,26 @@
               </a:extLst>
             </a:blip>
             <a:stretch>
-              <a:fillRect l="0" t="0" r="0" b="0"/>
+              <a:fillRect/>
             </a:stretch>
           </a:blipFill>
         </p:spPr>
-      </p:sp>
-      <p:sp>
-        <p:nvSpPr>
-          <p:cNvPr name="TextBox 7" id="7"/>
-          <p:cNvSpPr txBox="true"/>
-          <p:nvPr/>
-        </p:nvSpPr>
-        <p:spPr>
-          <a:xfrm rot="0">
+        <p:txBody>
+          <a:bodyPr/>
+          <a:lstStyle/>
+          <a:p>
+            <a:endParaRPr lang="es-419"/>
+          </a:p>
+        </p:txBody>
+      </p:sp>
+      <p:sp>
+        <p:nvSpPr>
+          <p:cNvPr id="7" name="TextBox 7"/>
+          <p:cNvSpPr txBox="1"/>
+          <p:nvPr/>
+        </p:nvSpPr>
+        <p:spPr>
+          <a:xfrm>
             <a:off x="1029017" y="2312355"/>
             <a:ext cx="5818947" cy="1075118"/>
           </a:xfrm>
@@ -10076,7 +10492,7 @@
           </a:prstGeom>
         </p:spPr>
         <p:txBody>
-          <a:bodyPr anchor="t" rtlCol="false" tIns="0" lIns="0" bIns="0" rIns="0">
+          <a:bodyPr lIns="0" tIns="0" rIns="0" bIns="0" rtlCol="0" anchor="t">
             <a:spAutoFit/>
           </a:bodyPr>
           <a:lstStyle/>
@@ -10103,12 +10519,12 @@
       </p:sp>
       <p:sp>
         <p:nvSpPr>
-          <p:cNvPr name="TextBox 8" id="8"/>
-          <p:cNvSpPr txBox="true"/>
-          <p:nvPr/>
-        </p:nvSpPr>
-        <p:spPr>
-          <a:xfrm rot="0">
+          <p:cNvPr id="8" name="TextBox 8"/>
+          <p:cNvSpPr txBox="1"/>
+          <p:nvPr/>
+        </p:nvSpPr>
+        <p:spPr>
+          <a:xfrm>
             <a:off x="650354" y="3856164"/>
             <a:ext cx="7518823" cy="5999480"/>
           </a:xfrm>
@@ -10117,7 +10533,7 @@
           </a:prstGeom>
         </p:spPr>
         <p:txBody>
-          <a:bodyPr anchor="t" rtlCol="false" tIns="0" lIns="0" bIns="0" rIns="0">
+          <a:bodyPr lIns="0" tIns="0" rIns="0" bIns="0" rtlCol="0" anchor="t">
             <a:spAutoFit/>
           </a:bodyPr>
           <a:lstStyle/>
@@ -10137,19 +10553,7 @@
                 <a:cs typeface="Public Sans"/>
                 <a:sym typeface="Public Sans"/>
               </a:rPr>
-              <a:t>Nuestro propósito </a:t>
-            </a:r>
-            <a:r>
-              <a:rPr lang="en-US" sz="2299">
-                <a:solidFill>
-                  <a:srgbClr val="F1F1F1"/>
-                </a:solidFill>
-                <a:latin typeface="Public Sans"/>
-                <a:ea typeface="Public Sans"/>
-                <a:cs typeface="Public Sans"/>
-                <a:sym typeface="Public Sans"/>
-              </a:rPr>
-              <a:t>es diseñar y desarrollar un gestor Kanban inteligente con integración de IA, que sea accesible, automatizado y adaptado al mercado latinoamericano.</a:t>
+              <a:t>Nuestro propósito es diseñar y desarrollar un gestor Kanban inteligente con integración de IA, que sea accesible, automatizado y adaptado al mercado latinoamericano.</a:t>
             </a:r>
           </a:p>
           <a:p>
@@ -10158,6 +10562,15 @@
                 <a:spcPts val="3219"/>
               </a:lnSpc>
             </a:pPr>
+            <a:endParaRPr lang="en-US" sz="2299">
+              <a:solidFill>
+                <a:srgbClr val="F1F1F1"/>
+              </a:solidFill>
+              <a:latin typeface="Public Sans"/>
+              <a:ea typeface="Public Sans"/>
+              <a:cs typeface="Public Sans"/>
+              <a:sym typeface="Public Sans"/>
+            </a:endParaRPr>
           </a:p>
           <a:p>
             <a:pPr algn="l">
@@ -10179,7 +10592,7 @@
             </a:r>
           </a:p>
           <a:p>
-            <a:pPr algn="l" marL="496569" indent="-248284" lvl="1">
+            <a:pPr marL="496569" lvl="1" indent="-248284" algn="l">
               <a:lnSpc>
                 <a:spcPts val="3219"/>
               </a:lnSpc>
@@ -10200,7 +10613,7 @@
             </a:r>
           </a:p>
           <a:p>
-            <a:pPr algn="l" marL="496569" indent="-248284" lvl="1">
+            <a:pPr marL="496569" lvl="1" indent="-248284" algn="l">
               <a:lnSpc>
                 <a:spcPts val="3219"/>
               </a:lnSpc>
@@ -10221,7 +10634,7 @@
             </a:r>
           </a:p>
           <a:p>
-            <a:pPr algn="l" marL="496569" indent="-248284" lvl="1">
+            <a:pPr marL="496569" lvl="1" indent="-248284" algn="l">
               <a:lnSpc>
                 <a:spcPts val="3219"/>
               </a:lnSpc>
@@ -10247,6 +10660,15 @@
                 <a:spcPts val="3219"/>
               </a:lnSpc>
             </a:pPr>
+            <a:endParaRPr lang="en-US" sz="2299">
+              <a:solidFill>
+                <a:srgbClr val="F1F1F1"/>
+              </a:solidFill>
+              <a:latin typeface="Public Sans"/>
+              <a:ea typeface="Public Sans"/>
+              <a:cs typeface="Public Sans"/>
+              <a:sym typeface="Public Sans"/>
+            </a:endParaRPr>
           </a:p>
           <a:p>
             <a:pPr algn="l">
@@ -10254,6 +10676,15 @@
                 <a:spcPts val="3219"/>
               </a:lnSpc>
             </a:pPr>
+            <a:endParaRPr lang="en-US" sz="2299">
+              <a:solidFill>
+                <a:srgbClr val="F1F1F1"/>
+              </a:solidFill>
+              <a:latin typeface="Public Sans"/>
+              <a:ea typeface="Public Sans"/>
+              <a:cs typeface="Public Sans"/>
+              <a:sym typeface="Public Sans"/>
+            </a:endParaRPr>
           </a:p>
           <a:p>
             <a:pPr algn="l">
@@ -10261,17 +10692,26 @@
                 <a:spcPts val="3219"/>
               </a:lnSpc>
             </a:pPr>
-          </a:p>
-        </p:txBody>
-      </p:sp>
-      <p:sp>
-        <p:nvSpPr>
-          <p:cNvPr name="TextBox 9" id="9"/>
-          <p:cNvSpPr txBox="true"/>
-          <p:nvPr/>
-        </p:nvSpPr>
-        <p:spPr>
-          <a:xfrm rot="0">
+            <a:endParaRPr lang="en-US" sz="2299">
+              <a:solidFill>
+                <a:srgbClr val="F1F1F1"/>
+              </a:solidFill>
+              <a:latin typeface="Public Sans"/>
+              <a:ea typeface="Public Sans"/>
+              <a:cs typeface="Public Sans"/>
+              <a:sym typeface="Public Sans"/>
+            </a:endParaRPr>
+          </a:p>
+        </p:txBody>
+      </p:sp>
+      <p:sp>
+        <p:nvSpPr>
+          <p:cNvPr id="9" name="TextBox 9"/>
+          <p:cNvSpPr txBox="1"/>
+          <p:nvPr/>
+        </p:nvSpPr>
+        <p:spPr>
+          <a:xfrm>
             <a:off x="15074730" y="9407969"/>
             <a:ext cx="2184059" cy="339725"/>
           </a:xfrm>
@@ -10280,7 +10720,7 @@
           </a:prstGeom>
         </p:spPr>
         <p:txBody>
-          <a:bodyPr anchor="t" rtlCol="false" tIns="0" lIns="0" bIns="0" rIns="0">
+          <a:bodyPr lIns="0" tIns="0" rIns="0" bIns="0" rtlCol="0" anchor="t">
             <a:spAutoFit/>
           </a:bodyPr>
           <a:lstStyle/>
@@ -10307,12 +10747,12 @@
       </p:sp>
       <p:grpSp>
         <p:nvGrpSpPr>
-          <p:cNvPr name="Group 10" id="10"/>
+          <p:cNvPr id="10" name="Group 10"/>
           <p:cNvGrpSpPr/>
           <p:nvPr/>
         </p:nvGrpSpPr>
         <p:grpSpPr>
-          <a:xfrm rot="0">
+          <a:xfrm>
             <a:off x="-507891" y="-1283364"/>
             <a:ext cx="5482615" cy="4231373"/>
             <a:chOff x="0" y="0"/>
@@ -10321,12 +10761,12 @@
         </p:grpSpPr>
         <p:sp>
           <p:nvSpPr>
-            <p:cNvPr name="Freeform 11" id="11"/>
+            <p:cNvPr id="11" name="Freeform 11"/>
             <p:cNvSpPr/>
             <p:nvPr/>
           </p:nvSpPr>
           <p:spPr>
-            <a:xfrm flipH="false" flipV="false" rot="0">
+            <a:xfrm>
               <a:off x="0" y="0"/>
               <a:ext cx="905432" cy="698795"/>
             </a:xfrm>
@@ -10335,9 +10775,9 @@
               <a:gdLst/>
               <a:ahLst/>
               <a:cxnLst/>
-              <a:rect r="r" b="b" t="t" l="l"/>
+              <a:rect l="l" t="t" r="r" b="b"/>
               <a:pathLst>
-                <a:path h="698795" w="905432">
+                <a:path w="905432" h="698795">
                   <a:moveTo>
                     <a:pt x="32478" y="0"/>
                   </a:moveTo>
@@ -10400,10 +10840,17 @@
             <a:blipFill>
               <a:blip r:embed="rId7"/>
               <a:stretch>
-                <a:fillRect l="-17658" t="0" r="-17658" b="0"/>
+                <a:fillRect l="-17658" r="-17658"/>
               </a:stretch>
             </a:blipFill>
           </p:spPr>
+          <p:txBody>
+            <a:bodyPr/>
+            <a:lstStyle/>
+            <a:p>
+              <a:endParaRPr lang="es-419"/>
+            </a:p>
+          </p:txBody>
         </p:sp>
       </p:grpSp>
     </p:spTree>
@@ -10412,19 +10859,20 @@
     <a:masterClrMapping/>
   </p:clrMapOvr>
   <p:transition spd="slow">
-    <p:push dir="l"/>
+    <p:push/>
   </p:transition>
 </p:sld>
 </file>
 
 <file path=ppt/slides/slide6.xml><?xml version="1.0" encoding="utf-8"?>
-<p:sld xmlns:p="http://schemas.openxmlformats.org/presentationml/2006/main" xmlns:a="http://schemas.openxmlformats.org/drawingml/2006/main" xmlns:r="http://schemas.openxmlformats.org/officeDocument/2006/relationships">
+<p:sld xmlns:a="http://schemas.openxmlformats.org/drawingml/2006/main" xmlns:r="http://schemas.openxmlformats.org/officeDocument/2006/relationships" xmlns:p="http://schemas.openxmlformats.org/presentationml/2006/main">
   <p:cSld>
     <p:bg>
       <p:bgPr>
         <a:solidFill>
           <a:srgbClr val="000000"/>
         </a:solidFill>
+        <a:effectLst/>
       </p:bgPr>
     </p:bg>
     <p:spTree>
@@ -10443,12 +10891,12 @@
       </p:grpSpPr>
       <p:grpSp>
         <p:nvGrpSpPr>
-          <p:cNvPr name="Group 2" id="2"/>
+          <p:cNvPr id="2" name="Group 2"/>
           <p:cNvGrpSpPr/>
           <p:nvPr/>
         </p:nvGrpSpPr>
         <p:grpSpPr>
-          <a:xfrm rot="0">
+          <a:xfrm>
             <a:off x="6860395" y="3911219"/>
             <a:ext cx="1879267" cy="1879267"/>
             <a:chOff x="0" y="0"/>
@@ -10457,12 +10905,12 @@
         </p:grpSpPr>
         <p:sp>
           <p:nvSpPr>
-            <p:cNvPr name="Freeform 3" id="3"/>
+            <p:cNvPr id="3" name="Freeform 3"/>
             <p:cNvSpPr/>
             <p:nvPr/>
           </p:nvSpPr>
           <p:spPr>
-            <a:xfrm flipH="false" flipV="false" rot="0">
+            <a:xfrm>
               <a:off x="0" y="0"/>
               <a:ext cx="812800" cy="812800"/>
             </a:xfrm>
@@ -10471,9 +10919,9 @@
               <a:gdLst/>
               <a:ahLst/>
               <a:cxnLst/>
-              <a:rect r="r" b="b" t="t" l="l"/>
+              <a:rect l="l" t="t" r="r" b="b"/>
               <a:pathLst>
-                <a:path h="812800" w="812800">
+                <a:path w="812800" h="812800">
                   <a:moveTo>
                     <a:pt x="406400" y="0"/>
                   </a:moveTo>
@@ -10505,11 +10953,18 @@
               <a:srgbClr val="000000"/>
             </a:solidFill>
           </p:spPr>
+          <p:txBody>
+            <a:bodyPr/>
+            <a:lstStyle/>
+            <a:p>
+              <a:endParaRPr lang="es-419"/>
+            </a:p>
+          </p:txBody>
         </p:sp>
         <p:sp>
           <p:nvSpPr>
-            <p:cNvPr name="TextBox 4" id="4"/>
-            <p:cNvSpPr txBox="true"/>
+            <p:cNvPr id="4" name="TextBox 4"/>
+            <p:cNvSpPr txBox="1"/>
             <p:nvPr/>
           </p:nvSpPr>
           <p:spPr>
@@ -10522,7 +10977,7 @@
             </a:prstGeom>
           </p:spPr>
           <p:txBody>
-            <a:bodyPr anchor="ctr" rtlCol="false" tIns="37508" lIns="37508" bIns="37508" rIns="37508"/>
+            <a:bodyPr lIns="37508" tIns="37508" rIns="37508" bIns="37508" rtlCol="0" anchor="ctr"/>
             <a:lstStyle/>
             <a:p>
               <a:pPr algn="ctr">
@@ -10530,18 +10985,19 @@
                   <a:spcPts val="2800"/>
                 </a:lnSpc>
               </a:pPr>
+              <a:endParaRPr/>
             </a:p>
           </p:txBody>
         </p:sp>
       </p:grpSp>
       <p:grpSp>
         <p:nvGrpSpPr>
-          <p:cNvPr name="Group 5" id="5"/>
+          <p:cNvPr id="5" name="Group 5"/>
           <p:cNvGrpSpPr/>
           <p:nvPr/>
         </p:nvGrpSpPr>
         <p:grpSpPr>
-          <a:xfrm rot="0">
+          <a:xfrm>
             <a:off x="9525405" y="3907459"/>
             <a:ext cx="1883026" cy="1883026"/>
             <a:chOff x="0" y="0"/>
@@ -10550,12 +11006,12 @@
         </p:grpSpPr>
         <p:sp>
           <p:nvSpPr>
-            <p:cNvPr name="Freeform 6" id="6"/>
+            <p:cNvPr id="6" name="Freeform 6"/>
             <p:cNvSpPr/>
             <p:nvPr/>
           </p:nvSpPr>
           <p:spPr>
-            <a:xfrm flipH="false" flipV="false" rot="0">
+            <a:xfrm>
               <a:off x="0" y="0"/>
               <a:ext cx="812800" cy="812800"/>
             </a:xfrm>
@@ -10564,9 +11020,9 @@
               <a:gdLst/>
               <a:ahLst/>
               <a:cxnLst/>
-              <a:rect r="r" b="b" t="t" l="l"/>
+              <a:rect l="l" t="t" r="r" b="b"/>
               <a:pathLst>
-                <a:path h="812800" w="812800">
+                <a:path w="812800" h="812800">
                   <a:moveTo>
                     <a:pt x="406400" y="0"/>
                   </a:moveTo>
@@ -10598,11 +11054,18 @@
               <a:srgbClr val="000000"/>
             </a:solidFill>
           </p:spPr>
+          <p:txBody>
+            <a:bodyPr/>
+            <a:lstStyle/>
+            <a:p>
+              <a:endParaRPr lang="es-419"/>
+            </a:p>
+          </p:txBody>
         </p:sp>
         <p:sp>
           <p:nvSpPr>
-            <p:cNvPr name="TextBox 7" id="7"/>
-            <p:cNvSpPr txBox="true"/>
+            <p:cNvPr id="7" name="TextBox 7"/>
+            <p:cNvSpPr txBox="1"/>
             <p:nvPr/>
           </p:nvSpPr>
           <p:spPr>
@@ -10615,7 +11078,7 @@
             </a:prstGeom>
           </p:spPr>
           <p:txBody>
-            <a:bodyPr anchor="ctr" rtlCol="false" tIns="37508" lIns="37508" bIns="37508" rIns="37508"/>
+            <a:bodyPr lIns="37508" tIns="37508" rIns="37508" bIns="37508" rtlCol="0" anchor="ctr"/>
             <a:lstStyle/>
             <a:p>
               <a:pPr algn="ctr">
@@ -10623,18 +11086,19 @@
                   <a:spcPts val="2800"/>
                 </a:lnSpc>
               </a:pPr>
+              <a:endParaRPr/>
             </a:p>
           </p:txBody>
         </p:sp>
       </p:grpSp>
       <p:grpSp>
         <p:nvGrpSpPr>
-          <p:cNvPr name="Group 8" id="8"/>
+          <p:cNvPr id="8" name="Group 8"/>
           <p:cNvGrpSpPr/>
           <p:nvPr/>
         </p:nvGrpSpPr>
         <p:grpSpPr>
-          <a:xfrm rot="0">
+          <a:xfrm>
             <a:off x="9516583" y="6472721"/>
             <a:ext cx="1897654" cy="1897654"/>
             <a:chOff x="0" y="0"/>
@@ -10643,12 +11107,12 @@
         </p:grpSpPr>
         <p:sp>
           <p:nvSpPr>
-            <p:cNvPr name="Freeform 9" id="9"/>
+            <p:cNvPr id="9" name="Freeform 9"/>
             <p:cNvSpPr/>
             <p:nvPr/>
           </p:nvSpPr>
           <p:spPr>
-            <a:xfrm flipH="false" flipV="false" rot="0">
+            <a:xfrm>
               <a:off x="0" y="0"/>
               <a:ext cx="812800" cy="812800"/>
             </a:xfrm>
@@ -10657,9 +11121,9 @@
               <a:gdLst/>
               <a:ahLst/>
               <a:cxnLst/>
-              <a:rect r="r" b="b" t="t" l="l"/>
+              <a:rect l="l" t="t" r="r" b="b"/>
               <a:pathLst>
-                <a:path h="812800" w="812800">
+                <a:path w="812800" h="812800">
                   <a:moveTo>
                     <a:pt x="406400" y="0"/>
                   </a:moveTo>
@@ -10691,11 +11155,18 @@
               <a:srgbClr val="000000"/>
             </a:solidFill>
           </p:spPr>
+          <p:txBody>
+            <a:bodyPr/>
+            <a:lstStyle/>
+            <a:p>
+              <a:endParaRPr lang="es-419"/>
+            </a:p>
+          </p:txBody>
         </p:sp>
         <p:sp>
           <p:nvSpPr>
-            <p:cNvPr name="TextBox 10" id="10"/>
-            <p:cNvSpPr txBox="true"/>
+            <p:cNvPr id="10" name="TextBox 10"/>
+            <p:cNvSpPr txBox="1"/>
             <p:nvPr/>
           </p:nvSpPr>
           <p:spPr>
@@ -10708,7 +11179,7 @@
             </a:prstGeom>
           </p:spPr>
           <p:txBody>
-            <a:bodyPr anchor="ctr" rtlCol="false" tIns="38770" lIns="38770" bIns="38770" rIns="38770"/>
+            <a:bodyPr lIns="38770" tIns="38770" rIns="38770" bIns="38770" rtlCol="0" anchor="ctr"/>
             <a:lstStyle/>
             <a:p>
               <a:pPr algn="ctr">
@@ -10716,18 +11187,19 @@
                   <a:spcPts val="2800"/>
                 </a:lnSpc>
               </a:pPr>
+              <a:endParaRPr/>
             </a:p>
           </p:txBody>
         </p:sp>
       </p:grpSp>
       <p:grpSp>
         <p:nvGrpSpPr>
-          <p:cNvPr name="Group 11" id="11"/>
+          <p:cNvPr id="11" name="Group 11"/>
           <p:cNvGrpSpPr/>
           <p:nvPr/>
         </p:nvGrpSpPr>
         <p:grpSpPr>
-          <a:xfrm rot="0">
+          <a:xfrm>
             <a:off x="6860395" y="6524271"/>
             <a:ext cx="1881654" cy="1881654"/>
             <a:chOff x="0" y="0"/>
@@ -10736,12 +11208,12 @@
         </p:grpSpPr>
         <p:sp>
           <p:nvSpPr>
-            <p:cNvPr name="Freeform 12" id="12"/>
+            <p:cNvPr id="12" name="Freeform 12"/>
             <p:cNvSpPr/>
             <p:nvPr/>
           </p:nvSpPr>
           <p:spPr>
-            <a:xfrm flipH="false" flipV="false" rot="0">
+            <a:xfrm>
               <a:off x="0" y="0"/>
               <a:ext cx="812800" cy="812800"/>
             </a:xfrm>
@@ -10750,9 +11222,9 @@
               <a:gdLst/>
               <a:ahLst/>
               <a:cxnLst/>
-              <a:rect r="r" b="b" t="t" l="l"/>
+              <a:rect l="l" t="t" r="r" b="b"/>
               <a:pathLst>
-                <a:path h="812800" w="812800">
+                <a:path w="812800" h="812800">
                   <a:moveTo>
                     <a:pt x="406400" y="0"/>
                   </a:moveTo>
@@ -10784,11 +11256,18 @@
               <a:srgbClr val="000000"/>
             </a:solidFill>
           </p:spPr>
+          <p:txBody>
+            <a:bodyPr/>
+            <a:lstStyle/>
+            <a:p>
+              <a:endParaRPr lang="es-419"/>
+            </a:p>
+          </p:txBody>
         </p:sp>
         <p:sp>
           <p:nvSpPr>
-            <p:cNvPr name="TextBox 13" id="13"/>
-            <p:cNvSpPr txBox="true"/>
+            <p:cNvPr id="13" name="TextBox 13"/>
+            <p:cNvSpPr txBox="1"/>
             <p:nvPr/>
           </p:nvSpPr>
           <p:spPr>
@@ -10801,7 +11280,7 @@
             </a:prstGeom>
           </p:spPr>
           <p:txBody>
-            <a:bodyPr anchor="ctr" rtlCol="false" tIns="37508" lIns="37508" bIns="37508" rIns="37508"/>
+            <a:bodyPr lIns="37508" tIns="37508" rIns="37508" bIns="37508" rtlCol="0" anchor="ctr"/>
             <a:lstStyle/>
             <a:p>
               <a:pPr algn="ctr">
@@ -10809,18 +11288,19 @@
                   <a:spcPts val="2800"/>
                 </a:lnSpc>
               </a:pPr>
+              <a:endParaRPr/>
             </a:p>
           </p:txBody>
         </p:sp>
       </p:grpSp>
       <p:sp>
         <p:nvSpPr>
-          <p:cNvPr name="Freeform 14" id="14"/>
+          <p:cNvPr id="14" name="Freeform 14"/>
           <p:cNvSpPr/>
           <p:nvPr/>
         </p:nvSpPr>
         <p:spPr>
-          <a:xfrm flipH="false" flipV="false" rot="0">
+          <a:xfrm>
             <a:off x="7323829" y="4195991"/>
             <a:ext cx="952399" cy="1411913"/>
           </a:xfrm>
@@ -10829,9 +11309,9 @@
             <a:gdLst/>
             <a:ahLst/>
             <a:cxnLst/>
-            <a:rect r="r" b="b" t="t" l="l"/>
+            <a:rect l="l" t="t" r="r" b="b"/>
             <a:pathLst>
-              <a:path h="1411913" w="952399">
+              <a:path w="952399" h="1411913">
                 <a:moveTo>
                   <a:pt x="0" y="0"/>
                 </a:moveTo>
@@ -10860,19 +11340,26 @@
               </a:extLst>
             </a:blip>
             <a:stretch>
-              <a:fillRect l="0" t="0" r="0" b="0"/>
+              <a:fillRect/>
             </a:stretch>
           </a:blipFill>
         </p:spPr>
-      </p:sp>
-      <p:sp>
-        <p:nvSpPr>
-          <p:cNvPr name="Freeform 15" id="15"/>
+        <p:txBody>
+          <a:bodyPr/>
+          <a:lstStyle/>
+          <a:p>
+            <a:endParaRPr lang="es-419"/>
+          </a:p>
+        </p:txBody>
+      </p:sp>
+      <p:sp>
+        <p:nvSpPr>
+          <p:cNvPr id="15" name="Freeform 15"/>
           <p:cNvSpPr/>
           <p:nvPr/>
         </p:nvSpPr>
         <p:spPr>
-          <a:xfrm flipH="false" flipV="false" rot="0">
+          <a:xfrm>
             <a:off x="10009650" y="4312945"/>
             <a:ext cx="973317" cy="1112940"/>
           </a:xfrm>
@@ -10881,9 +11368,9 @@
             <a:gdLst/>
             <a:ahLst/>
             <a:cxnLst/>
-            <a:rect r="r" b="b" t="t" l="l"/>
+            <a:rect l="l" t="t" r="r" b="b"/>
             <a:pathLst>
-              <a:path h="1112940" w="973317">
+              <a:path w="973317" h="1112940">
                 <a:moveTo>
                   <a:pt x="0" y="0"/>
                 </a:moveTo>
@@ -10912,19 +11399,26 @@
               </a:extLst>
             </a:blip>
             <a:stretch>
-              <a:fillRect l="0" t="0" r="0" b="0"/>
+              <a:fillRect/>
             </a:stretch>
           </a:blipFill>
         </p:spPr>
-      </p:sp>
-      <p:sp>
-        <p:nvSpPr>
-          <p:cNvPr name="Freeform 16" id="16"/>
+        <p:txBody>
+          <a:bodyPr/>
+          <a:lstStyle/>
+          <a:p>
+            <a:endParaRPr lang="es-419"/>
+          </a:p>
+        </p:txBody>
+      </p:sp>
+      <p:sp>
+        <p:nvSpPr>
+          <p:cNvPr id="16" name="Freeform 16"/>
           <p:cNvSpPr/>
           <p:nvPr/>
         </p:nvSpPr>
         <p:spPr>
-          <a:xfrm flipH="false" flipV="false" rot="0">
+          <a:xfrm>
             <a:off x="7275352" y="6848491"/>
             <a:ext cx="1049354" cy="1233215"/>
           </a:xfrm>
@@ -10933,9 +11427,9 @@
             <a:gdLst/>
             <a:ahLst/>
             <a:cxnLst/>
-            <a:rect r="r" b="b" t="t" l="l"/>
+            <a:rect l="l" t="t" r="r" b="b"/>
             <a:pathLst>
-              <a:path h="1233215" w="1049354">
+              <a:path w="1049354" h="1233215">
                 <a:moveTo>
                   <a:pt x="0" y="0"/>
                 </a:moveTo>
@@ -10964,19 +11458,26 @@
               </a:extLst>
             </a:blip>
             <a:stretch>
-              <a:fillRect l="0" t="0" r="0" b="0"/>
+              <a:fillRect/>
             </a:stretch>
           </a:blipFill>
         </p:spPr>
-      </p:sp>
-      <p:sp>
-        <p:nvSpPr>
-          <p:cNvPr name="Freeform 17" id="17"/>
+        <p:txBody>
+          <a:bodyPr/>
+          <a:lstStyle/>
+          <a:p>
+            <a:endParaRPr lang="es-419"/>
+          </a:p>
+        </p:txBody>
+      </p:sp>
+      <p:sp>
+        <p:nvSpPr>
+          <p:cNvPr id="17" name="Freeform 17"/>
           <p:cNvSpPr/>
           <p:nvPr/>
         </p:nvSpPr>
         <p:spPr>
-          <a:xfrm flipH="false" flipV="false" rot="-10800000">
+          <a:xfrm rot="-10800000">
             <a:off x="11522718" y="0"/>
             <a:ext cx="6765282" cy="6770925"/>
           </a:xfrm>
@@ -10985,9 +11486,9 @@
             <a:gdLst/>
             <a:ahLst/>
             <a:cxnLst/>
-            <a:rect r="r" b="b" t="t" l="l"/>
+            <a:rect l="l" t="t" r="r" b="b"/>
             <a:pathLst>
-              <a:path h="6770925" w="6765282">
+              <a:path w="6765282" h="6770925">
                 <a:moveTo>
                   <a:pt x="0" y="0"/>
                 </a:moveTo>
@@ -11016,19 +11517,26 @@
               </a:extLst>
             </a:blip>
             <a:stretch>
-              <a:fillRect l="0" t="0" r="0" b="0"/>
+              <a:fillRect/>
             </a:stretch>
           </a:blipFill>
         </p:spPr>
-      </p:sp>
-      <p:sp>
-        <p:nvSpPr>
-          <p:cNvPr name="TextBox 18" id="18"/>
-          <p:cNvSpPr txBox="true"/>
-          <p:nvPr/>
-        </p:nvSpPr>
-        <p:spPr>
-          <a:xfrm rot="0">
+        <p:txBody>
+          <a:bodyPr/>
+          <a:lstStyle/>
+          <a:p>
+            <a:endParaRPr lang="es-419"/>
+          </a:p>
+        </p:txBody>
+      </p:sp>
+      <p:sp>
+        <p:nvSpPr>
+          <p:cNvPr id="18" name="TextBox 18"/>
+          <p:cNvSpPr txBox="1"/>
+          <p:nvPr/>
+        </p:nvSpPr>
+        <p:spPr>
+          <a:xfrm>
             <a:off x="2232289" y="1512389"/>
             <a:ext cx="13049141" cy="1191865"/>
           </a:xfrm>
@@ -11037,7 +11545,7 @@
           </a:prstGeom>
         </p:spPr>
         <p:txBody>
-          <a:bodyPr anchor="t" rtlCol="false" tIns="0" lIns="0" bIns="0" rIns="0">
+          <a:bodyPr lIns="0" tIns="0" rIns="0" bIns="0" rtlCol="0" anchor="t">
             <a:spAutoFit/>
           </a:bodyPr>
           <a:lstStyle/>
@@ -11048,7 +11556,7 @@
               </a:lnSpc>
             </a:pPr>
             <a:r>
-              <a:rPr lang="en-US" b="true" sz="8817" spc="3050">
+              <a:rPr lang="en-US" sz="8817" b="1" spc="3050">
                 <a:solidFill>
                   <a:srgbClr val="FFFFFF"/>
                 </a:solidFill>
@@ -11064,7 +11572,7 @@
       </p:sp>
       <p:sp>
         <p:nvSpPr>
-          <p:cNvPr name="AutoShape 19" id="19"/>
+          <p:cNvPr id="19" name="AutoShape 19"/>
           <p:cNvSpPr/>
           <p:nvPr/>
         </p:nvSpPr>
@@ -11076,24 +11584,31 @@
           <a:prstGeom prst="line">
             <a:avLst/>
           </a:prstGeom>
-          <a:ln cap="flat" w="19050">
+          <a:ln w="19050" cap="flat">
             <a:solidFill>
               <a:srgbClr val="00BB13"/>
             </a:solidFill>
             <a:prstDash val="solid"/>
-            <a:headEnd type="none" len="sm" w="sm"/>
-            <a:tailEnd type="none" len="sm" w="sm"/>
+            <a:headEnd type="none" w="sm" len="sm"/>
+            <a:tailEnd type="none" w="sm" len="sm"/>
           </a:ln>
         </p:spPr>
+        <p:txBody>
+          <a:bodyPr/>
+          <a:lstStyle/>
+          <a:p>
+            <a:endParaRPr lang="es-419"/>
+          </a:p>
+        </p:txBody>
       </p:sp>
       <p:grpSp>
         <p:nvGrpSpPr>
-          <p:cNvPr name="Group 20" id="20"/>
+          <p:cNvPr id="20" name="Group 20"/>
           <p:cNvGrpSpPr/>
           <p:nvPr/>
         </p:nvGrpSpPr>
         <p:grpSpPr>
-          <a:xfrm rot="0">
+          <a:xfrm>
             <a:off x="-507891" y="-1283364"/>
             <a:ext cx="5480359" cy="4229632"/>
             <a:chOff x="0" y="0"/>
@@ -11102,12 +11617,12 @@
         </p:grpSpPr>
         <p:sp>
           <p:nvSpPr>
-            <p:cNvPr name="Freeform 21" id="21"/>
+            <p:cNvPr id="21" name="Freeform 21"/>
             <p:cNvSpPr/>
             <p:nvPr/>
           </p:nvSpPr>
           <p:spPr>
-            <a:xfrm flipH="false" flipV="false" rot="0">
+            <a:xfrm>
               <a:off x="0" y="0"/>
               <a:ext cx="905432" cy="698795"/>
             </a:xfrm>
@@ -11116,9 +11631,9 @@
               <a:gdLst/>
               <a:ahLst/>
               <a:cxnLst/>
-              <a:rect r="r" b="b" t="t" l="l"/>
+              <a:rect l="l" t="t" r="r" b="b"/>
               <a:pathLst>
-                <a:path h="698795" w="905432">
+                <a:path w="905432" h="698795">
                   <a:moveTo>
                     <a:pt x="32491" y="0"/>
                   </a:moveTo>
@@ -11171,20 +11686,27 @@
             <a:blipFill>
               <a:blip r:embed="rId10"/>
               <a:stretch>
-                <a:fillRect l="-17658" t="0" r="-17658" b="0"/>
+                <a:fillRect l="-17658" r="-17658"/>
               </a:stretch>
             </a:blipFill>
           </p:spPr>
+          <p:txBody>
+            <a:bodyPr/>
+            <a:lstStyle/>
+            <a:p>
+              <a:endParaRPr lang="es-419"/>
+            </a:p>
+          </p:txBody>
         </p:sp>
       </p:grpSp>
       <p:sp>
         <p:nvSpPr>
-          <p:cNvPr name="Freeform 22" id="22"/>
+          <p:cNvPr id="22" name="Freeform 22"/>
           <p:cNvSpPr/>
           <p:nvPr/>
         </p:nvSpPr>
         <p:spPr>
-          <a:xfrm flipH="false" flipV="false" rot="0">
+          <a:xfrm>
             <a:off x="9822496" y="6884863"/>
             <a:ext cx="1160471" cy="1160471"/>
           </a:xfrm>
@@ -11193,9 +11715,9 @@
             <a:gdLst/>
             <a:ahLst/>
             <a:cxnLst/>
-            <a:rect r="r" b="b" t="t" l="l"/>
+            <a:rect l="l" t="t" r="r" b="b"/>
             <a:pathLst>
-              <a:path h="1160471" w="1160471">
+              <a:path w="1160471" h="1160471">
                 <a:moveTo>
                   <a:pt x="0" y="0"/>
                 </a:moveTo>
@@ -11224,19 +11746,26 @@
               </a:extLst>
             </a:blip>
             <a:stretch>
-              <a:fillRect l="0" t="0" r="0" b="0"/>
+              <a:fillRect/>
             </a:stretch>
           </a:blipFill>
         </p:spPr>
-      </p:sp>
-      <p:sp>
-        <p:nvSpPr>
-          <p:cNvPr name="TextBox 23" id="23"/>
-          <p:cNvSpPr txBox="true"/>
-          <p:nvPr/>
-        </p:nvSpPr>
-        <p:spPr>
-          <a:xfrm rot="0">
+        <p:txBody>
+          <a:bodyPr/>
+          <a:lstStyle/>
+          <a:p>
+            <a:endParaRPr lang="es-419"/>
+          </a:p>
+        </p:txBody>
+      </p:sp>
+      <p:sp>
+        <p:nvSpPr>
+          <p:cNvPr id="23" name="TextBox 23"/>
+          <p:cNvSpPr txBox="1"/>
+          <p:nvPr/>
+        </p:nvSpPr>
+        <p:spPr>
+          <a:xfrm>
             <a:off x="2594183" y="3513879"/>
             <a:ext cx="3071543" cy="348951"/>
           </a:xfrm>
@@ -11245,7 +11774,7 @@
           </a:prstGeom>
         </p:spPr>
         <p:txBody>
-          <a:bodyPr anchor="t" rtlCol="false" tIns="0" lIns="0" bIns="0" rIns="0">
+          <a:bodyPr lIns="0" tIns="0" rIns="0" bIns="0" rtlCol="0" anchor="t">
             <a:spAutoFit/>
           </a:bodyPr>
           <a:lstStyle/>
@@ -11259,7 +11788,7 @@
               </a:spcBef>
             </a:pPr>
             <a:r>
-              <a:rPr lang="en-US" b="true" sz="2011" spc="-46">
+              <a:rPr lang="en-US" sz="2011" b="1" spc="-46">
                 <a:solidFill>
                   <a:srgbClr val="FFFFFF"/>
                 </a:solidFill>
@@ -11275,12 +11804,12 @@
       </p:sp>
       <p:sp>
         <p:nvSpPr>
-          <p:cNvPr name="TextBox 24" id="24"/>
-          <p:cNvSpPr txBox="true"/>
-          <p:nvPr/>
-        </p:nvSpPr>
-        <p:spPr>
-          <a:xfrm rot="0">
+          <p:cNvPr id="24" name="TextBox 24"/>
+          <p:cNvSpPr txBox="1"/>
+          <p:nvPr/>
+        </p:nvSpPr>
+        <p:spPr>
+          <a:xfrm>
             <a:off x="12939939" y="3513879"/>
             <a:ext cx="3418129" cy="348951"/>
           </a:xfrm>
@@ -11289,7 +11818,7 @@
           </a:prstGeom>
         </p:spPr>
         <p:txBody>
-          <a:bodyPr anchor="t" rtlCol="false" tIns="0" lIns="0" bIns="0" rIns="0">
+          <a:bodyPr lIns="0" tIns="0" rIns="0" bIns="0" rtlCol="0" anchor="t">
             <a:spAutoFit/>
           </a:bodyPr>
           <a:lstStyle/>
@@ -11303,7 +11832,7 @@
               </a:spcBef>
             </a:pPr>
             <a:r>
-              <a:rPr lang="en-US" b="true" sz="2011" spc="-46">
+              <a:rPr lang="en-US" sz="2011" b="1" spc="-46">
                 <a:solidFill>
                   <a:srgbClr val="FFFFFF"/>
                 </a:solidFill>
@@ -11319,12 +11848,12 @@
       </p:sp>
       <p:sp>
         <p:nvSpPr>
-          <p:cNvPr name="TextBox 25" id="25"/>
-          <p:cNvSpPr txBox="true"/>
-          <p:nvPr/>
-        </p:nvSpPr>
-        <p:spPr>
-          <a:xfrm rot="0">
+          <p:cNvPr id="25" name="TextBox 25"/>
+          <p:cNvSpPr txBox="1"/>
+          <p:nvPr/>
+        </p:nvSpPr>
+        <p:spPr>
+          <a:xfrm>
             <a:off x="12998949" y="6421974"/>
             <a:ext cx="3359119" cy="348951"/>
           </a:xfrm>
@@ -11333,7 +11862,7 @@
           </a:prstGeom>
         </p:spPr>
         <p:txBody>
-          <a:bodyPr anchor="t" rtlCol="false" tIns="0" lIns="0" bIns="0" rIns="0">
+          <a:bodyPr lIns="0" tIns="0" rIns="0" bIns="0" rtlCol="0" anchor="t">
             <a:spAutoFit/>
           </a:bodyPr>
           <a:lstStyle/>
@@ -11347,7 +11876,7 @@
               </a:spcBef>
             </a:pPr>
             <a:r>
-              <a:rPr lang="en-US" b="true" sz="2011" spc="-46">
+              <a:rPr lang="en-US" sz="2011" b="1" spc="-46">
                 <a:solidFill>
                   <a:srgbClr val="FFFFFF"/>
                 </a:solidFill>
@@ -11363,12 +11892,12 @@
       </p:sp>
       <p:sp>
         <p:nvSpPr>
-          <p:cNvPr name="TextBox 26" id="26"/>
-          <p:cNvSpPr txBox="true"/>
-          <p:nvPr/>
-        </p:nvSpPr>
-        <p:spPr>
-          <a:xfrm rot="0">
+          <p:cNvPr id="26" name="TextBox 26"/>
+          <p:cNvSpPr txBox="1"/>
+          <p:nvPr/>
+        </p:nvSpPr>
+        <p:spPr>
+          <a:xfrm>
             <a:off x="2594183" y="6421974"/>
             <a:ext cx="3071543" cy="348951"/>
           </a:xfrm>
@@ -11377,7 +11906,7 @@
           </a:prstGeom>
         </p:spPr>
         <p:txBody>
-          <a:bodyPr anchor="t" rtlCol="false" tIns="0" lIns="0" bIns="0" rIns="0">
+          <a:bodyPr lIns="0" tIns="0" rIns="0" bIns="0" rtlCol="0" anchor="t">
             <a:spAutoFit/>
           </a:bodyPr>
           <a:lstStyle/>
@@ -11391,7 +11920,7 @@
               </a:spcBef>
             </a:pPr>
             <a:r>
-              <a:rPr lang="en-US" b="true" sz="2011" spc="-46">
+              <a:rPr lang="en-US" sz="2011" b="1" spc="-46">
                 <a:solidFill>
                   <a:srgbClr val="FFFFFF"/>
                 </a:solidFill>
@@ -11407,12 +11936,12 @@
       </p:sp>
       <p:sp>
         <p:nvSpPr>
-          <p:cNvPr name="TextBox 27" id="27"/>
-          <p:cNvSpPr txBox="true"/>
-          <p:nvPr/>
-        </p:nvSpPr>
-        <p:spPr>
-          <a:xfrm rot="0">
+          <p:cNvPr id="27" name="TextBox 27"/>
+          <p:cNvSpPr txBox="1"/>
+          <p:nvPr/>
+        </p:nvSpPr>
+        <p:spPr>
+          <a:xfrm>
             <a:off x="2594183" y="4005731"/>
             <a:ext cx="2689114" cy="1373000"/>
           </a:xfrm>
@@ -11421,7 +11950,7 @@
           </a:prstGeom>
         </p:spPr>
         <p:txBody>
-          <a:bodyPr anchor="t" rtlCol="false" tIns="0" lIns="0" bIns="0" rIns="0">
+          <a:bodyPr lIns="0" tIns="0" rIns="0" bIns="0" rtlCol="0" anchor="t">
             <a:spAutoFit/>
           </a:bodyPr>
           <a:lstStyle/>
@@ -11448,12 +11977,12 @@
       </p:sp>
       <p:sp>
         <p:nvSpPr>
-          <p:cNvPr name="TextBox 28" id="28"/>
-          <p:cNvSpPr txBox="true"/>
-          <p:nvPr/>
-        </p:nvSpPr>
-        <p:spPr>
-          <a:xfrm rot="0">
+          <p:cNvPr id="28" name="TextBox 28"/>
+          <p:cNvSpPr txBox="1"/>
+          <p:nvPr/>
+        </p:nvSpPr>
+        <p:spPr>
+          <a:xfrm>
             <a:off x="2594183" y="7067664"/>
             <a:ext cx="2933584" cy="1071915"/>
           </a:xfrm>
@@ -11462,7 +11991,7 @@
           </a:prstGeom>
         </p:spPr>
         <p:txBody>
-          <a:bodyPr anchor="t" rtlCol="false" tIns="0" lIns="0" bIns="0" rIns="0">
+          <a:bodyPr lIns="0" tIns="0" rIns="0" bIns="0" rtlCol="0" anchor="t">
             <a:spAutoFit/>
           </a:bodyPr>
           <a:lstStyle/>
@@ -11489,12 +12018,12 @@
       </p:sp>
       <p:sp>
         <p:nvSpPr>
-          <p:cNvPr name="TextBox 29" id="29"/>
-          <p:cNvSpPr txBox="true"/>
-          <p:nvPr/>
-        </p:nvSpPr>
-        <p:spPr>
-          <a:xfrm rot="0">
+          <p:cNvPr id="29" name="TextBox 29"/>
+          <p:cNvSpPr txBox="1"/>
+          <p:nvPr/>
+        </p:nvSpPr>
+        <p:spPr>
+          <a:xfrm>
             <a:off x="12939939" y="4005731"/>
             <a:ext cx="2699178" cy="1611935"/>
           </a:xfrm>
@@ -11503,7 +12032,7 @@
           </a:prstGeom>
         </p:spPr>
         <p:txBody>
-          <a:bodyPr anchor="t" rtlCol="false" tIns="0" lIns="0" bIns="0" rIns="0">
+          <a:bodyPr lIns="0" tIns="0" rIns="0" bIns="0" rtlCol="0" anchor="t">
             <a:spAutoFit/>
           </a:bodyPr>
           <a:lstStyle/>
@@ -11530,12 +12059,12 @@
       </p:sp>
       <p:sp>
         <p:nvSpPr>
-          <p:cNvPr name="TextBox 30" id="30"/>
-          <p:cNvSpPr txBox="true"/>
-          <p:nvPr/>
-        </p:nvSpPr>
-        <p:spPr>
-          <a:xfrm rot="0">
+          <p:cNvPr id="30" name="TextBox 30"/>
+          <p:cNvSpPr txBox="1"/>
+          <p:nvPr/>
+        </p:nvSpPr>
+        <p:spPr>
+          <a:xfrm>
             <a:off x="12998949" y="7067664"/>
             <a:ext cx="2787064" cy="1341925"/>
           </a:xfrm>
@@ -11544,7 +12073,7 @@
           </a:prstGeom>
         </p:spPr>
         <p:txBody>
-          <a:bodyPr anchor="t" rtlCol="false" tIns="0" lIns="0" bIns="0" rIns="0">
+          <a:bodyPr lIns="0" tIns="0" rIns="0" bIns="0" rtlCol="0" anchor="t">
             <a:spAutoFit/>
           </a:bodyPr>
           <a:lstStyle/>
@@ -11575,19 +12104,20 @@
     <a:masterClrMapping/>
   </p:clrMapOvr>
   <p:transition spd="slow">
-    <p:push dir="l"/>
+    <p:push/>
   </p:transition>
 </p:sld>
 </file>
 
 <file path=ppt/slides/slide7.xml><?xml version="1.0" encoding="utf-8"?>
-<p:sld xmlns:p="http://schemas.openxmlformats.org/presentationml/2006/main" xmlns:a="http://schemas.openxmlformats.org/drawingml/2006/main" xmlns:r="http://schemas.openxmlformats.org/officeDocument/2006/relationships">
+<p:sld xmlns:a="http://schemas.openxmlformats.org/drawingml/2006/main" xmlns:r="http://schemas.openxmlformats.org/officeDocument/2006/relationships" xmlns:p="http://schemas.openxmlformats.org/presentationml/2006/main">
   <p:cSld>
     <p:bg>
       <p:bgPr>
         <a:solidFill>
           <a:srgbClr val="000000"/>
         </a:solidFill>
+        <a:effectLst/>
       </p:bgPr>
     </p:bg>
     <p:spTree>
@@ -11606,7 +12136,7 @@
       </p:grpSpPr>
       <p:sp>
         <p:nvSpPr>
-          <p:cNvPr name="AutoShape 2" id="2"/>
+          <p:cNvPr id="2" name="AutoShape 2"/>
           <p:cNvSpPr/>
           <p:nvPr/>
         </p:nvSpPr>
@@ -11618,24 +12148,31 @@
           <a:prstGeom prst="line">
             <a:avLst/>
           </a:prstGeom>
-          <a:ln cap="flat" w="19050">
+          <a:ln w="19050" cap="flat">
             <a:solidFill>
               <a:srgbClr val="00BB13"/>
             </a:solidFill>
             <a:prstDash val="solid"/>
-            <a:headEnd type="none" len="sm" w="sm"/>
-            <a:tailEnd type="none" len="sm" w="sm"/>
+            <a:headEnd type="none" w="sm" len="sm"/>
+            <a:tailEnd type="none" w="sm" len="sm"/>
           </a:ln>
         </p:spPr>
+        <p:txBody>
+          <a:bodyPr/>
+          <a:lstStyle/>
+          <a:p>
+            <a:endParaRPr lang="es-419"/>
+          </a:p>
+        </p:txBody>
       </p:sp>
       <p:grpSp>
         <p:nvGrpSpPr>
-          <p:cNvPr name="Group 3" id="3"/>
+          <p:cNvPr id="3" name="Group 3"/>
           <p:cNvGrpSpPr/>
           <p:nvPr/>
         </p:nvGrpSpPr>
         <p:grpSpPr>
-          <a:xfrm rot="0">
+          <a:xfrm>
             <a:off x="8249950" y="1028700"/>
             <a:ext cx="9009350" cy="3627800"/>
             <a:chOff x="0" y="0"/>
@@ -11644,12 +12181,12 @@
         </p:grpSpPr>
         <p:sp>
           <p:nvSpPr>
-            <p:cNvPr name="Freeform 4" id="4"/>
+            <p:cNvPr id="4" name="Freeform 4"/>
             <p:cNvSpPr/>
             <p:nvPr/>
           </p:nvSpPr>
           <p:spPr>
-            <a:xfrm flipH="false" flipV="false" rot="0">
+            <a:xfrm>
               <a:off x="0" y="0"/>
               <a:ext cx="1395784" cy="562041"/>
             </a:xfrm>
@@ -11658,9 +12195,9 @@
               <a:gdLst/>
               <a:ahLst/>
               <a:cxnLst/>
-              <a:rect r="r" b="b" t="t" l="l"/>
+              <a:rect l="l" t="t" r="r" b="b"/>
               <a:pathLst>
-                <a:path h="562041" w="1395784">
+                <a:path w="1395784" h="562041">
                   <a:moveTo>
                     <a:pt x="19764" y="0"/>
                   </a:moveTo>
@@ -11723,20 +12260,27 @@
             <a:blipFill>
               <a:blip r:embed="rId2"/>
               <a:stretch>
-                <a:fillRect l="-2065" t="-38771" r="0" b="-33589"/>
+                <a:fillRect l="-2065" t="-38771" b="-33589"/>
               </a:stretch>
             </a:blipFill>
           </p:spPr>
+          <p:txBody>
+            <a:bodyPr/>
+            <a:lstStyle/>
+            <a:p>
+              <a:endParaRPr lang="es-419"/>
+            </a:p>
+          </p:txBody>
         </p:sp>
       </p:grpSp>
       <p:sp>
         <p:nvSpPr>
-          <p:cNvPr name="Freeform 5" id="5"/>
+          <p:cNvPr id="5" name="Freeform 5"/>
           <p:cNvSpPr/>
           <p:nvPr/>
         </p:nvSpPr>
         <p:spPr>
-          <a:xfrm flipH="false" flipV="false" rot="0">
+          <a:xfrm>
             <a:off x="-2612704" y="3487610"/>
             <a:ext cx="5782737" cy="5770690"/>
           </a:xfrm>
@@ -11745,9 +12289,9 @@
             <a:gdLst/>
             <a:ahLst/>
             <a:cxnLst/>
-            <a:rect r="r" b="b" t="t" l="l"/>
+            <a:rect l="l" t="t" r="r" b="b"/>
             <a:pathLst>
-              <a:path h="5770690" w="5782737">
+              <a:path w="5782737" h="5770690">
                 <a:moveTo>
                   <a:pt x="0" y="0"/>
                 </a:moveTo>
@@ -11776,19 +12320,26 @@
               </a:extLst>
             </a:blip>
             <a:stretch>
-              <a:fillRect l="0" t="0" r="0" b="0"/>
+              <a:fillRect/>
             </a:stretch>
           </a:blipFill>
         </p:spPr>
-      </p:sp>
-      <p:sp>
-        <p:nvSpPr>
-          <p:cNvPr name="Freeform 6" id="6"/>
+        <p:txBody>
+          <a:bodyPr/>
+          <a:lstStyle/>
+          <a:p>
+            <a:endParaRPr lang="es-419"/>
+          </a:p>
+        </p:txBody>
+      </p:sp>
+      <p:sp>
+        <p:nvSpPr>
+          <p:cNvPr id="6" name="Freeform 6"/>
           <p:cNvSpPr/>
           <p:nvPr/>
         </p:nvSpPr>
         <p:spPr>
-          <a:xfrm flipH="false" flipV="false" rot="0">
+          <a:xfrm>
             <a:off x="4619052" y="2348144"/>
             <a:ext cx="826601" cy="828107"/>
           </a:xfrm>
@@ -11797,9 +12348,9 @@
             <a:gdLst/>
             <a:ahLst/>
             <a:cxnLst/>
-            <a:rect r="r" b="b" t="t" l="l"/>
+            <a:rect l="l" t="t" r="r" b="b"/>
             <a:pathLst>
-              <a:path h="828107" w="826601">
+              <a:path w="826601" h="828107">
                 <a:moveTo>
                   <a:pt x="0" y="0"/>
                 </a:moveTo>
@@ -11828,19 +12379,26 @@
               </a:extLst>
             </a:blip>
             <a:stretch>
-              <a:fillRect l="0" t="0" r="0" b="0"/>
+              <a:fillRect/>
             </a:stretch>
           </a:blipFill>
         </p:spPr>
-      </p:sp>
-      <p:sp>
-        <p:nvSpPr>
-          <p:cNvPr name="TextBox 7" id="7"/>
-          <p:cNvSpPr txBox="true"/>
-          <p:nvPr/>
-        </p:nvSpPr>
-        <p:spPr>
-          <a:xfrm rot="0">
+        <p:txBody>
+          <a:bodyPr/>
+          <a:lstStyle/>
+          <a:p>
+            <a:endParaRPr lang="es-419"/>
+          </a:p>
+        </p:txBody>
+      </p:sp>
+      <p:sp>
+        <p:nvSpPr>
+          <p:cNvPr id="7" name="TextBox 7"/>
+          <p:cNvSpPr txBox="1"/>
+          <p:nvPr/>
+        </p:nvSpPr>
+        <p:spPr>
+          <a:xfrm>
             <a:off x="1835506" y="1855091"/>
             <a:ext cx="6043800" cy="2052337"/>
           </a:xfrm>
@@ -11849,7 +12407,7 @@
           </a:prstGeom>
         </p:spPr>
         <p:txBody>
-          <a:bodyPr anchor="t" rtlCol="false" tIns="0" lIns="0" bIns="0" rIns="0">
+          <a:bodyPr lIns="0" tIns="0" rIns="0" bIns="0" rtlCol="0" anchor="t">
             <a:spAutoFit/>
           </a:bodyPr>
           <a:lstStyle/>
@@ -11876,12 +12434,12 @@
       </p:sp>
       <p:sp>
         <p:nvSpPr>
-          <p:cNvPr name="TextBox 8" id="8"/>
-          <p:cNvSpPr txBox="true"/>
-          <p:nvPr/>
-        </p:nvSpPr>
-        <p:spPr>
-          <a:xfrm rot="0">
+          <p:cNvPr id="8" name="TextBox 8"/>
+          <p:cNvSpPr txBox="1"/>
+          <p:nvPr/>
+        </p:nvSpPr>
+        <p:spPr>
+          <a:xfrm>
             <a:off x="8249950" y="5361350"/>
             <a:ext cx="9658497" cy="398780"/>
           </a:xfrm>
@@ -11890,12 +12448,12 @@
           </a:prstGeom>
         </p:spPr>
         <p:txBody>
-          <a:bodyPr anchor="t" rtlCol="false" tIns="0" lIns="0" bIns="0" rIns="0">
+          <a:bodyPr lIns="0" tIns="0" rIns="0" bIns="0" rtlCol="0" anchor="t">
             <a:spAutoFit/>
           </a:bodyPr>
           <a:lstStyle/>
           <a:p>
-            <a:pPr algn="just" marL="0" indent="0" lvl="0">
+            <a:pPr marL="0" lvl="0" indent="0" algn="just">
               <a:lnSpc>
                 <a:spcPts val="3219"/>
               </a:lnSpc>
@@ -11916,7 +12474,7 @@
               <a:t>El</a:t>
             </a:r>
             <a:r>
-              <a:rPr lang="en-US" sz="2299" strike="noStrike" u="none">
+              <a:rPr lang="en-US" sz="2299" u="none" strike="noStrike">
                 <a:solidFill>
                   <a:srgbClr val="FFFFFF"/>
                 </a:solidFill>
@@ -11925,79 +12483,19 @@
                 <a:cs typeface="Public Sans"/>
                 <a:sym typeface="Public Sans"/>
               </a:rPr>
-              <a:t> pro</a:t>
-            </a:r>
-            <a:r>
-              <a:rPr lang="en-US" sz="2299" strike="noStrike" u="none">
-                <a:solidFill>
-                  <a:srgbClr val="FFFFFF"/>
-                </a:solidFill>
-                <a:latin typeface="Public Sans"/>
-                <a:ea typeface="Public Sans"/>
-                <a:cs typeface="Public Sans"/>
-                <a:sym typeface="Public Sans"/>
-              </a:rPr>
-              <a:t>y</a:t>
-            </a:r>
-            <a:r>
-              <a:rPr lang="en-US" sz="2299" strike="noStrike" u="none">
-                <a:solidFill>
-                  <a:srgbClr val="FFFFFF"/>
-                </a:solidFill>
-                <a:latin typeface="Public Sans"/>
-                <a:ea typeface="Public Sans"/>
-                <a:cs typeface="Public Sans"/>
-                <a:sym typeface="Public Sans"/>
-              </a:rPr>
-              <a:t>ecto</a:t>
-            </a:r>
-            <a:r>
-              <a:rPr lang="en-US" sz="2299" strike="noStrike" u="none">
-                <a:solidFill>
-                  <a:srgbClr val="FFFFFF"/>
-                </a:solidFill>
-                <a:latin typeface="Public Sans"/>
-                <a:ea typeface="Public Sans"/>
-                <a:cs typeface="Public Sans"/>
-                <a:sym typeface="Public Sans"/>
-              </a:rPr>
-              <a:t> aba</a:t>
-            </a:r>
-            <a:r>
-              <a:rPr lang="en-US" sz="2299" strike="noStrike" u="none">
-                <a:solidFill>
-                  <a:srgbClr val="FFFFFF"/>
-                </a:solidFill>
-                <a:latin typeface="Public Sans"/>
-                <a:ea typeface="Public Sans"/>
-                <a:cs typeface="Public Sans"/>
-                <a:sym typeface="Public Sans"/>
-              </a:rPr>
-              <a:t>r</a:t>
-            </a:r>
-            <a:r>
-              <a:rPr lang="en-US" sz="2299" strike="noStrike" u="none">
-                <a:solidFill>
-                  <a:srgbClr val="FFFFFF"/>
-                </a:solidFill>
-                <a:latin typeface="Public Sans"/>
-                <a:ea typeface="Public Sans"/>
-                <a:cs typeface="Public Sans"/>
-                <a:sym typeface="Public Sans"/>
-              </a:rPr>
-              <a:t>ca:</a:t>
-            </a:r>
-          </a:p>
-        </p:txBody>
-      </p:sp>
-      <p:sp>
-        <p:nvSpPr>
-          <p:cNvPr name="TextBox 9" id="9"/>
-          <p:cNvSpPr txBox="true"/>
-          <p:nvPr/>
-        </p:nvSpPr>
-        <p:spPr>
-          <a:xfrm rot="0">
+              <a:t> proyecto abarca:</a:t>
+            </a:r>
+          </a:p>
+        </p:txBody>
+      </p:sp>
+      <p:sp>
+        <p:nvSpPr>
+          <p:cNvPr id="9" name="TextBox 9"/>
+          <p:cNvSpPr txBox="1"/>
+          <p:nvPr/>
+        </p:nvSpPr>
+        <p:spPr>
+          <a:xfrm>
             <a:off x="8249950" y="8365989"/>
             <a:ext cx="5506399" cy="398780"/>
           </a:xfrm>
@@ -12006,12 +12504,12 @@
           </a:prstGeom>
         </p:spPr>
         <p:txBody>
-          <a:bodyPr anchor="t" rtlCol="false" tIns="0" lIns="0" bIns="0" rIns="0">
+          <a:bodyPr lIns="0" tIns="0" rIns="0" bIns="0" rtlCol="0" anchor="t">
             <a:spAutoFit/>
           </a:bodyPr>
           <a:lstStyle/>
           <a:p>
-            <a:pPr algn="just" marL="0" indent="0" lvl="0">
+            <a:pPr marL="0" lvl="0" indent="0" algn="just">
               <a:lnSpc>
                 <a:spcPts val="3219"/>
               </a:lnSpc>
@@ -12036,12 +12534,12 @@
       </p:sp>
       <p:sp>
         <p:nvSpPr>
-          <p:cNvPr name="TextBox 10" id="10"/>
-          <p:cNvSpPr txBox="true"/>
-          <p:nvPr/>
-        </p:nvSpPr>
-        <p:spPr>
-          <a:xfrm rot="0">
+          <p:cNvPr id="10" name="TextBox 10"/>
+          <p:cNvSpPr txBox="1"/>
+          <p:nvPr/>
+        </p:nvSpPr>
+        <p:spPr>
+          <a:xfrm>
             <a:off x="8249950" y="5940153"/>
             <a:ext cx="9008839" cy="2399030"/>
           </a:xfrm>
@@ -12050,12 +12548,12 @@
           </a:prstGeom>
         </p:spPr>
         <p:txBody>
-          <a:bodyPr anchor="t" rtlCol="false" tIns="0" lIns="0" bIns="0" rIns="0">
+          <a:bodyPr lIns="0" tIns="0" rIns="0" bIns="0" rtlCol="0" anchor="t">
             <a:spAutoFit/>
           </a:bodyPr>
           <a:lstStyle/>
           <a:p>
-            <a:pPr algn="just" marL="496569" indent="-248284" lvl="1">
+            <a:pPr marL="496569" lvl="1" indent="-248284" algn="just">
               <a:lnSpc>
                 <a:spcPts val="3219"/>
               </a:lnSpc>
@@ -12075,7 +12573,7 @@
               <a:t>Tab</a:t>
             </a:r>
             <a:r>
-              <a:rPr lang="en-US" sz="2299" strike="noStrike" u="none">
+              <a:rPr lang="en-US" sz="2299" u="none" strike="noStrike">
                 <a:solidFill>
                   <a:srgbClr val="FFFFFF"/>
                 </a:solidFill>
@@ -12088,7 +12586,7 @@
             </a:r>
           </a:p>
           <a:p>
-            <a:pPr algn="just" marL="496569" indent="-248284" lvl="1">
+            <a:pPr marL="496569" lvl="1" indent="-248284" algn="just">
               <a:lnSpc>
                 <a:spcPts val="3219"/>
               </a:lnSpc>
@@ -12096,7 +12594,7 @@
               <a:buChar char="•"/>
             </a:pPr>
             <a:r>
-              <a:rPr lang="en-US" sz="2299" strike="noStrike" u="none">
+              <a:rPr lang="en-US" sz="2299" u="none" strike="noStrike">
                 <a:solidFill>
                   <a:srgbClr val="FFFFFF"/>
                 </a:solidFill>
@@ -12105,23 +12603,11 @@
                 <a:cs typeface="Public Sans"/>
                 <a:sym typeface="Public Sans"/>
               </a:rPr>
-              <a:t>Roles y permisos</a:t>
-            </a:r>
-            <a:r>
-              <a:rPr lang="en-US" sz="2299" strike="noStrike" u="none">
-                <a:solidFill>
-                  <a:srgbClr val="FFFFFF"/>
-                </a:solidFill>
-                <a:latin typeface="Public Sans"/>
-                <a:ea typeface="Public Sans"/>
-                <a:cs typeface="Public Sans"/>
-                <a:sym typeface="Public Sans"/>
-              </a:rPr>
-              <a:t> de usuario diferenciados.</a:t>
-            </a:r>
-          </a:p>
-          <a:p>
-            <a:pPr algn="just" marL="496569" indent="-248284" lvl="1">
+              <a:t>Roles y permisos de usuario diferenciados.</a:t>
+            </a:r>
+          </a:p>
+          <a:p>
+            <a:pPr marL="496569" lvl="1" indent="-248284" algn="just">
               <a:lnSpc>
                 <a:spcPts val="3219"/>
               </a:lnSpc>
@@ -12129,7 +12615,7 @@
               <a:buChar char="•"/>
             </a:pPr>
             <a:r>
-              <a:rPr lang="en-US" sz="2299" strike="noStrike" u="none">
+              <a:rPr lang="en-US" sz="2299" u="none" strike="noStrike">
                 <a:solidFill>
                   <a:srgbClr val="FFFFFF"/>
                 </a:solidFill>
@@ -12142,7 +12628,7 @@
             </a:r>
           </a:p>
           <a:p>
-            <a:pPr algn="just" marL="496569" indent="-248284" lvl="1">
+            <a:pPr marL="496569" lvl="1" indent="-248284" algn="just">
               <a:lnSpc>
                 <a:spcPts val="3219"/>
               </a:lnSpc>
@@ -12150,7 +12636,7 @@
               <a:buChar char="•"/>
             </a:pPr>
             <a:r>
-              <a:rPr lang="en-US" sz="2299" strike="noStrike" u="none">
+              <a:rPr lang="en-US" sz="2299" u="none" strike="noStrike">
                 <a:solidFill>
                   <a:srgbClr val="FFFFFF"/>
                 </a:solidFill>
@@ -12163,7 +12649,7 @@
             </a:r>
           </a:p>
           <a:p>
-            <a:pPr algn="just" marL="496569" indent="-248284" lvl="1">
+            <a:pPr marL="496569" lvl="1" indent="-248284" algn="just">
               <a:lnSpc>
                 <a:spcPts val="3219"/>
               </a:lnSpc>
@@ -12171,7 +12657,7 @@
               <a:buChar char="•"/>
             </a:pPr>
             <a:r>
-              <a:rPr lang="en-US" sz="2299" strike="noStrike" u="none">
+              <a:rPr lang="en-US" sz="2299" u="none" strike="noStrike">
                 <a:solidFill>
                   <a:srgbClr val="FFFFFF"/>
                 </a:solidFill>
@@ -12184,7 +12670,7 @@
             </a:r>
           </a:p>
           <a:p>
-            <a:pPr algn="just" marL="496569" indent="-248284" lvl="1">
+            <a:pPr marL="496569" lvl="1" indent="-248284" algn="just">
               <a:lnSpc>
                 <a:spcPts val="3219"/>
               </a:lnSpc>
@@ -12192,7 +12678,7 @@
               <a:buChar char="•"/>
             </a:pPr>
             <a:r>
-              <a:rPr lang="en-US" sz="2299" strike="noStrike" u="none">
+              <a:rPr lang="en-US" sz="2299" u="none" strike="noStrike">
                 <a:solidFill>
                   <a:srgbClr val="FFFFFF"/>
                 </a:solidFill>
@@ -12208,12 +12694,12 @@
       </p:sp>
       <p:grpSp>
         <p:nvGrpSpPr>
-          <p:cNvPr name="Group 11" id="11"/>
+          <p:cNvPr id="11" name="Group 11"/>
           <p:cNvGrpSpPr/>
           <p:nvPr/>
         </p:nvGrpSpPr>
         <p:grpSpPr>
-          <a:xfrm rot="0">
+          <a:xfrm>
             <a:off x="-507891" y="-1283364"/>
             <a:ext cx="5482615" cy="4231373"/>
             <a:chOff x="0" y="0"/>
@@ -12222,12 +12708,12 @@
         </p:grpSpPr>
         <p:sp>
           <p:nvSpPr>
-            <p:cNvPr name="Freeform 12" id="12"/>
+            <p:cNvPr id="12" name="Freeform 12"/>
             <p:cNvSpPr/>
             <p:nvPr/>
           </p:nvSpPr>
           <p:spPr>
-            <a:xfrm flipH="false" flipV="false" rot="0">
+            <a:xfrm>
               <a:off x="0" y="0"/>
               <a:ext cx="905432" cy="698795"/>
             </a:xfrm>
@@ -12236,9 +12722,9 @@
               <a:gdLst/>
               <a:ahLst/>
               <a:cxnLst/>
-              <a:rect r="r" b="b" t="t" l="l"/>
+              <a:rect l="l" t="t" r="r" b="b"/>
               <a:pathLst>
-                <a:path h="698795" w="905432">
+                <a:path w="905432" h="698795">
                   <a:moveTo>
                     <a:pt x="32478" y="0"/>
                   </a:moveTo>
@@ -12301,10 +12787,17 @@
             <a:blipFill>
               <a:blip r:embed="rId7"/>
               <a:stretch>
-                <a:fillRect l="-17658" t="0" r="-17658" b="0"/>
+                <a:fillRect l="-17658" r="-17658"/>
               </a:stretch>
             </a:blipFill>
           </p:spPr>
+          <p:txBody>
+            <a:bodyPr/>
+            <a:lstStyle/>
+            <a:p>
+              <a:endParaRPr lang="es-419"/>
+            </a:p>
+          </p:txBody>
         </p:sp>
       </p:grpSp>
     </p:spTree>
@@ -12313,19 +12806,20 @@
     <a:masterClrMapping/>
   </p:clrMapOvr>
   <p:transition spd="slow">
-    <p:push dir="l"/>
+    <p:push/>
   </p:transition>
 </p:sld>
 </file>
 
 <file path=ppt/slides/slide8.xml><?xml version="1.0" encoding="utf-8"?>
-<p:sld xmlns:p="http://schemas.openxmlformats.org/presentationml/2006/main" xmlns:a="http://schemas.openxmlformats.org/drawingml/2006/main" xmlns:r="http://schemas.openxmlformats.org/officeDocument/2006/relationships">
+<p:sld xmlns:a="http://schemas.openxmlformats.org/drawingml/2006/main" xmlns:r="http://schemas.openxmlformats.org/officeDocument/2006/relationships" xmlns:p="http://schemas.openxmlformats.org/presentationml/2006/main">
   <p:cSld>
     <p:bg>
       <p:bgPr>
         <a:solidFill>
           <a:srgbClr val="000000"/>
         </a:solidFill>
+        <a:effectLst/>
       </p:bgPr>
     </p:bg>
     <p:spTree>
@@ -12344,7 +12838,7 @@
       </p:grpSpPr>
       <p:sp>
         <p:nvSpPr>
-          <p:cNvPr name="AutoShape 2" id="2"/>
+          <p:cNvPr id="2" name="AutoShape 2"/>
           <p:cNvSpPr/>
           <p:nvPr/>
         </p:nvSpPr>
@@ -12356,24 +12850,31 @@
           <a:prstGeom prst="line">
             <a:avLst/>
           </a:prstGeom>
-          <a:ln cap="flat" w="19050">
+          <a:ln w="19050" cap="flat">
             <a:solidFill>
               <a:srgbClr val="00BB13"/>
             </a:solidFill>
             <a:prstDash val="solid"/>
-            <a:headEnd type="none" len="sm" w="sm"/>
-            <a:tailEnd type="none" len="sm" w="sm"/>
+            <a:headEnd type="none" w="sm" len="sm"/>
+            <a:tailEnd type="none" w="sm" len="sm"/>
           </a:ln>
         </p:spPr>
-      </p:sp>
-      <p:sp>
-        <p:nvSpPr>
-          <p:cNvPr name="Freeform 3" id="3"/>
+        <p:txBody>
+          <a:bodyPr/>
+          <a:lstStyle/>
+          <a:p>
+            <a:endParaRPr lang="es-419"/>
+          </a:p>
+        </p:txBody>
+      </p:sp>
+      <p:sp>
+        <p:nvSpPr>
+          <p:cNvPr id="3" name="Freeform 3"/>
           <p:cNvSpPr/>
           <p:nvPr/>
         </p:nvSpPr>
         <p:spPr>
-          <a:xfrm flipH="false" flipV="false" rot="0">
+          <a:xfrm>
             <a:off x="-2463083" y="3956371"/>
             <a:ext cx="5782737" cy="5770690"/>
           </a:xfrm>
@@ -12382,9 +12883,9 @@
             <a:gdLst/>
             <a:ahLst/>
             <a:cxnLst/>
-            <a:rect r="r" b="b" t="t" l="l"/>
+            <a:rect l="l" t="t" r="r" b="b"/>
             <a:pathLst>
-              <a:path h="5770690" w="5782737">
+              <a:path w="5782737" h="5770690">
                 <a:moveTo>
                   <a:pt x="0" y="0"/>
                 </a:moveTo>
@@ -12413,19 +12914,26 @@
               </a:extLst>
             </a:blip>
             <a:stretch>
-              <a:fillRect l="0" t="0" r="0" b="0"/>
+              <a:fillRect/>
             </a:stretch>
           </a:blipFill>
         </p:spPr>
-      </p:sp>
-      <p:sp>
-        <p:nvSpPr>
-          <p:cNvPr name="Freeform 4" id="4"/>
+        <p:txBody>
+          <a:bodyPr/>
+          <a:lstStyle/>
+          <a:p>
+            <a:endParaRPr lang="es-419"/>
+          </a:p>
+        </p:txBody>
+      </p:sp>
+      <p:sp>
+        <p:nvSpPr>
+          <p:cNvPr id="4" name="Freeform 4"/>
           <p:cNvSpPr/>
           <p:nvPr/>
         </p:nvSpPr>
         <p:spPr>
-          <a:xfrm flipH="false" flipV="false" rot="0">
+          <a:xfrm>
             <a:off x="4619052" y="2348144"/>
             <a:ext cx="826601" cy="828107"/>
           </a:xfrm>
@@ -12434,9 +12942,9 @@
             <a:gdLst/>
             <a:ahLst/>
             <a:cxnLst/>
-            <a:rect r="r" b="b" t="t" l="l"/>
+            <a:rect l="l" t="t" r="r" b="b"/>
             <a:pathLst>
-              <a:path h="828107" w="826601">
+              <a:path w="826601" h="828107">
                 <a:moveTo>
                   <a:pt x="0" y="0"/>
                 </a:moveTo>
@@ -12465,19 +12973,26 @@
               </a:extLst>
             </a:blip>
             <a:stretch>
-              <a:fillRect l="0" t="0" r="0" b="0"/>
+              <a:fillRect/>
             </a:stretch>
           </a:blipFill>
         </p:spPr>
-      </p:sp>
-      <p:sp>
-        <p:nvSpPr>
-          <p:cNvPr name="TextBox 5" id="5"/>
-          <p:cNvSpPr txBox="true"/>
-          <p:nvPr/>
-        </p:nvSpPr>
-        <p:spPr>
-          <a:xfrm rot="0">
+        <p:txBody>
+          <a:bodyPr/>
+          <a:lstStyle/>
+          <a:p>
+            <a:endParaRPr lang="es-419"/>
+          </a:p>
+        </p:txBody>
+      </p:sp>
+      <p:sp>
+        <p:nvSpPr>
+          <p:cNvPr id="5" name="TextBox 5"/>
+          <p:cNvSpPr txBox="1"/>
+          <p:nvPr/>
+        </p:nvSpPr>
+        <p:spPr>
+          <a:xfrm>
             <a:off x="8460596" y="2586269"/>
             <a:ext cx="6043800" cy="1071262"/>
           </a:xfrm>
@@ -12486,7 +13001,7 @@
           </a:prstGeom>
         </p:spPr>
         <p:txBody>
-          <a:bodyPr anchor="t" rtlCol="false" tIns="0" lIns="0" bIns="0" rIns="0">
+          <a:bodyPr lIns="0" tIns="0" rIns="0" bIns="0" rtlCol="0" anchor="t">
             <a:spAutoFit/>
           </a:bodyPr>
           <a:lstStyle/>
@@ -12513,12 +13028,12 @@
       </p:sp>
       <p:grpSp>
         <p:nvGrpSpPr>
-          <p:cNvPr name="Group 6" id="6"/>
+          <p:cNvPr id="6" name="Group 6"/>
           <p:cNvGrpSpPr/>
           <p:nvPr/>
         </p:nvGrpSpPr>
         <p:grpSpPr>
-          <a:xfrm rot="0">
+          <a:xfrm>
             <a:off x="-507891" y="-1283364"/>
             <a:ext cx="5482615" cy="4231373"/>
             <a:chOff x="0" y="0"/>
@@ -12527,12 +13042,12 @@
         </p:grpSpPr>
         <p:sp>
           <p:nvSpPr>
-            <p:cNvPr name="Freeform 7" id="7"/>
+            <p:cNvPr id="7" name="Freeform 7"/>
             <p:cNvSpPr/>
             <p:nvPr/>
           </p:nvSpPr>
           <p:spPr>
-            <a:xfrm flipH="false" flipV="false" rot="0">
+            <a:xfrm>
               <a:off x="0" y="0"/>
               <a:ext cx="905432" cy="698795"/>
             </a:xfrm>
@@ -12541,9 +13056,9 @@
               <a:gdLst/>
               <a:ahLst/>
               <a:cxnLst/>
-              <a:rect r="r" b="b" t="t" l="l"/>
+              <a:rect l="l" t="t" r="r" b="b"/>
               <a:pathLst>
-                <a:path h="698795" w="905432">
+                <a:path w="905432" h="698795">
                   <a:moveTo>
                     <a:pt x="32478" y="0"/>
                   </a:moveTo>
@@ -12606,20 +13121,27 @@
             <a:blipFill>
               <a:blip r:embed="rId6"/>
               <a:stretch>
-                <a:fillRect l="-17658" t="0" r="-17658" b="0"/>
+                <a:fillRect l="-17658" r="-17658"/>
               </a:stretch>
             </a:blipFill>
           </p:spPr>
+          <p:txBody>
+            <a:bodyPr/>
+            <a:lstStyle/>
+            <a:p>
+              <a:endParaRPr lang="es-419"/>
+            </a:p>
+          </p:txBody>
         </p:sp>
       </p:grpSp>
       <p:sp>
         <p:nvSpPr>
-          <p:cNvPr name="TextBox 8" id="8"/>
-          <p:cNvSpPr txBox="true"/>
-          <p:nvPr/>
-        </p:nvSpPr>
-        <p:spPr>
-          <a:xfrm rot="0">
+          <p:cNvPr id="8" name="TextBox 8"/>
+          <p:cNvSpPr txBox="1"/>
+          <p:nvPr/>
+        </p:nvSpPr>
+        <p:spPr>
+          <a:xfrm>
             <a:off x="6853343" y="4293125"/>
             <a:ext cx="4629153" cy="2548591"/>
           </a:xfrm>
@@ -12628,7 +13150,7 @@
           </a:prstGeom>
         </p:spPr>
         <p:txBody>
-          <a:bodyPr anchor="t" rtlCol="false" tIns="0" lIns="0" bIns="0" rIns="0">
+          <a:bodyPr lIns="0" tIns="0" rIns="0" bIns="0" rtlCol="0" anchor="t">
             <a:spAutoFit/>
           </a:bodyPr>
           <a:lstStyle/>
@@ -12639,7 +13161,7 @@
               </a:lnSpc>
             </a:pPr>
             <a:r>
-              <a:rPr lang="en-US" sz="2411" spc="-55" b="true">
+              <a:rPr lang="en-US" sz="2411" b="1" spc="-55">
                 <a:solidFill>
                   <a:srgbClr val="FFFFFF"/>
                 </a:solidFill>
@@ -12652,7 +13174,7 @@
             </a:r>
           </a:p>
           <a:p>
-            <a:pPr algn="l" marL="520701" indent="-260350" lvl="1">
+            <a:pPr marL="520701" lvl="1" indent="-260350" algn="l">
               <a:lnSpc>
                 <a:spcPts val="3376"/>
               </a:lnSpc>
@@ -12678,6 +13200,15 @@
                 <a:spcPts val="3376"/>
               </a:lnSpc>
             </a:pPr>
+            <a:endParaRPr lang="en-US" sz="2411" spc="-55">
+              <a:solidFill>
+                <a:srgbClr val="FFFFFF"/>
+              </a:solidFill>
+              <a:latin typeface="Open Sans 2"/>
+              <a:ea typeface="Open Sans 2"/>
+              <a:cs typeface="Open Sans 2"/>
+              <a:sym typeface="Open Sans 2"/>
+            </a:endParaRPr>
           </a:p>
           <a:p>
             <a:pPr algn="l">
@@ -12688,17 +13219,26 @@
                 <a:spcPct val="0"/>
               </a:spcBef>
             </a:pPr>
-          </a:p>
-        </p:txBody>
-      </p:sp>
-      <p:sp>
-        <p:nvSpPr>
-          <p:cNvPr name="TextBox 9" id="9"/>
-          <p:cNvSpPr txBox="true"/>
-          <p:nvPr/>
-        </p:nvSpPr>
-        <p:spPr>
-          <a:xfrm rot="0">
+            <a:endParaRPr lang="en-US" sz="2411" spc="-55">
+              <a:solidFill>
+                <a:srgbClr val="FFFFFF"/>
+              </a:solidFill>
+              <a:latin typeface="Open Sans 2"/>
+              <a:ea typeface="Open Sans 2"/>
+              <a:cs typeface="Open Sans 2"/>
+              <a:sym typeface="Open Sans 2"/>
+            </a:endParaRPr>
+          </a:p>
+        </p:txBody>
+      </p:sp>
+      <p:sp>
+        <p:nvSpPr>
+          <p:cNvPr id="9" name="TextBox 9"/>
+          <p:cNvSpPr txBox="1"/>
+          <p:nvPr/>
+        </p:nvSpPr>
+        <p:spPr>
+          <a:xfrm>
             <a:off x="6853343" y="7586540"/>
             <a:ext cx="4495200" cy="2548591"/>
           </a:xfrm>
@@ -12707,7 +13247,7 @@
           </a:prstGeom>
         </p:spPr>
         <p:txBody>
-          <a:bodyPr anchor="t" rtlCol="false" tIns="0" lIns="0" bIns="0" rIns="0">
+          <a:bodyPr lIns="0" tIns="0" rIns="0" bIns="0" rtlCol="0" anchor="t">
             <a:spAutoFit/>
           </a:bodyPr>
           <a:lstStyle/>
@@ -12718,7 +13258,7 @@
               </a:lnSpc>
             </a:pPr>
             <a:r>
-              <a:rPr lang="en-US" sz="2411" spc="-55" b="true">
+              <a:rPr lang="en-US" sz="2411" b="1" spc="-55">
                 <a:solidFill>
                   <a:srgbClr val="FFFFFF"/>
                 </a:solidFill>
@@ -12731,7 +13271,7 @@
             </a:r>
           </a:p>
           <a:p>
-            <a:pPr algn="l" marL="520701" indent="-260350" lvl="1">
+            <a:pPr marL="520701" lvl="1" indent="-260350" algn="l">
               <a:lnSpc>
                 <a:spcPts val="3376"/>
               </a:lnSpc>
@@ -12752,7 +13292,7 @@
             </a:r>
           </a:p>
           <a:p>
-            <a:pPr algn="l" marL="520701" indent="-260350" lvl="1">
+            <a:pPr marL="520701" lvl="1" indent="-260350" algn="l">
               <a:lnSpc>
                 <a:spcPts val="3376"/>
               </a:lnSpc>
@@ -12781,17 +13321,26 @@
                 <a:spcPct val="0"/>
               </a:spcBef>
             </a:pPr>
-          </a:p>
-        </p:txBody>
-      </p:sp>
-      <p:sp>
-        <p:nvSpPr>
-          <p:cNvPr name="TextBox 10" id="10"/>
-          <p:cNvSpPr txBox="true"/>
-          <p:nvPr/>
-        </p:nvSpPr>
-        <p:spPr>
-          <a:xfrm rot="0">
+            <a:endParaRPr lang="en-US" sz="2411" spc="-55">
+              <a:solidFill>
+                <a:srgbClr val="FFFFFF"/>
+              </a:solidFill>
+              <a:latin typeface="Open Sans 2"/>
+              <a:ea typeface="Open Sans 2"/>
+              <a:cs typeface="Open Sans 2"/>
+              <a:sym typeface="Open Sans 2"/>
+            </a:endParaRPr>
+          </a:p>
+        </p:txBody>
+      </p:sp>
+      <p:sp>
+        <p:nvSpPr>
+          <p:cNvPr id="10" name="TextBox 10"/>
+          <p:cNvSpPr txBox="1"/>
+          <p:nvPr/>
+        </p:nvSpPr>
+        <p:spPr>
+          <a:xfrm>
             <a:off x="11882546" y="4297626"/>
             <a:ext cx="4417596" cy="2119966"/>
           </a:xfrm>
@@ -12800,7 +13349,7 @@
           </a:prstGeom>
         </p:spPr>
         <p:txBody>
-          <a:bodyPr anchor="t" rtlCol="false" tIns="0" lIns="0" bIns="0" rIns="0">
+          <a:bodyPr lIns="0" tIns="0" rIns="0" bIns="0" rtlCol="0" anchor="t">
             <a:spAutoFit/>
           </a:bodyPr>
           <a:lstStyle/>
@@ -12811,7 +13360,7 @@
               </a:lnSpc>
             </a:pPr>
             <a:r>
-              <a:rPr lang="en-US" sz="2411" spc="-55" b="true">
+              <a:rPr lang="en-US" sz="2411" b="1" spc="-55">
                 <a:solidFill>
                   <a:srgbClr val="FFFFFF"/>
                 </a:solidFill>
@@ -12824,7 +13373,7 @@
             </a:r>
           </a:p>
           <a:p>
-            <a:pPr algn="l" marL="520701" indent="-260350" lvl="1">
+            <a:pPr marL="520701" lvl="1" indent="-260350" algn="l">
               <a:lnSpc>
                 <a:spcPts val="3376"/>
               </a:lnSpc>
@@ -12845,7 +13394,7 @@
             </a:r>
           </a:p>
           <a:p>
-            <a:pPr algn="l" marL="520701" indent="-260350" lvl="1">
+            <a:pPr marL="520701" lvl="1" indent="-260350" algn="l">
               <a:lnSpc>
                 <a:spcPts val="3376"/>
               </a:lnSpc>
@@ -12872,12 +13421,12 @@
       </p:sp>
       <p:sp>
         <p:nvSpPr>
-          <p:cNvPr name="TextBox 11" id="11"/>
-          <p:cNvSpPr txBox="true"/>
-          <p:nvPr/>
-        </p:nvSpPr>
-        <p:spPr>
-          <a:xfrm rot="0">
+          <p:cNvPr id="11" name="TextBox 11"/>
+          <p:cNvSpPr txBox="1"/>
+          <p:nvPr/>
+        </p:nvSpPr>
+        <p:spPr>
+          <a:xfrm>
             <a:off x="6853343" y="6225547"/>
             <a:ext cx="4039404" cy="1262716"/>
           </a:xfrm>
@@ -12886,7 +13435,7 @@
           </a:prstGeom>
         </p:spPr>
         <p:txBody>
-          <a:bodyPr anchor="t" rtlCol="false" tIns="0" lIns="0" bIns="0" rIns="0">
+          <a:bodyPr lIns="0" tIns="0" rIns="0" bIns="0" rtlCol="0" anchor="t">
             <a:spAutoFit/>
           </a:bodyPr>
           <a:lstStyle/>
@@ -12897,7 +13446,7 @@
               </a:lnSpc>
             </a:pPr>
             <a:r>
-              <a:rPr lang="en-US" sz="2411" spc="-55" b="true">
+              <a:rPr lang="en-US" sz="2411" b="1" spc="-55">
                 <a:solidFill>
                   <a:srgbClr val="FFFFFF"/>
                 </a:solidFill>
@@ -12910,7 +13459,7 @@
             </a:r>
           </a:p>
           <a:p>
-            <a:pPr algn="l" marL="520701" indent="-260350" lvl="1">
+            <a:pPr marL="520701" lvl="1" indent="-260350" algn="l">
               <a:lnSpc>
                 <a:spcPts val="3376"/>
               </a:lnSpc>
@@ -12937,12 +13486,12 @@
       </p:sp>
       <p:sp>
         <p:nvSpPr>
-          <p:cNvPr name="TextBox 12" id="12"/>
-          <p:cNvSpPr txBox="true"/>
-          <p:nvPr/>
-        </p:nvSpPr>
-        <p:spPr>
-          <a:xfrm rot="0">
+          <p:cNvPr id="12" name="TextBox 12"/>
+          <p:cNvSpPr txBox="1"/>
+          <p:nvPr/>
+        </p:nvSpPr>
+        <p:spPr>
+          <a:xfrm>
             <a:off x="11882546" y="6584956"/>
             <a:ext cx="4417596" cy="1691341"/>
           </a:xfrm>
@@ -12951,7 +13500,7 @@
           </a:prstGeom>
         </p:spPr>
         <p:txBody>
-          <a:bodyPr anchor="t" rtlCol="false" tIns="0" lIns="0" bIns="0" rIns="0">
+          <a:bodyPr lIns="0" tIns="0" rIns="0" bIns="0" rtlCol="0" anchor="t">
             <a:spAutoFit/>
           </a:bodyPr>
           <a:lstStyle/>
@@ -12962,7 +13511,7 @@
               </a:lnSpc>
             </a:pPr>
             <a:r>
-              <a:rPr lang="en-US" sz="2411" spc="-55" b="true">
+              <a:rPr lang="en-US" sz="2411" b="1" spc="-55">
                 <a:solidFill>
                   <a:srgbClr val="FFFFFF"/>
                 </a:solidFill>
@@ -12975,7 +13524,7 @@
             </a:r>
           </a:p>
           <a:p>
-            <a:pPr algn="l" marL="520701" indent="-260350" lvl="1">
+            <a:pPr marL="520701" lvl="1" indent="-260350" algn="l">
               <a:lnSpc>
                 <a:spcPts val="3376"/>
               </a:lnSpc>
@@ -13002,12 +13551,12 @@
       </p:sp>
       <p:sp>
         <p:nvSpPr>
-          <p:cNvPr name="TextBox 13" id="13"/>
-          <p:cNvSpPr txBox="true"/>
-          <p:nvPr/>
-        </p:nvSpPr>
-        <p:spPr>
-          <a:xfrm rot="0">
+          <p:cNvPr id="13" name="TextBox 13"/>
+          <p:cNvSpPr txBox="1"/>
+          <p:nvPr/>
+        </p:nvSpPr>
+        <p:spPr>
+          <a:xfrm>
             <a:off x="11882546" y="8443790"/>
             <a:ext cx="4495200" cy="1691341"/>
           </a:xfrm>
@@ -13016,7 +13565,7 @@
           </a:prstGeom>
         </p:spPr>
         <p:txBody>
-          <a:bodyPr anchor="t" rtlCol="false" tIns="0" lIns="0" bIns="0" rIns="0">
+          <a:bodyPr lIns="0" tIns="0" rIns="0" bIns="0" rtlCol="0" anchor="t">
             <a:spAutoFit/>
           </a:bodyPr>
           <a:lstStyle/>
@@ -13027,7 +13576,7 @@
               </a:lnSpc>
             </a:pPr>
             <a:r>
-              <a:rPr lang="en-US" sz="2411" spc="-55" b="true">
+              <a:rPr lang="en-US" sz="2411" b="1" spc="-55">
                 <a:solidFill>
                   <a:srgbClr val="FFFFFF"/>
                 </a:solidFill>
@@ -13040,7 +13589,7 @@
             </a:r>
           </a:p>
           <a:p>
-            <a:pPr algn="l" marL="520701" indent="-260350" lvl="1">
+            <a:pPr marL="520701" lvl="1" indent="-260350" algn="l">
               <a:lnSpc>
                 <a:spcPts val="3376"/>
               </a:lnSpc>
@@ -13069,6 +13618,15 @@
                 <a:spcPct val="0"/>
               </a:spcBef>
             </a:pPr>
+            <a:endParaRPr lang="en-US" sz="2411" spc="-55">
+              <a:solidFill>
+                <a:srgbClr val="FFFFFF"/>
+              </a:solidFill>
+              <a:latin typeface="Open Sans 2"/>
+              <a:ea typeface="Open Sans 2"/>
+              <a:cs typeface="Open Sans 2"/>
+              <a:sym typeface="Open Sans 2"/>
+            </a:endParaRPr>
           </a:p>
         </p:txBody>
       </p:sp>
@@ -13078,19 +13636,20 @@
     <a:masterClrMapping/>
   </p:clrMapOvr>
   <p:transition spd="slow">
-    <p:push dir="l"/>
+    <p:push/>
   </p:transition>
 </p:sld>
 </file>
 
 <file path=ppt/slides/slide9.xml><?xml version="1.0" encoding="utf-8"?>
-<p:sld xmlns:p="http://schemas.openxmlformats.org/presentationml/2006/main" xmlns:a="http://schemas.openxmlformats.org/drawingml/2006/main" xmlns:r="http://schemas.openxmlformats.org/officeDocument/2006/relationships">
+<p:sld xmlns:a="http://schemas.openxmlformats.org/drawingml/2006/main" xmlns:r="http://schemas.openxmlformats.org/officeDocument/2006/relationships" xmlns:p="http://schemas.openxmlformats.org/presentationml/2006/main">
   <p:cSld>
     <p:bg>
       <p:bgPr>
         <a:solidFill>
           <a:srgbClr val="000000"/>
         </a:solidFill>
+        <a:effectLst/>
       </p:bgPr>
     </p:bg>
     <p:spTree>
@@ -13109,12 +13668,12 @@
       </p:grpSpPr>
       <p:sp>
         <p:nvSpPr>
-          <p:cNvPr name="Freeform 2" id="2"/>
+          <p:cNvPr id="2" name="Freeform 2"/>
           <p:cNvSpPr/>
           <p:nvPr/>
         </p:nvSpPr>
         <p:spPr>
-          <a:xfrm flipH="false" flipV="false" rot="-10800000">
+          <a:xfrm rot="-10800000">
             <a:off x="13061825" y="-835725"/>
             <a:ext cx="6339891" cy="6345178"/>
           </a:xfrm>
@@ -13123,9 +13682,9 @@
             <a:gdLst/>
             <a:ahLst/>
             <a:cxnLst/>
-            <a:rect r="r" b="b" t="t" l="l"/>
+            <a:rect l="l" t="t" r="r" b="b"/>
             <a:pathLst>
-              <a:path h="6345178" w="6339891">
+              <a:path w="6339891" h="6345178">
                 <a:moveTo>
                   <a:pt x="0" y="0"/>
                 </a:moveTo>
@@ -13154,19 +13713,26 @@
               </a:extLst>
             </a:blip>
             <a:stretch>
-              <a:fillRect l="0" t="0" r="0" b="0"/>
+              <a:fillRect/>
             </a:stretch>
           </a:blipFill>
         </p:spPr>
-      </p:sp>
-      <p:sp>
-        <p:nvSpPr>
-          <p:cNvPr name="Freeform 3" id="3"/>
+        <p:txBody>
+          <a:bodyPr/>
+          <a:lstStyle/>
+          <a:p>
+            <a:endParaRPr lang="es-419"/>
+          </a:p>
+        </p:txBody>
+      </p:sp>
+      <p:sp>
+        <p:nvSpPr>
+          <p:cNvPr id="3" name="Freeform 3"/>
           <p:cNvSpPr/>
           <p:nvPr/>
         </p:nvSpPr>
         <p:spPr>
-          <a:xfrm flipH="false" flipV="false" rot="0">
+          <a:xfrm>
             <a:off x="13061825" y="5509453"/>
             <a:ext cx="3039700" cy="3026191"/>
           </a:xfrm>
@@ -13175,9 +13741,9 @@
             <a:gdLst/>
             <a:ahLst/>
             <a:cxnLst/>
-            <a:rect r="r" b="b" t="t" l="l"/>
+            <a:rect l="l" t="t" r="r" b="b"/>
             <a:pathLst>
-              <a:path h="3026191" w="3039700">
+              <a:path w="3039700" h="3026191">
                 <a:moveTo>
                   <a:pt x="0" y="0"/>
                 </a:moveTo>
@@ -13200,19 +13766,26 @@
           <a:blipFill>
             <a:blip r:embed="rId4"/>
             <a:stretch>
-              <a:fillRect l="0" t="0" r="0" b="0"/>
+              <a:fillRect/>
             </a:stretch>
           </a:blipFill>
         </p:spPr>
-      </p:sp>
-      <p:sp>
-        <p:nvSpPr>
-          <p:cNvPr name="Freeform 4" id="4"/>
+        <p:txBody>
+          <a:bodyPr/>
+          <a:lstStyle/>
+          <a:p>
+            <a:endParaRPr lang="es-419"/>
+          </a:p>
+        </p:txBody>
+      </p:sp>
+      <p:sp>
+        <p:nvSpPr>
+          <p:cNvPr id="4" name="Freeform 4"/>
           <p:cNvSpPr/>
           <p:nvPr/>
         </p:nvSpPr>
         <p:spPr>
-          <a:xfrm flipH="false" flipV="false" rot="0">
+          <a:xfrm>
             <a:off x="7889823" y="5537907"/>
             <a:ext cx="3038065" cy="2997737"/>
           </a:xfrm>
@@ -13221,9 +13794,9 @@
             <a:gdLst/>
             <a:ahLst/>
             <a:cxnLst/>
-            <a:rect r="r" b="b" t="t" l="l"/>
+            <a:rect l="l" t="t" r="r" b="b"/>
             <a:pathLst>
-              <a:path h="2997737" w="3038065">
+              <a:path w="3038065" h="2997737">
                 <a:moveTo>
                   <a:pt x="0" y="0"/>
                 </a:moveTo>
@@ -13246,19 +13819,26 @@
           <a:blipFill>
             <a:blip r:embed="rId5"/>
             <a:stretch>
-              <a:fillRect l="0" t="0" r="0" b="0"/>
+              <a:fillRect/>
             </a:stretch>
           </a:blipFill>
         </p:spPr>
-      </p:sp>
-      <p:sp>
-        <p:nvSpPr>
-          <p:cNvPr name="Freeform 5" id="5"/>
+        <p:txBody>
+          <a:bodyPr/>
+          <a:lstStyle/>
+          <a:p>
+            <a:endParaRPr lang="es-419"/>
+          </a:p>
+        </p:txBody>
+      </p:sp>
+      <p:sp>
+        <p:nvSpPr>
+          <p:cNvPr id="5" name="Freeform 5"/>
           <p:cNvSpPr/>
           <p:nvPr/>
         </p:nvSpPr>
         <p:spPr>
-          <a:xfrm flipH="false" flipV="false" rot="0">
+          <a:xfrm>
             <a:off x="2422627" y="5509453"/>
             <a:ext cx="3119960" cy="3026191"/>
           </a:xfrm>
@@ -13267,9 +13847,9 @@
             <a:gdLst/>
             <a:ahLst/>
             <a:cxnLst/>
-            <a:rect r="r" b="b" t="t" l="l"/>
+            <a:rect l="l" t="t" r="r" b="b"/>
             <a:pathLst>
-              <a:path h="3026191" w="3119960">
+              <a:path w="3119960" h="3026191">
                 <a:moveTo>
                   <a:pt x="0" y="0"/>
                 </a:moveTo>
@@ -13296,15 +13876,22 @@
             </a:stretch>
           </a:blipFill>
         </p:spPr>
-      </p:sp>
-      <p:sp>
-        <p:nvSpPr>
-          <p:cNvPr name="TextBox 6" id="6"/>
-          <p:cNvSpPr txBox="true"/>
-          <p:nvPr/>
-        </p:nvSpPr>
-        <p:spPr>
-          <a:xfrm rot="0">
+        <p:txBody>
+          <a:bodyPr/>
+          <a:lstStyle/>
+          <a:p>
+            <a:endParaRPr lang="es-419"/>
+          </a:p>
+        </p:txBody>
+      </p:sp>
+      <p:sp>
+        <p:nvSpPr>
+          <p:cNvPr id="6" name="TextBox 6"/>
+          <p:cNvSpPr txBox="1"/>
+          <p:nvPr/>
+        </p:nvSpPr>
+        <p:spPr>
+          <a:xfrm>
             <a:off x="1951980" y="4361896"/>
             <a:ext cx="4061255" cy="404454"/>
           </a:xfrm>
@@ -13313,7 +13900,7 @@
           </a:prstGeom>
         </p:spPr>
         <p:txBody>
-          <a:bodyPr anchor="t" rtlCol="false" tIns="0" lIns="0" bIns="0" rIns="0">
+          <a:bodyPr lIns="0" tIns="0" rIns="0" bIns="0" rtlCol="0" anchor="t">
             <a:spAutoFit/>
           </a:bodyPr>
           <a:lstStyle/>
@@ -13327,7 +13914,7 @@
               </a:spcBef>
             </a:pPr>
             <a:r>
-              <a:rPr lang="en-US" b="true" sz="2451">
+              <a:rPr lang="en-US" sz="2451" b="1">
                 <a:solidFill>
                   <a:srgbClr val="FFFFFF"/>
                 </a:solidFill>
@@ -13343,12 +13930,12 @@
       </p:sp>
       <p:sp>
         <p:nvSpPr>
-          <p:cNvPr name="TextBox 7" id="7"/>
-          <p:cNvSpPr txBox="true"/>
-          <p:nvPr/>
-        </p:nvSpPr>
-        <p:spPr>
-          <a:xfrm rot="0">
+          <p:cNvPr id="7" name="TextBox 7"/>
+          <p:cNvSpPr txBox="1"/>
+          <p:nvPr/>
+        </p:nvSpPr>
+        <p:spPr>
+          <a:xfrm>
             <a:off x="8043468" y="4349864"/>
             <a:ext cx="2710484" cy="387962"/>
           </a:xfrm>
@@ -13357,7 +13944,7 @@
           </a:prstGeom>
         </p:spPr>
         <p:txBody>
-          <a:bodyPr anchor="t" rtlCol="false" tIns="0" lIns="0" bIns="0" rIns="0">
+          <a:bodyPr lIns="0" tIns="0" rIns="0" bIns="0" rtlCol="0" anchor="t">
             <a:spAutoFit/>
           </a:bodyPr>
           <a:lstStyle/>
@@ -13371,7 +13958,7 @@
               </a:spcBef>
             </a:pPr>
             <a:r>
-              <a:rPr lang="en-US" b="true" sz="2351">
+              <a:rPr lang="en-US" sz="2351" b="1">
                 <a:solidFill>
                   <a:srgbClr val="FFFFFF"/>
                 </a:solidFill>
@@ -13387,12 +13974,12 @@
       </p:sp>
       <p:sp>
         <p:nvSpPr>
-          <p:cNvPr name="TextBox 8" id="8"/>
-          <p:cNvSpPr txBox="true"/>
-          <p:nvPr/>
-        </p:nvSpPr>
-        <p:spPr>
-          <a:xfrm rot="0">
+          <p:cNvPr id="8" name="TextBox 8"/>
+          <p:cNvSpPr txBox="1"/>
+          <p:nvPr/>
+        </p:nvSpPr>
+        <p:spPr>
+          <a:xfrm>
             <a:off x="13307241" y="4407135"/>
             <a:ext cx="2548868" cy="387944"/>
           </a:xfrm>
@@ -13401,7 +13988,7 @@
           </a:prstGeom>
         </p:spPr>
         <p:txBody>
-          <a:bodyPr anchor="t" rtlCol="false" tIns="0" lIns="0" bIns="0" rIns="0">
+          <a:bodyPr lIns="0" tIns="0" rIns="0" bIns="0" rtlCol="0" anchor="t">
             <a:spAutoFit/>
           </a:bodyPr>
           <a:lstStyle/>
@@ -13415,7 +14002,7 @@
               </a:spcBef>
             </a:pPr>
             <a:r>
-              <a:rPr lang="en-US" b="true" sz="2351">
+              <a:rPr lang="en-US" sz="2351" b="1">
                 <a:solidFill>
                   <a:srgbClr val="FFFFFF"/>
                 </a:solidFill>
@@ -13431,7 +14018,7 @@
       </p:sp>
       <p:sp>
         <p:nvSpPr>
-          <p:cNvPr name="AutoShape 9" id="9"/>
+          <p:cNvPr id="9" name="AutoShape 9"/>
           <p:cNvSpPr/>
           <p:nvPr/>
         </p:nvSpPr>
@@ -13443,24 +14030,31 @@
           <a:prstGeom prst="line">
             <a:avLst/>
           </a:prstGeom>
-          <a:ln cap="flat" w="19050">
+          <a:ln w="19050" cap="flat">
             <a:solidFill>
               <a:srgbClr val="00BB13"/>
             </a:solidFill>
             <a:prstDash val="solid"/>
-            <a:headEnd type="none" len="sm" w="sm"/>
-            <a:tailEnd type="none" len="sm" w="sm"/>
+            <a:headEnd type="none" w="sm" len="sm"/>
+            <a:tailEnd type="none" w="sm" len="sm"/>
           </a:ln>
         </p:spPr>
+        <p:txBody>
+          <a:bodyPr/>
+          <a:lstStyle/>
+          <a:p>
+            <a:endParaRPr lang="es-419"/>
+          </a:p>
+        </p:txBody>
       </p:sp>
       <p:grpSp>
         <p:nvGrpSpPr>
-          <p:cNvPr name="Group 10" id="10"/>
+          <p:cNvPr id="10" name="Group 10"/>
           <p:cNvGrpSpPr/>
           <p:nvPr/>
         </p:nvGrpSpPr>
         <p:grpSpPr>
-          <a:xfrm rot="0">
+          <a:xfrm>
             <a:off x="-507891" y="-1267063"/>
             <a:ext cx="5480359" cy="4229632"/>
             <a:chOff x="0" y="0"/>
@@ -13469,12 +14063,12 @@
         </p:grpSpPr>
         <p:sp>
           <p:nvSpPr>
-            <p:cNvPr name="Freeform 11" id="11"/>
+            <p:cNvPr id="11" name="Freeform 11"/>
             <p:cNvSpPr/>
             <p:nvPr/>
           </p:nvSpPr>
           <p:spPr>
-            <a:xfrm flipH="false" flipV="false" rot="0">
+            <a:xfrm>
               <a:off x="0" y="0"/>
               <a:ext cx="905432" cy="698795"/>
             </a:xfrm>
@@ -13483,9 +14077,9 @@
               <a:gdLst/>
               <a:ahLst/>
               <a:cxnLst/>
-              <a:rect r="r" b="b" t="t" l="l"/>
+              <a:rect l="l" t="t" r="r" b="b"/>
               <a:pathLst>
-                <a:path h="698795" w="905432">
+                <a:path w="905432" h="698795">
                   <a:moveTo>
                     <a:pt x="32491" y="0"/>
                   </a:moveTo>
@@ -13538,20 +14132,27 @@
             <a:blipFill>
               <a:blip r:embed="rId7"/>
               <a:stretch>
-                <a:fillRect l="-17658" t="0" r="-17658" b="0"/>
+                <a:fillRect l="-17658" r="-17658"/>
               </a:stretch>
             </a:blipFill>
           </p:spPr>
+          <p:txBody>
+            <a:bodyPr/>
+            <a:lstStyle/>
+            <a:p>
+              <a:endParaRPr lang="es-419"/>
+            </a:p>
+          </p:txBody>
         </p:sp>
       </p:grpSp>
       <p:sp>
         <p:nvSpPr>
-          <p:cNvPr name="TextBox 12" id="12"/>
-          <p:cNvSpPr txBox="true"/>
-          <p:nvPr/>
-        </p:nvSpPr>
-        <p:spPr>
-          <a:xfrm rot="0">
+          <p:cNvPr id="12" name="TextBox 12"/>
+          <p:cNvSpPr txBox="1"/>
+          <p:nvPr/>
+        </p:nvSpPr>
+        <p:spPr>
+          <a:xfrm>
             <a:off x="3768089" y="2602326"/>
             <a:ext cx="11822785" cy="1071262"/>
           </a:xfrm>
@@ -13560,7 +14161,7 @@
           </a:prstGeom>
         </p:spPr>
         <p:txBody>
-          <a:bodyPr anchor="t" rtlCol="false" tIns="0" lIns="0" bIns="0" rIns="0">
+          <a:bodyPr lIns="0" tIns="0" rIns="0" bIns="0" rtlCol="0" anchor="t">
             <a:spAutoFit/>
           </a:bodyPr>
           <a:lstStyle/>
@@ -13591,7 +14192,7 @@
     <a:masterClrMapping/>
   </p:clrMapOvr>
   <p:transition spd="slow">
-    <p:push dir="l"/>
+    <p:push/>
   </p:transition>
 </p:sld>
 </file>
